--- a/public/assets/images/blog/embedded-analytics/S4HANA-Embedded-Analytics-Arch.pptx
+++ b/public/assets/images/blog/embedded-analytics/S4HANA-Embedded-Analytics-Arch.pptx
@@ -6,7 +6,7 @@
   </p:sldMasterIdLst>
   <p:sldIdLst>
     <p:sldId id="303" r:id="rId2"/>
-    <p:sldId id="284" r:id="rId3"/>
+    <p:sldId id="308" r:id="rId3"/>
   </p:sldIdLst>
   <p:sldSz cx="12192000" cy="6858000"/>
   <p:notesSz cx="6858000" cy="9144000"/>
@@ -105,6 +105,11 @@
       </a:defRPr>
     </a:lvl9pPr>
   </p:defaultTextStyle>
+  <p:extLst>
+    <p:ext uri="{EFAFB233-063F-42B5-8137-9DF3F51BA10A}">
+      <p15:sldGuideLst xmlns:p15="http://schemas.microsoft.com/office/powerpoint/2012/main"/>
+    </p:ext>
+  </p:extLst>
 </p:presentation>
 </file>
 
@@ -254,7 +259,7 @@
           <a:lstStyle/>
           <a:p>
             <a:fld id="{21641634-B3CD-3642-B7C7-4B40F7BEE2BE}" type="datetimeFigureOut">
-              <a:t>01/07/2025</a:t>
+              <a:t>7/4/25</a:t>
             </a:fld>
             <a:endParaRPr lang="en-GB"/>
           </a:p>
@@ -450,7 +455,7 @@
           <a:lstStyle/>
           <a:p>
             <a:fld id="{21641634-B3CD-3642-B7C7-4B40F7BEE2BE}" type="datetimeFigureOut">
-              <a:t>01/07/2025</a:t>
+              <a:t>7/4/25</a:t>
             </a:fld>
             <a:endParaRPr lang="en-GB"/>
           </a:p>
@@ -656,7 +661,7 @@
           <a:lstStyle/>
           <a:p>
             <a:fld id="{21641634-B3CD-3642-B7C7-4B40F7BEE2BE}" type="datetimeFigureOut">
-              <a:t>01/07/2025</a:t>
+              <a:t>7/4/25</a:t>
             </a:fld>
             <a:endParaRPr lang="en-GB"/>
           </a:p>
@@ -852,7 +857,7 @@
           <a:lstStyle/>
           <a:p>
             <a:fld id="{21641634-B3CD-3642-B7C7-4B40F7BEE2BE}" type="datetimeFigureOut">
-              <a:t>01/07/2025</a:t>
+              <a:t>7/4/25</a:t>
             </a:fld>
             <a:endParaRPr lang="en-GB"/>
           </a:p>
@@ -1125,7 +1130,7 @@
           <a:lstStyle/>
           <a:p>
             <a:fld id="{21641634-B3CD-3642-B7C7-4B40F7BEE2BE}" type="datetimeFigureOut">
-              <a:t>01/07/2025</a:t>
+              <a:t>7/4/25</a:t>
             </a:fld>
             <a:endParaRPr lang="en-GB"/>
           </a:p>
@@ -1388,7 +1393,7 @@
           <a:lstStyle/>
           <a:p>
             <a:fld id="{21641634-B3CD-3642-B7C7-4B40F7BEE2BE}" type="datetimeFigureOut">
-              <a:t>01/07/2025</a:t>
+              <a:t>7/4/25</a:t>
             </a:fld>
             <a:endParaRPr lang="en-GB"/>
           </a:p>
@@ -1798,7 +1803,7 @@
           <a:lstStyle/>
           <a:p>
             <a:fld id="{21641634-B3CD-3642-B7C7-4B40F7BEE2BE}" type="datetimeFigureOut">
-              <a:t>01/07/2025</a:t>
+              <a:t>7/4/25</a:t>
             </a:fld>
             <a:endParaRPr lang="en-GB"/>
           </a:p>
@@ -1937,7 +1942,7 @@
           <a:lstStyle/>
           <a:p>
             <a:fld id="{21641634-B3CD-3642-B7C7-4B40F7BEE2BE}" type="datetimeFigureOut">
-              <a:t>01/07/2025</a:t>
+              <a:t>7/4/25</a:t>
             </a:fld>
             <a:endParaRPr lang="en-GB"/>
           </a:p>
@@ -2048,7 +2053,7 @@
           <a:lstStyle/>
           <a:p>
             <a:fld id="{21641634-B3CD-3642-B7C7-4B40F7BEE2BE}" type="datetimeFigureOut">
-              <a:t>01/07/2025</a:t>
+              <a:t>7/4/25</a:t>
             </a:fld>
             <a:endParaRPr lang="en-GB"/>
           </a:p>
@@ -2357,7 +2362,7 @@
           <a:lstStyle/>
           <a:p>
             <a:fld id="{21641634-B3CD-3642-B7C7-4B40F7BEE2BE}" type="datetimeFigureOut">
-              <a:t>01/07/2025</a:t>
+              <a:t>7/4/25</a:t>
             </a:fld>
             <a:endParaRPr lang="en-GB"/>
           </a:p>
@@ -2643,7 +2648,7 @@
           <a:lstStyle/>
           <a:p>
             <a:fld id="{21641634-B3CD-3642-B7C7-4B40F7BEE2BE}" type="datetimeFigureOut">
-              <a:t>01/07/2025</a:t>
+              <a:t>7/4/25</a:t>
             </a:fld>
             <a:endParaRPr lang="en-GB"/>
           </a:p>
@@ -2882,7 +2887,7 @@
           </a:lstStyle>
           <a:p>
             <a:fld id="{21641634-B3CD-3642-B7C7-4B40F7BEE2BE}" type="datetimeFigureOut">
-              <a:t>01/07/2025</a:t>
+              <a:t>7/4/25</a:t>
             </a:fld>
             <a:endParaRPr lang="en-GB"/>
           </a:p>
@@ -3736,7 +3741,13 @@
   <p:cSld>
     <p:spTree>
       <p:nvGrpSpPr>
-        <p:cNvPr id="1" name=""/>
+        <p:cNvPr id="1" name="">
+          <a:extLst>
+            <a:ext uri="{FF2B5EF4-FFF2-40B4-BE49-F238E27FC236}">
+              <a16:creationId xmlns:a16="http://schemas.microsoft.com/office/drawing/2014/main" id="{4EBE6F2D-7CEB-6BB6-9A94-D8BD2C807466}"/>
+            </a:ext>
+          </a:extLst>
+        </p:cNvPr>
         <p:cNvGrpSpPr/>
         <p:nvPr/>
       </p:nvGrpSpPr>
@@ -3748,12 +3759,337 @@
           <a:chExt cx="0" cy="0"/>
         </a:xfrm>
       </p:grpSpPr>
+      <p:sp>
+        <p:nvSpPr>
+          <p:cNvPr id="59" name="Rounded Rectangle 58">
+            <a:extLst>
+              <a:ext uri="{FF2B5EF4-FFF2-40B4-BE49-F238E27FC236}">
+                <a16:creationId xmlns:a16="http://schemas.microsoft.com/office/drawing/2014/main" id="{B2C3F8DD-EBD8-5387-C16E-BA1CE6D25F50}"/>
+              </a:ext>
+            </a:extLst>
+          </p:cNvPr>
+          <p:cNvSpPr/>
+          <p:nvPr/>
+        </p:nvSpPr>
+        <p:spPr>
+          <a:xfrm>
+            <a:off x="2215092" y="1116938"/>
+            <a:ext cx="9351818" cy="1670151"/>
+          </a:xfrm>
+          <a:prstGeom prst="roundRect">
+            <a:avLst>
+              <a:gd name="adj" fmla="val 0"/>
+            </a:avLst>
+          </a:prstGeom>
+          <a:solidFill>
+            <a:schemeClr val="tx2">
+              <a:lumMod val="10000"/>
+              <a:lumOff val="90000"/>
+            </a:schemeClr>
+          </a:solidFill>
+          <a:ln w="6350">
+            <a:prstDash val="dash"/>
+          </a:ln>
+        </p:spPr>
+        <p:style>
+          <a:lnRef idx="2">
+            <a:schemeClr val="accent1">
+              <a:shade val="15000"/>
+            </a:schemeClr>
+          </a:lnRef>
+          <a:fillRef idx="1">
+            <a:schemeClr val="accent1"/>
+          </a:fillRef>
+          <a:effectRef idx="0">
+            <a:schemeClr val="accent1"/>
+          </a:effectRef>
+          <a:fontRef idx="minor">
+            <a:schemeClr val="lt1"/>
+          </a:fontRef>
+        </p:style>
+        <p:txBody>
+          <a:bodyPr rtlCol="0" anchor="t"/>
+          <a:lstStyle/>
+          <a:p>
+            <a:r>
+              <a:rPr lang="en-GB" sz="1378">
+                <a:solidFill>
+                  <a:schemeClr val="tx1"/>
+                </a:solidFill>
+                <a:latin typeface="Segoe UI" panose="020B0502040204020203" pitchFamily="34" charset="0"/>
+                <a:cs typeface="Segoe UI" panose="020B0502040204020203" pitchFamily="34" charset="0"/>
+              </a:rPr>
+              <a:t>UI5 Fiori applications for embedded analytics: structured by </a:t>
+            </a:r>
+            <a:r>
+              <a:rPr lang="en-GB" sz="1378" b="1">
+                <a:solidFill>
+                  <a:schemeClr val="tx1"/>
+                </a:solidFill>
+                <a:latin typeface="Segoe UI" panose="020B0502040204020203" pitchFamily="34" charset="0"/>
+                <a:cs typeface="Segoe UI" panose="020B0502040204020203" pitchFamily="34" charset="0"/>
+              </a:rPr>
+              <a:t>roles &amp; business scenarios</a:t>
+            </a:r>
+          </a:p>
+          <a:p>
+            <a:endParaRPr lang="en-GB" sz="1378">
+              <a:solidFill>
+                <a:schemeClr val="tx1"/>
+              </a:solidFill>
+              <a:latin typeface="Segoe UI" panose="020B0502040204020203" pitchFamily="34" charset="0"/>
+              <a:cs typeface="Segoe UI" panose="020B0502040204020203" pitchFamily="34" charset="0"/>
+            </a:endParaRPr>
+          </a:p>
+        </p:txBody>
+      </p:sp>
+      <p:sp>
+        <p:nvSpPr>
+          <p:cNvPr id="119" name="Rounded Rectangle 118">
+            <a:extLst>
+              <a:ext uri="{FF2B5EF4-FFF2-40B4-BE49-F238E27FC236}">
+                <a16:creationId xmlns:a16="http://schemas.microsoft.com/office/drawing/2014/main" id="{05E17B5A-9EBF-2EAB-C56C-C0FE71BDA376}"/>
+              </a:ext>
+            </a:extLst>
+          </p:cNvPr>
+          <p:cNvSpPr/>
+          <p:nvPr/>
+        </p:nvSpPr>
+        <p:spPr>
+          <a:xfrm>
+            <a:off x="8824848" y="1465808"/>
+            <a:ext cx="929495" cy="1001164"/>
+          </a:xfrm>
+          <a:prstGeom prst="roundRect">
+            <a:avLst>
+              <a:gd name="adj" fmla="val 1983"/>
+            </a:avLst>
+          </a:prstGeom>
+          <a:solidFill>
+            <a:schemeClr val="bg1"/>
+          </a:solidFill>
+          <a:ln w="6350"/>
+        </p:spPr>
+        <p:style>
+          <a:lnRef idx="2">
+            <a:schemeClr val="accent1">
+              <a:shade val="15000"/>
+            </a:schemeClr>
+          </a:lnRef>
+          <a:fillRef idx="1">
+            <a:schemeClr val="accent1"/>
+          </a:fillRef>
+          <a:effectRef idx="0">
+            <a:schemeClr val="accent1"/>
+          </a:effectRef>
+          <a:fontRef idx="minor">
+            <a:schemeClr val="lt1"/>
+          </a:fontRef>
+        </p:style>
+        <p:txBody>
+          <a:bodyPr rtlCol="0" anchor="t"/>
+          <a:lstStyle/>
+          <a:p>
+            <a:pPr algn="ctr"/>
+            <a:r>
+              <a:rPr lang="en-GB" sz="1206">
+                <a:solidFill>
+                  <a:schemeClr val="tx1"/>
+                </a:solidFill>
+                <a:latin typeface="Segoe UI" panose="020B0502040204020203" pitchFamily="34" charset="0"/>
+                <a:cs typeface="Segoe UI" panose="020B0502040204020203" pitchFamily="34" charset="0"/>
+              </a:rPr>
+              <a:t>Framework</a:t>
+            </a:r>
+          </a:p>
+        </p:txBody>
+      </p:sp>
+      <p:sp>
+        <p:nvSpPr>
+          <p:cNvPr id="34" name="Rounded Rectangle 33">
+            <a:extLst>
+              <a:ext uri="{FF2B5EF4-FFF2-40B4-BE49-F238E27FC236}">
+                <a16:creationId xmlns:a16="http://schemas.microsoft.com/office/drawing/2014/main" id="{E453CEEE-EE69-39C7-BFA3-606706DC921B}"/>
+              </a:ext>
+            </a:extLst>
+          </p:cNvPr>
+          <p:cNvSpPr/>
+          <p:nvPr/>
+        </p:nvSpPr>
+        <p:spPr>
+          <a:xfrm>
+            <a:off x="2315649" y="1477239"/>
+            <a:ext cx="4628929" cy="1001164"/>
+          </a:xfrm>
+          <a:prstGeom prst="roundRect">
+            <a:avLst>
+              <a:gd name="adj" fmla="val 1983"/>
+            </a:avLst>
+          </a:prstGeom>
+          <a:solidFill>
+            <a:schemeClr val="bg1"/>
+          </a:solidFill>
+          <a:ln w="6350"/>
+        </p:spPr>
+        <p:style>
+          <a:lnRef idx="2">
+            <a:schemeClr val="accent1">
+              <a:shade val="15000"/>
+            </a:schemeClr>
+          </a:lnRef>
+          <a:fillRef idx="1">
+            <a:schemeClr val="accent1"/>
+          </a:fillRef>
+          <a:effectRef idx="0">
+            <a:schemeClr val="accent1"/>
+          </a:effectRef>
+          <a:fontRef idx="minor">
+            <a:schemeClr val="lt1"/>
+          </a:fontRef>
+        </p:style>
+        <p:txBody>
+          <a:bodyPr rtlCol="0" anchor="t"/>
+          <a:lstStyle/>
+          <a:p>
+            <a:pPr algn="ctr"/>
+            <a:r>
+              <a:rPr lang="en-GB" sz="1378">
+                <a:solidFill>
+                  <a:schemeClr val="tx1"/>
+                </a:solidFill>
+                <a:latin typeface="Segoe UI" panose="020B0502040204020203" pitchFamily="34" charset="0"/>
+                <a:cs typeface="Segoe UI" panose="020B0502040204020203" pitchFamily="34" charset="0"/>
+              </a:rPr>
+              <a:t>Analytical apps</a:t>
+            </a:r>
+          </a:p>
+        </p:txBody>
+      </p:sp>
+      <p:sp>
+        <p:nvSpPr>
+          <p:cNvPr id="60" name="Rounded Rectangle 59">
+            <a:extLst>
+              <a:ext uri="{FF2B5EF4-FFF2-40B4-BE49-F238E27FC236}">
+                <a16:creationId xmlns:a16="http://schemas.microsoft.com/office/drawing/2014/main" id="{585E1635-6858-17C5-AACC-7F06BCD39B06}"/>
+              </a:ext>
+            </a:extLst>
+          </p:cNvPr>
+          <p:cNvSpPr/>
+          <p:nvPr/>
+        </p:nvSpPr>
+        <p:spPr>
+          <a:xfrm>
+            <a:off x="7000477" y="1469615"/>
+            <a:ext cx="1771737" cy="1001164"/>
+          </a:xfrm>
+          <a:prstGeom prst="roundRect">
+            <a:avLst>
+              <a:gd name="adj" fmla="val 1983"/>
+            </a:avLst>
+          </a:prstGeom>
+          <a:solidFill>
+            <a:schemeClr val="bg1"/>
+          </a:solidFill>
+          <a:ln w="6350"/>
+        </p:spPr>
+        <p:style>
+          <a:lnRef idx="2">
+            <a:schemeClr val="accent1">
+              <a:shade val="15000"/>
+            </a:schemeClr>
+          </a:lnRef>
+          <a:fillRef idx="1">
+            <a:schemeClr val="accent1"/>
+          </a:fillRef>
+          <a:effectRef idx="0">
+            <a:schemeClr val="accent1"/>
+          </a:effectRef>
+          <a:fontRef idx="minor">
+            <a:schemeClr val="lt1"/>
+          </a:fontRef>
+        </p:style>
+        <p:txBody>
+          <a:bodyPr rtlCol="0" anchor="t"/>
+          <a:lstStyle/>
+          <a:p>
+            <a:pPr algn="ctr"/>
+            <a:r>
+              <a:rPr lang="en-GB" sz="1378">
+                <a:solidFill>
+                  <a:schemeClr val="tx1"/>
+                </a:solidFill>
+                <a:latin typeface="Segoe UI" panose="020B0502040204020203" pitchFamily="34" charset="0"/>
+                <a:cs typeface="Segoe UI" panose="020B0502040204020203" pitchFamily="34" charset="0"/>
+              </a:rPr>
+              <a:t>Tools</a:t>
+            </a:r>
+          </a:p>
+        </p:txBody>
+      </p:sp>
+      <p:sp>
+        <p:nvSpPr>
+          <p:cNvPr id="2" name="Rounded Rectangle 1">
+            <a:extLst>
+              <a:ext uri="{FF2B5EF4-FFF2-40B4-BE49-F238E27FC236}">
+                <a16:creationId xmlns:a16="http://schemas.microsoft.com/office/drawing/2014/main" id="{DF2B20DC-5169-FF42-84F7-5F6857A1FF3B}"/>
+              </a:ext>
+            </a:extLst>
+          </p:cNvPr>
+          <p:cNvSpPr/>
+          <p:nvPr/>
+        </p:nvSpPr>
+        <p:spPr>
+          <a:xfrm>
+            <a:off x="2665105" y="3206712"/>
+            <a:ext cx="6882658" cy="3234782"/>
+          </a:xfrm>
+          <a:prstGeom prst="roundRect">
+            <a:avLst>
+              <a:gd name="adj" fmla="val 0"/>
+            </a:avLst>
+          </a:prstGeom>
+          <a:noFill/>
+          <a:ln w="6350"/>
+        </p:spPr>
+        <p:style>
+          <a:lnRef idx="2">
+            <a:schemeClr val="accent1">
+              <a:shade val="15000"/>
+            </a:schemeClr>
+          </a:lnRef>
+          <a:fillRef idx="1">
+            <a:schemeClr val="accent1"/>
+          </a:fillRef>
+          <a:effectRef idx="0">
+            <a:schemeClr val="accent1"/>
+          </a:effectRef>
+          <a:fontRef idx="minor">
+            <a:schemeClr val="lt1"/>
+          </a:fontRef>
+        </p:style>
+        <p:txBody>
+          <a:bodyPr rtlCol="0" anchor="t"/>
+          <a:lstStyle/>
+          <a:p>
+            <a:r>
+              <a:rPr lang="en-GB" sz="1550">
+                <a:solidFill>
+                  <a:schemeClr val="tx1"/>
+                </a:solidFill>
+                <a:latin typeface="Segoe UI" panose="020B0502040204020203" pitchFamily="34" charset="0"/>
+                <a:cs typeface="Segoe UI" panose="020B0502040204020203" pitchFamily="34" charset="0"/>
+              </a:rPr>
+              <a:t>S/4HANA backend:</a:t>
+            </a:r>
+          </a:p>
+        </p:txBody>
+      </p:sp>
       <p:grpSp>
         <p:nvGrpSpPr>
-          <p:cNvPr id="132" name="Group 131">
-            <a:extLst>
-              <a:ext uri="{FF2B5EF4-FFF2-40B4-BE49-F238E27FC236}">
-                <a16:creationId xmlns:a16="http://schemas.microsoft.com/office/drawing/2014/main" id="{9A4D259F-8E34-CF4A-EAF2-4835D1172374}"/>
+          <p:cNvPr id="108" name="Group 107">
+            <a:extLst>
+              <a:ext uri="{FF2B5EF4-FFF2-40B4-BE49-F238E27FC236}">
+                <a16:creationId xmlns:a16="http://schemas.microsoft.com/office/drawing/2014/main" id="{EADCF7B6-E6D3-17DE-B9DA-E3AA5D0D1AE5}"/>
               </a:ext>
             </a:extLst>
           </p:cNvPr>
@@ -3762,18 +4098,18 @@
         </p:nvGrpSpPr>
         <p:grpSpPr>
           <a:xfrm>
-            <a:off x="391756" y="383815"/>
-            <a:ext cx="11408488" cy="6090370"/>
-            <a:chOff x="168904" y="293250"/>
-            <a:chExt cx="13246522" cy="7071596"/>
+            <a:off x="2879927" y="5293978"/>
+            <a:ext cx="6511745" cy="990533"/>
+            <a:chOff x="3057947" y="5466399"/>
+            <a:chExt cx="7560859" cy="1150119"/>
           </a:xfrm>
         </p:grpSpPr>
         <p:sp>
           <p:nvSpPr>
-            <p:cNvPr id="59" name="Rounded Rectangle 58">
+            <p:cNvPr id="3" name="Rounded Rectangle 2">
               <a:extLst>
                 <a:ext uri="{FF2B5EF4-FFF2-40B4-BE49-F238E27FC236}">
-                  <a16:creationId xmlns:a16="http://schemas.microsoft.com/office/drawing/2014/main" id="{BE3CEFF6-C99B-1A8E-622D-A43E9F438AC8}"/>
+                  <a16:creationId xmlns:a16="http://schemas.microsoft.com/office/drawing/2014/main" id="{0124644B-3FA1-C728-5F12-A2A2EE69B631}"/>
                 </a:ext>
               </a:extLst>
             </p:cNvPr>
@@ -3782,23 +4118,18 @@
           </p:nvSpPr>
           <p:spPr>
             <a:xfrm>
-              <a:off x="2286000" y="1061357"/>
-              <a:ext cx="10858500" cy="1939231"/>
+              <a:off x="3057947" y="5466399"/>
+              <a:ext cx="7560859" cy="1150119"/>
             </a:xfrm>
             <a:prstGeom prst="roundRect">
               <a:avLst>
-                <a:gd name="adj" fmla="val 0"/>
+                <a:gd name="adj" fmla="val 1983"/>
               </a:avLst>
             </a:prstGeom>
             <a:solidFill>
-              <a:schemeClr val="tx2">
-                <a:lumMod val="10000"/>
-                <a:lumOff val="90000"/>
-              </a:schemeClr>
+              <a:srgbClr val="EDE8D0"/>
             </a:solidFill>
-            <a:ln w="6350">
-              <a:prstDash val="dash"/>
-            </a:ln>
+            <a:ln w="6350"/>
           </p:spPr>
           <p:style>
             <a:lnRef idx="2">
@@ -3821,6 +4152,16 @@
             <a:lstStyle/>
             <a:p>
               <a:r>
+                <a:rPr lang="en-GB" sz="1550">
+                  <a:solidFill>
+                    <a:schemeClr val="tx1"/>
+                  </a:solidFill>
+                  <a:latin typeface="Segoe UI" panose="020B0502040204020203" pitchFamily="34" charset="0"/>
+                  <a:cs typeface="Segoe UI" panose="020B0502040204020203" pitchFamily="34" charset="0"/>
+                </a:rPr>
+                <a:t>HANA database tables</a:t>
+              </a:r>
+              <a:r>
                 <a:rPr lang="en-GB" sz="1378">
                   <a:solidFill>
                     <a:schemeClr val="tx1"/>
@@ -3828,7 +4169,7 @@
                   <a:latin typeface="Segoe UI" panose="020B0502040204020203" pitchFamily="34" charset="0"/>
                   <a:cs typeface="Segoe UI" panose="020B0502040204020203" pitchFamily="34" charset="0"/>
                 </a:rPr>
-                <a:t>UI5 Fiori applications for embedded analytics: structured by </a:t>
+                <a:t>: structured by </a:t>
               </a:r>
               <a:r>
                 <a:rPr lang="en-GB" sz="1378" b="1">
@@ -3838,14 +4179,370 @@
                   <a:latin typeface="Segoe UI" panose="020B0502040204020203" pitchFamily="34" charset="0"/>
                   <a:cs typeface="Segoe UI" panose="020B0502040204020203" pitchFamily="34" charset="0"/>
                 </a:rPr>
-                <a:t>roles &amp; business scenarios</a:t>
+                <a:t>application &amp; db logic</a:t>
+              </a:r>
+            </a:p>
+          </p:txBody>
+        </p:sp>
+        <p:sp>
+          <p:nvSpPr>
+            <p:cNvPr id="4" name="Can 3">
+              <a:extLst>
+                <a:ext uri="{FF2B5EF4-FFF2-40B4-BE49-F238E27FC236}">
+                  <a16:creationId xmlns:a16="http://schemas.microsoft.com/office/drawing/2014/main" id="{FCA59DD1-925C-8E18-5E00-EBA97393EE34}"/>
+                </a:ext>
+              </a:extLst>
+            </p:cNvPr>
+            <p:cNvSpPr/>
+            <p:nvPr/>
+          </p:nvSpPr>
+          <p:spPr>
+            <a:xfrm>
+              <a:off x="7722966" y="5927273"/>
+              <a:ext cx="1208421" cy="557109"/>
+            </a:xfrm>
+            <a:prstGeom prst="can">
+              <a:avLst/>
+            </a:prstGeom>
+            <a:noFill/>
+            <a:ln w="6350"/>
+          </p:spPr>
+          <p:style>
+            <a:lnRef idx="2">
+              <a:schemeClr val="accent1">
+                <a:shade val="15000"/>
+              </a:schemeClr>
+            </a:lnRef>
+            <a:fillRef idx="1">
+              <a:schemeClr val="accent1"/>
+            </a:fillRef>
+            <a:effectRef idx="0">
+              <a:schemeClr val="accent1"/>
+            </a:effectRef>
+            <a:fontRef idx="minor">
+              <a:schemeClr val="lt1"/>
+            </a:fontRef>
+          </p:style>
+          <p:txBody>
+            <a:bodyPr rtlCol="0" anchor="ctr"/>
+            <a:lstStyle/>
+            <a:p>
+              <a:pPr algn="ctr"/>
+              <a:r>
+                <a:rPr lang="en-GB" sz="1033">
+                  <a:solidFill>
+                    <a:schemeClr val="tx1"/>
+                  </a:solidFill>
+                  <a:latin typeface="Segoe UI" panose="020B0502040204020203" pitchFamily="34" charset="0"/>
+                  <a:cs typeface="Segoe UI" panose="020B0502040204020203" pitchFamily="34" charset="0"/>
+                </a:rPr>
+                <a:t>Transactions</a:t>
               </a:r>
             </a:p>
             <a:p>
-              <a:endParaRPr lang="en-GB" sz="1378">
+              <a:pPr algn="ctr"/>
+              <a:r>
+                <a:rPr lang="en-GB" sz="1033">
+                  <a:solidFill>
+                    <a:schemeClr val="tx1"/>
+                  </a:solidFill>
+                  <a:latin typeface="Segoe UI" panose="020B0502040204020203" pitchFamily="34" charset="0"/>
+                  <a:cs typeface="Segoe UI" panose="020B0502040204020203" pitchFamily="34" charset="0"/>
+                </a:rPr>
+                <a:t>(e.g. ACDOCA)</a:t>
+              </a:r>
+            </a:p>
+          </p:txBody>
+        </p:sp>
+        <p:sp>
+          <p:nvSpPr>
+            <p:cNvPr id="5" name="Can 4">
+              <a:extLst>
+                <a:ext uri="{FF2B5EF4-FFF2-40B4-BE49-F238E27FC236}">
+                  <a16:creationId xmlns:a16="http://schemas.microsoft.com/office/drawing/2014/main" id="{26673257-580B-358E-71E0-C0BCC4E67FE3}"/>
+                </a:ext>
+              </a:extLst>
+            </p:cNvPr>
+            <p:cNvSpPr/>
+            <p:nvPr/>
+          </p:nvSpPr>
+          <p:spPr>
+            <a:xfrm>
+              <a:off x="6210626" y="5927274"/>
+              <a:ext cx="1208421" cy="557109"/>
+            </a:xfrm>
+            <a:prstGeom prst="can">
+              <a:avLst/>
+            </a:prstGeom>
+            <a:noFill/>
+            <a:ln w="6350"/>
+          </p:spPr>
+          <p:style>
+            <a:lnRef idx="2">
+              <a:schemeClr val="accent1">
+                <a:shade val="15000"/>
+              </a:schemeClr>
+            </a:lnRef>
+            <a:fillRef idx="1">
+              <a:schemeClr val="accent1"/>
+            </a:fillRef>
+            <a:effectRef idx="0">
+              <a:schemeClr val="accent1"/>
+            </a:effectRef>
+            <a:fontRef idx="minor">
+              <a:schemeClr val="lt1"/>
+            </a:fontRef>
+          </p:style>
+          <p:txBody>
+            <a:bodyPr rtlCol="0" anchor="ctr"/>
+            <a:lstStyle/>
+            <a:p>
+              <a:pPr algn="ctr"/>
+              <a:r>
+                <a:rPr lang="en-GB" sz="1033">
+                  <a:solidFill>
+                    <a:schemeClr val="tx1"/>
+                  </a:solidFill>
+                  <a:latin typeface="Segoe UI" panose="020B0502040204020203" pitchFamily="34" charset="0"/>
+                  <a:cs typeface="Segoe UI" panose="020B0502040204020203" pitchFamily="34" charset="0"/>
+                </a:rPr>
+                <a:t>Master data</a:t>
+              </a:r>
+            </a:p>
+            <a:p>
+              <a:pPr algn="ctr"/>
+              <a:r>
+                <a:rPr lang="en-GB" sz="1033">
+                  <a:solidFill>
+                    <a:schemeClr val="tx1"/>
+                  </a:solidFill>
+                  <a:latin typeface="Segoe UI" panose="020B0502040204020203" pitchFamily="34" charset="0"/>
+                  <a:cs typeface="Segoe UI" panose="020B0502040204020203" pitchFamily="34" charset="0"/>
+                </a:rPr>
+                <a:t>(e.g. SKB1)</a:t>
+              </a:r>
+            </a:p>
+          </p:txBody>
+        </p:sp>
+        <p:sp>
+          <p:nvSpPr>
+            <p:cNvPr id="6" name="Can 5">
+              <a:extLst>
+                <a:ext uri="{FF2B5EF4-FFF2-40B4-BE49-F238E27FC236}">
+                  <a16:creationId xmlns:a16="http://schemas.microsoft.com/office/drawing/2014/main" id="{3759FC9F-4839-A92E-3D44-7F1586572FCE}"/>
+                </a:ext>
+              </a:extLst>
+            </p:cNvPr>
+            <p:cNvSpPr/>
+            <p:nvPr/>
+          </p:nvSpPr>
+          <p:spPr>
+            <a:xfrm>
+              <a:off x="4698285" y="5927273"/>
+              <a:ext cx="1208421" cy="557109"/>
+            </a:xfrm>
+            <a:prstGeom prst="can">
+              <a:avLst/>
+            </a:prstGeom>
+            <a:noFill/>
+            <a:ln w="6350"/>
+          </p:spPr>
+          <p:style>
+            <a:lnRef idx="2">
+              <a:schemeClr val="accent1">
+                <a:shade val="15000"/>
+              </a:schemeClr>
+            </a:lnRef>
+            <a:fillRef idx="1">
+              <a:schemeClr val="accent1"/>
+            </a:fillRef>
+            <a:effectRef idx="0">
+              <a:schemeClr val="accent1"/>
+            </a:effectRef>
+            <a:fontRef idx="minor">
+              <a:schemeClr val="lt1"/>
+            </a:fontRef>
+          </p:style>
+          <p:txBody>
+            <a:bodyPr rtlCol="0" anchor="ctr"/>
+            <a:lstStyle/>
+            <a:p>
+              <a:pPr algn="ctr"/>
+              <a:r>
+                <a:rPr lang="en-GB" sz="1033">
+                  <a:solidFill>
+                    <a:schemeClr val="tx1"/>
+                  </a:solidFill>
+                  <a:latin typeface="Segoe UI" panose="020B0502040204020203" pitchFamily="34" charset="0"/>
+                  <a:cs typeface="Segoe UI" panose="020B0502040204020203" pitchFamily="34" charset="0"/>
+                </a:rPr>
+                <a:t>Configuration</a:t>
+              </a:r>
+            </a:p>
+            <a:p>
+              <a:pPr algn="ctr"/>
+              <a:r>
+                <a:rPr lang="en-GB" sz="1033">
+                  <a:solidFill>
+                    <a:schemeClr val="tx1"/>
+                  </a:solidFill>
+                  <a:latin typeface="Segoe UI" panose="020B0502040204020203" pitchFamily="34" charset="0"/>
+                  <a:cs typeface="Segoe UI" panose="020B0502040204020203" pitchFamily="34" charset="0"/>
+                </a:rPr>
+                <a:t>(e.g. T001)</a:t>
+              </a:r>
+            </a:p>
+          </p:txBody>
+        </p:sp>
+      </p:grpSp>
+      <p:sp>
+        <p:nvSpPr>
+          <p:cNvPr id="7" name="Rounded Rectangle 6">
+            <a:extLst>
+              <a:ext uri="{FF2B5EF4-FFF2-40B4-BE49-F238E27FC236}">
+                <a16:creationId xmlns:a16="http://schemas.microsoft.com/office/drawing/2014/main" id="{5F57CCC9-34AA-D8BB-8EBB-22D648FF36D1}"/>
+              </a:ext>
+            </a:extLst>
+          </p:cNvPr>
+          <p:cNvSpPr/>
+          <p:nvPr/>
+        </p:nvSpPr>
+        <p:spPr>
+          <a:xfrm>
+            <a:off x="2879927" y="3608707"/>
+            <a:ext cx="6511744" cy="1216308"/>
+          </a:xfrm>
+          <a:prstGeom prst="roundRect">
+            <a:avLst>
+              <a:gd name="adj" fmla="val 1983"/>
+            </a:avLst>
+          </a:prstGeom>
+          <a:solidFill>
+            <a:srgbClr val="D8D8D8"/>
+          </a:solidFill>
+          <a:ln w="6350"/>
+        </p:spPr>
+        <p:style>
+          <a:lnRef idx="2">
+            <a:schemeClr val="accent1">
+              <a:shade val="15000"/>
+            </a:schemeClr>
+          </a:lnRef>
+          <a:fillRef idx="1">
+            <a:schemeClr val="accent1"/>
+          </a:fillRef>
+          <a:effectRef idx="0">
+            <a:schemeClr val="accent1"/>
+          </a:effectRef>
+          <a:fontRef idx="minor">
+            <a:schemeClr val="lt1"/>
+          </a:fontRef>
+        </p:style>
+        <p:txBody>
+          <a:bodyPr rtlCol="0" anchor="t"/>
+          <a:lstStyle/>
+          <a:p>
+            <a:r>
+              <a:rPr lang="en-GB" sz="1550">
                 <a:solidFill>
                   <a:schemeClr val="tx1"/>
                 </a:solidFill>
+                <a:latin typeface="Segoe UI" panose="020B0502040204020203" pitchFamily="34" charset="0"/>
+                <a:cs typeface="Segoe UI" panose="020B0502040204020203" pitchFamily="34" charset="0"/>
+              </a:rPr>
+              <a:t>Virtual data model</a:t>
+            </a:r>
+            <a:r>
+              <a:rPr lang="en-GB" sz="1378">
+                <a:solidFill>
+                  <a:schemeClr val="tx1"/>
+                </a:solidFill>
+                <a:latin typeface="Segoe UI" panose="020B0502040204020203" pitchFamily="34" charset="0"/>
+                <a:cs typeface="Segoe UI" panose="020B0502040204020203" pitchFamily="34" charset="0"/>
+              </a:rPr>
+              <a:t>: </a:t>
+            </a:r>
+          </a:p>
+          <a:p>
+            <a:r>
+              <a:rPr lang="en-GB" sz="1378">
+                <a:solidFill>
+                  <a:schemeClr val="tx1"/>
+                </a:solidFill>
+                <a:latin typeface="Segoe UI" panose="020B0502040204020203" pitchFamily="34" charset="0"/>
+                <a:cs typeface="Segoe UI" panose="020B0502040204020203" pitchFamily="34" charset="0"/>
+              </a:rPr>
+              <a:t>Analytical queries and cubes (core data services views)</a:t>
+            </a:r>
+          </a:p>
+        </p:txBody>
+      </p:sp>
+      <p:grpSp>
+        <p:nvGrpSpPr>
+          <p:cNvPr id="15" name="Group 14">
+            <a:extLst>
+              <a:ext uri="{FF2B5EF4-FFF2-40B4-BE49-F238E27FC236}">
+                <a16:creationId xmlns:a16="http://schemas.microsoft.com/office/drawing/2014/main" id="{6F388925-69BF-9F5A-3108-B9934BB34547}"/>
+              </a:ext>
+            </a:extLst>
+          </p:cNvPr>
+          <p:cNvGrpSpPr/>
+          <p:nvPr/>
+        </p:nvGrpSpPr>
+        <p:grpSpPr>
+          <a:xfrm>
+            <a:off x="4540404" y="4570573"/>
+            <a:ext cx="1867588" cy="150556"/>
+            <a:chOff x="4837438" y="4196603"/>
+            <a:chExt cx="2168477" cy="174812"/>
+          </a:xfrm>
+          <a:noFill/>
+        </p:grpSpPr>
+        <p:sp>
+          <p:nvSpPr>
+            <p:cNvPr id="8" name="Rectangle 7">
+              <a:extLst>
+                <a:ext uri="{FF2B5EF4-FFF2-40B4-BE49-F238E27FC236}">
+                  <a16:creationId xmlns:a16="http://schemas.microsoft.com/office/drawing/2014/main" id="{58E54B9F-305A-4502-E5D4-29C918BA0356}"/>
+                </a:ext>
+              </a:extLst>
+            </p:cNvPr>
+            <p:cNvSpPr/>
+            <p:nvPr/>
+          </p:nvSpPr>
+          <p:spPr>
+            <a:xfrm>
+              <a:off x="4837438" y="4196603"/>
+              <a:ext cx="380022" cy="174812"/>
+            </a:xfrm>
+            <a:prstGeom prst="rect">
+              <a:avLst/>
+            </a:prstGeom>
+            <a:grpFill/>
+            <a:ln w="6350"/>
+          </p:spPr>
+          <p:style>
+            <a:lnRef idx="2">
+              <a:schemeClr val="accent1">
+                <a:shade val="15000"/>
+              </a:schemeClr>
+            </a:lnRef>
+            <a:fillRef idx="1">
+              <a:schemeClr val="accent1"/>
+            </a:fillRef>
+            <a:effectRef idx="0">
+              <a:schemeClr val="accent1"/>
+            </a:effectRef>
+            <a:fontRef idx="minor">
+              <a:schemeClr val="lt1"/>
+            </a:fontRef>
+          </p:style>
+          <p:txBody>
+            <a:bodyPr rtlCol="0" anchor="ctr"/>
+            <a:lstStyle/>
+            <a:p>
+              <a:pPr algn="ctr"/>
+              <a:endParaRPr lang="en-GB" sz="1550">
                 <a:latin typeface="Segoe UI" panose="020B0502040204020203" pitchFamily="34" charset="0"/>
                 <a:cs typeface="Segoe UI" panose="020B0502040204020203" pitchFamily="34" charset="0"/>
               </a:endParaRPr>
@@ -3854,10 +4551,10 @@
         </p:sp>
         <p:sp>
           <p:nvSpPr>
-            <p:cNvPr id="119" name="Rounded Rectangle 118">
+            <p:cNvPr id="9" name="Rectangle 8">
               <a:extLst>
                 <a:ext uri="{FF2B5EF4-FFF2-40B4-BE49-F238E27FC236}">
-                  <a16:creationId xmlns:a16="http://schemas.microsoft.com/office/drawing/2014/main" id="{C96D1C60-AC88-9272-CFA7-153460B20A77}"/>
+                  <a16:creationId xmlns:a16="http://schemas.microsoft.com/office/drawing/2014/main" id="{9456C316-EC6E-2B01-2038-0278B5E0EC43}"/>
                 </a:ext>
               </a:extLst>
             </p:cNvPr>
@@ -3866,8 +4563,1203 @@
           </p:nvSpPr>
           <p:spPr>
             <a:xfrm>
-              <a:off x="9960660" y="1466433"/>
-              <a:ext cx="1079247" cy="1162463"/>
+              <a:off x="5284552" y="4196603"/>
+              <a:ext cx="380022" cy="174812"/>
+            </a:xfrm>
+            <a:prstGeom prst="rect">
+              <a:avLst/>
+            </a:prstGeom>
+            <a:grpFill/>
+            <a:ln w="6350"/>
+          </p:spPr>
+          <p:style>
+            <a:lnRef idx="2">
+              <a:schemeClr val="accent1">
+                <a:shade val="15000"/>
+              </a:schemeClr>
+            </a:lnRef>
+            <a:fillRef idx="1">
+              <a:schemeClr val="accent1"/>
+            </a:fillRef>
+            <a:effectRef idx="0">
+              <a:schemeClr val="accent1"/>
+            </a:effectRef>
+            <a:fontRef idx="minor">
+              <a:schemeClr val="lt1"/>
+            </a:fontRef>
+          </p:style>
+          <p:txBody>
+            <a:bodyPr rtlCol="0" anchor="ctr"/>
+            <a:lstStyle/>
+            <a:p>
+              <a:pPr algn="ctr"/>
+              <a:endParaRPr lang="en-GB" sz="1550">
+                <a:latin typeface="Segoe UI" panose="020B0502040204020203" pitchFamily="34" charset="0"/>
+                <a:cs typeface="Segoe UI" panose="020B0502040204020203" pitchFamily="34" charset="0"/>
+              </a:endParaRPr>
+            </a:p>
+          </p:txBody>
+        </p:sp>
+        <p:sp>
+          <p:nvSpPr>
+            <p:cNvPr id="12" name="Rectangle 11">
+              <a:extLst>
+                <a:ext uri="{FF2B5EF4-FFF2-40B4-BE49-F238E27FC236}">
+                  <a16:creationId xmlns:a16="http://schemas.microsoft.com/office/drawing/2014/main" id="{9C4360F9-1471-5ACC-7D3D-E13D474FA34C}"/>
+                </a:ext>
+              </a:extLst>
+            </p:cNvPr>
+            <p:cNvSpPr/>
+            <p:nvPr/>
+          </p:nvSpPr>
+          <p:spPr>
+            <a:xfrm>
+              <a:off x="5731666" y="4196603"/>
+              <a:ext cx="380022" cy="174812"/>
+            </a:xfrm>
+            <a:prstGeom prst="rect">
+              <a:avLst/>
+            </a:prstGeom>
+            <a:grpFill/>
+            <a:ln w="6350"/>
+          </p:spPr>
+          <p:style>
+            <a:lnRef idx="2">
+              <a:schemeClr val="accent1">
+                <a:shade val="15000"/>
+              </a:schemeClr>
+            </a:lnRef>
+            <a:fillRef idx="1">
+              <a:schemeClr val="accent1"/>
+            </a:fillRef>
+            <a:effectRef idx="0">
+              <a:schemeClr val="accent1"/>
+            </a:effectRef>
+            <a:fontRef idx="minor">
+              <a:schemeClr val="lt1"/>
+            </a:fontRef>
+          </p:style>
+          <p:txBody>
+            <a:bodyPr rtlCol="0" anchor="ctr"/>
+            <a:lstStyle/>
+            <a:p>
+              <a:pPr algn="ctr"/>
+              <a:endParaRPr lang="en-GB" sz="1550">
+                <a:latin typeface="Segoe UI" panose="020B0502040204020203" pitchFamily="34" charset="0"/>
+                <a:cs typeface="Segoe UI" panose="020B0502040204020203" pitchFamily="34" charset="0"/>
+              </a:endParaRPr>
+            </a:p>
+          </p:txBody>
+        </p:sp>
+        <p:sp>
+          <p:nvSpPr>
+            <p:cNvPr id="13" name="Rectangle 12">
+              <a:extLst>
+                <a:ext uri="{FF2B5EF4-FFF2-40B4-BE49-F238E27FC236}">
+                  <a16:creationId xmlns:a16="http://schemas.microsoft.com/office/drawing/2014/main" id="{983F38D1-C387-EE61-A98D-DBBB11222CB8}"/>
+                </a:ext>
+              </a:extLst>
+            </p:cNvPr>
+            <p:cNvSpPr/>
+            <p:nvPr/>
+          </p:nvSpPr>
+          <p:spPr>
+            <a:xfrm>
+              <a:off x="6178780" y="4196603"/>
+              <a:ext cx="380022" cy="174812"/>
+            </a:xfrm>
+            <a:prstGeom prst="rect">
+              <a:avLst/>
+            </a:prstGeom>
+            <a:grpFill/>
+            <a:ln w="6350"/>
+          </p:spPr>
+          <p:style>
+            <a:lnRef idx="2">
+              <a:schemeClr val="accent1">
+                <a:shade val="15000"/>
+              </a:schemeClr>
+            </a:lnRef>
+            <a:fillRef idx="1">
+              <a:schemeClr val="accent1"/>
+            </a:fillRef>
+            <a:effectRef idx="0">
+              <a:schemeClr val="accent1"/>
+            </a:effectRef>
+            <a:fontRef idx="minor">
+              <a:schemeClr val="lt1"/>
+            </a:fontRef>
+          </p:style>
+          <p:txBody>
+            <a:bodyPr rtlCol="0" anchor="ctr"/>
+            <a:lstStyle/>
+            <a:p>
+              <a:pPr algn="ctr"/>
+              <a:endParaRPr lang="en-GB" sz="1550">
+                <a:latin typeface="Segoe UI" panose="020B0502040204020203" pitchFamily="34" charset="0"/>
+                <a:cs typeface="Segoe UI" panose="020B0502040204020203" pitchFamily="34" charset="0"/>
+              </a:endParaRPr>
+            </a:p>
+          </p:txBody>
+        </p:sp>
+        <p:sp>
+          <p:nvSpPr>
+            <p:cNvPr id="14" name="Rectangle 13">
+              <a:extLst>
+                <a:ext uri="{FF2B5EF4-FFF2-40B4-BE49-F238E27FC236}">
+                  <a16:creationId xmlns:a16="http://schemas.microsoft.com/office/drawing/2014/main" id="{BB6C32B8-CAB8-AB9A-C004-0011D41EB4E4}"/>
+                </a:ext>
+              </a:extLst>
+            </p:cNvPr>
+            <p:cNvSpPr/>
+            <p:nvPr/>
+          </p:nvSpPr>
+          <p:spPr>
+            <a:xfrm>
+              <a:off x="6625893" y="4196603"/>
+              <a:ext cx="380022" cy="174812"/>
+            </a:xfrm>
+            <a:prstGeom prst="rect">
+              <a:avLst/>
+            </a:prstGeom>
+            <a:grpFill/>
+            <a:ln w="6350"/>
+          </p:spPr>
+          <p:style>
+            <a:lnRef idx="2">
+              <a:schemeClr val="accent1">
+                <a:shade val="15000"/>
+              </a:schemeClr>
+            </a:lnRef>
+            <a:fillRef idx="1">
+              <a:schemeClr val="accent1"/>
+            </a:fillRef>
+            <a:effectRef idx="0">
+              <a:schemeClr val="accent1"/>
+            </a:effectRef>
+            <a:fontRef idx="minor">
+              <a:schemeClr val="lt1"/>
+            </a:fontRef>
+          </p:style>
+          <p:txBody>
+            <a:bodyPr rtlCol="0" anchor="ctr"/>
+            <a:lstStyle/>
+            <a:p>
+              <a:pPr algn="ctr"/>
+              <a:endParaRPr lang="en-GB" sz="1550">
+                <a:latin typeface="Segoe UI" panose="020B0502040204020203" pitchFamily="34" charset="0"/>
+                <a:cs typeface="Segoe UI" panose="020B0502040204020203" pitchFamily="34" charset="0"/>
+              </a:endParaRPr>
+            </a:p>
+          </p:txBody>
+        </p:sp>
+      </p:grpSp>
+      <p:sp>
+        <p:nvSpPr>
+          <p:cNvPr id="16" name="TextBox 15">
+            <a:extLst>
+              <a:ext uri="{FF2B5EF4-FFF2-40B4-BE49-F238E27FC236}">
+                <a16:creationId xmlns:a16="http://schemas.microsoft.com/office/drawing/2014/main" id="{216FB669-648B-7526-34AA-450B17405FCD}"/>
+              </a:ext>
+            </a:extLst>
+          </p:cNvPr>
+          <p:cNvSpPr txBox="1"/>
+          <p:nvPr/>
+        </p:nvSpPr>
+        <p:spPr>
+          <a:xfrm>
+            <a:off x="6449785" y="4513315"/>
+            <a:ext cx="830677" cy="251287"/>
+          </a:xfrm>
+          <a:prstGeom prst="rect">
+            <a:avLst/>
+          </a:prstGeom>
+          <a:noFill/>
+          <a:ln w="6350">
+            <a:noFill/>
+          </a:ln>
+        </p:spPr>
+        <p:txBody>
+          <a:bodyPr wrap="none" rtlCol="0">
+            <a:spAutoFit/>
+          </a:bodyPr>
+          <a:lstStyle/>
+          <a:p>
+            <a:r>
+              <a:rPr lang="en-GB" sz="1033">
+                <a:latin typeface="Segoe UI" panose="020B0502040204020203" pitchFamily="34" charset="0"/>
+                <a:cs typeface="Segoe UI" panose="020B0502040204020203" pitchFamily="34" charset="0"/>
+              </a:rPr>
+              <a:t>Basic views</a:t>
+            </a:r>
+          </a:p>
+        </p:txBody>
+      </p:sp>
+      <p:sp>
+        <p:nvSpPr>
+          <p:cNvPr id="21" name="Rectangle 20">
+            <a:extLst>
+              <a:ext uri="{FF2B5EF4-FFF2-40B4-BE49-F238E27FC236}">
+                <a16:creationId xmlns:a16="http://schemas.microsoft.com/office/drawing/2014/main" id="{F599A3C4-56E7-D28D-322E-B52B6B48D57A}"/>
+              </a:ext>
+            </a:extLst>
+          </p:cNvPr>
+          <p:cNvSpPr/>
+          <p:nvPr/>
+        </p:nvSpPr>
+        <p:spPr>
+          <a:xfrm>
+            <a:off x="4540404" y="4374375"/>
+            <a:ext cx="327292" cy="150556"/>
+          </a:xfrm>
+          <a:prstGeom prst="rect">
+            <a:avLst/>
+          </a:prstGeom>
+          <a:noFill/>
+          <a:ln w="6350"/>
+        </p:spPr>
+        <p:style>
+          <a:lnRef idx="2">
+            <a:schemeClr val="accent1">
+              <a:shade val="15000"/>
+            </a:schemeClr>
+          </a:lnRef>
+          <a:fillRef idx="1">
+            <a:schemeClr val="accent1"/>
+          </a:fillRef>
+          <a:effectRef idx="0">
+            <a:schemeClr val="accent1"/>
+          </a:effectRef>
+          <a:fontRef idx="minor">
+            <a:schemeClr val="lt1"/>
+          </a:fontRef>
+        </p:style>
+        <p:txBody>
+          <a:bodyPr rtlCol="0" anchor="ctr"/>
+          <a:lstStyle/>
+          <a:p>
+            <a:pPr algn="ctr"/>
+            <a:endParaRPr lang="en-GB" sz="1550">
+              <a:latin typeface="Segoe UI" panose="020B0502040204020203" pitchFamily="34" charset="0"/>
+              <a:cs typeface="Segoe UI" panose="020B0502040204020203" pitchFamily="34" charset="0"/>
+            </a:endParaRPr>
+          </a:p>
+        </p:txBody>
+      </p:sp>
+      <p:sp>
+        <p:nvSpPr>
+          <p:cNvPr id="22" name="Rectangle 21">
+            <a:extLst>
+              <a:ext uri="{FF2B5EF4-FFF2-40B4-BE49-F238E27FC236}">
+                <a16:creationId xmlns:a16="http://schemas.microsoft.com/office/drawing/2014/main" id="{37CFF3D5-90D8-AB25-3DCE-E22CCC117660}"/>
+              </a:ext>
+            </a:extLst>
+          </p:cNvPr>
+          <p:cNvSpPr/>
+          <p:nvPr/>
+        </p:nvSpPr>
+        <p:spPr>
+          <a:xfrm>
+            <a:off x="4925478" y="4374375"/>
+            <a:ext cx="327292" cy="150556"/>
+          </a:xfrm>
+          <a:prstGeom prst="rect">
+            <a:avLst/>
+          </a:prstGeom>
+          <a:noFill/>
+          <a:ln w="6350"/>
+        </p:spPr>
+        <p:style>
+          <a:lnRef idx="2">
+            <a:schemeClr val="accent1">
+              <a:shade val="15000"/>
+            </a:schemeClr>
+          </a:lnRef>
+          <a:fillRef idx="1">
+            <a:schemeClr val="accent1"/>
+          </a:fillRef>
+          <a:effectRef idx="0">
+            <a:schemeClr val="accent1"/>
+          </a:effectRef>
+          <a:fontRef idx="minor">
+            <a:schemeClr val="lt1"/>
+          </a:fontRef>
+        </p:style>
+        <p:txBody>
+          <a:bodyPr rtlCol="0" anchor="ctr"/>
+          <a:lstStyle/>
+          <a:p>
+            <a:pPr algn="ctr"/>
+            <a:endParaRPr lang="en-GB" sz="1550">
+              <a:latin typeface="Segoe UI" panose="020B0502040204020203" pitchFamily="34" charset="0"/>
+              <a:cs typeface="Segoe UI" panose="020B0502040204020203" pitchFamily="34" charset="0"/>
+            </a:endParaRPr>
+          </a:p>
+        </p:txBody>
+      </p:sp>
+      <p:sp>
+        <p:nvSpPr>
+          <p:cNvPr id="23" name="Rectangle 22">
+            <a:extLst>
+              <a:ext uri="{FF2B5EF4-FFF2-40B4-BE49-F238E27FC236}">
+                <a16:creationId xmlns:a16="http://schemas.microsoft.com/office/drawing/2014/main" id="{166EC5D4-4E32-1188-F235-509DF629CBDE}"/>
+              </a:ext>
+            </a:extLst>
+          </p:cNvPr>
+          <p:cNvSpPr/>
+          <p:nvPr/>
+        </p:nvSpPr>
+        <p:spPr>
+          <a:xfrm>
+            <a:off x="5310552" y="4374375"/>
+            <a:ext cx="327292" cy="150556"/>
+          </a:xfrm>
+          <a:prstGeom prst="rect">
+            <a:avLst/>
+          </a:prstGeom>
+          <a:noFill/>
+          <a:ln w="6350"/>
+        </p:spPr>
+        <p:style>
+          <a:lnRef idx="2">
+            <a:schemeClr val="accent1">
+              <a:shade val="15000"/>
+            </a:schemeClr>
+          </a:lnRef>
+          <a:fillRef idx="1">
+            <a:schemeClr val="accent1"/>
+          </a:fillRef>
+          <a:effectRef idx="0">
+            <a:schemeClr val="accent1"/>
+          </a:effectRef>
+          <a:fontRef idx="minor">
+            <a:schemeClr val="lt1"/>
+          </a:fontRef>
+        </p:style>
+        <p:txBody>
+          <a:bodyPr rtlCol="0" anchor="ctr"/>
+          <a:lstStyle/>
+          <a:p>
+            <a:pPr algn="ctr"/>
+            <a:endParaRPr lang="en-GB" sz="1550">
+              <a:latin typeface="Segoe UI" panose="020B0502040204020203" pitchFamily="34" charset="0"/>
+              <a:cs typeface="Segoe UI" panose="020B0502040204020203" pitchFamily="34" charset="0"/>
+            </a:endParaRPr>
+          </a:p>
+        </p:txBody>
+      </p:sp>
+      <p:sp>
+        <p:nvSpPr>
+          <p:cNvPr id="24" name="Rectangle 23">
+            <a:extLst>
+              <a:ext uri="{FF2B5EF4-FFF2-40B4-BE49-F238E27FC236}">
+                <a16:creationId xmlns:a16="http://schemas.microsoft.com/office/drawing/2014/main" id="{29CFF94D-1E49-D87D-BB9C-134786462143}"/>
+              </a:ext>
+            </a:extLst>
+          </p:cNvPr>
+          <p:cNvSpPr/>
+          <p:nvPr/>
+        </p:nvSpPr>
+        <p:spPr>
+          <a:xfrm>
+            <a:off x="5695626" y="4374375"/>
+            <a:ext cx="327292" cy="150556"/>
+          </a:xfrm>
+          <a:prstGeom prst="rect">
+            <a:avLst/>
+          </a:prstGeom>
+          <a:noFill/>
+          <a:ln w="6350"/>
+        </p:spPr>
+        <p:style>
+          <a:lnRef idx="2">
+            <a:schemeClr val="accent1">
+              <a:shade val="15000"/>
+            </a:schemeClr>
+          </a:lnRef>
+          <a:fillRef idx="1">
+            <a:schemeClr val="accent1"/>
+          </a:fillRef>
+          <a:effectRef idx="0">
+            <a:schemeClr val="accent1"/>
+          </a:effectRef>
+          <a:fontRef idx="minor">
+            <a:schemeClr val="lt1"/>
+          </a:fontRef>
+        </p:style>
+        <p:txBody>
+          <a:bodyPr rtlCol="0" anchor="ctr"/>
+          <a:lstStyle/>
+          <a:p>
+            <a:pPr algn="ctr"/>
+            <a:endParaRPr lang="en-GB" sz="1550">
+              <a:latin typeface="Segoe UI" panose="020B0502040204020203" pitchFamily="34" charset="0"/>
+              <a:cs typeface="Segoe UI" panose="020B0502040204020203" pitchFamily="34" charset="0"/>
+            </a:endParaRPr>
+          </a:p>
+        </p:txBody>
+      </p:sp>
+      <p:sp>
+        <p:nvSpPr>
+          <p:cNvPr id="25" name="Rectangle 24">
+            <a:extLst>
+              <a:ext uri="{FF2B5EF4-FFF2-40B4-BE49-F238E27FC236}">
+                <a16:creationId xmlns:a16="http://schemas.microsoft.com/office/drawing/2014/main" id="{B6EDD424-0D66-A3BE-CDA3-5D3F2505ED1D}"/>
+              </a:ext>
+            </a:extLst>
+          </p:cNvPr>
+          <p:cNvSpPr/>
+          <p:nvPr/>
+        </p:nvSpPr>
+        <p:spPr>
+          <a:xfrm>
+            <a:off x="6080700" y="4374375"/>
+            <a:ext cx="327292" cy="150556"/>
+          </a:xfrm>
+          <a:prstGeom prst="rect">
+            <a:avLst/>
+          </a:prstGeom>
+          <a:noFill/>
+          <a:ln w="6350"/>
+        </p:spPr>
+        <p:style>
+          <a:lnRef idx="2">
+            <a:schemeClr val="accent1">
+              <a:shade val="15000"/>
+            </a:schemeClr>
+          </a:lnRef>
+          <a:fillRef idx="1">
+            <a:schemeClr val="accent1"/>
+          </a:fillRef>
+          <a:effectRef idx="0">
+            <a:schemeClr val="accent1"/>
+          </a:effectRef>
+          <a:fontRef idx="minor">
+            <a:schemeClr val="lt1"/>
+          </a:fontRef>
+        </p:style>
+        <p:txBody>
+          <a:bodyPr rtlCol="0" anchor="ctr"/>
+          <a:lstStyle/>
+          <a:p>
+            <a:pPr algn="ctr"/>
+            <a:endParaRPr lang="en-GB" sz="1550">
+              <a:latin typeface="Segoe UI" panose="020B0502040204020203" pitchFamily="34" charset="0"/>
+              <a:cs typeface="Segoe UI" panose="020B0502040204020203" pitchFamily="34" charset="0"/>
+            </a:endParaRPr>
+          </a:p>
+        </p:txBody>
+      </p:sp>
+      <p:sp>
+        <p:nvSpPr>
+          <p:cNvPr id="20" name="TextBox 19">
+            <a:extLst>
+              <a:ext uri="{FF2B5EF4-FFF2-40B4-BE49-F238E27FC236}">
+                <a16:creationId xmlns:a16="http://schemas.microsoft.com/office/drawing/2014/main" id="{3A6F08B4-52B1-71F5-1569-313CC30476B7}"/>
+              </a:ext>
+            </a:extLst>
+          </p:cNvPr>
+          <p:cNvSpPr txBox="1"/>
+          <p:nvPr/>
+        </p:nvSpPr>
+        <p:spPr>
+          <a:xfrm>
+            <a:off x="6438204" y="4317117"/>
+            <a:ext cx="1168910" cy="251287"/>
+          </a:xfrm>
+          <a:prstGeom prst="rect">
+            <a:avLst/>
+          </a:prstGeom>
+          <a:noFill/>
+          <a:ln w="6350">
+            <a:noFill/>
+          </a:ln>
+        </p:spPr>
+        <p:txBody>
+          <a:bodyPr wrap="none" rtlCol="0">
+            <a:spAutoFit/>
+          </a:bodyPr>
+          <a:lstStyle/>
+          <a:p>
+            <a:r>
+              <a:rPr lang="en-GB" sz="1033">
+                <a:latin typeface="Segoe UI" panose="020B0502040204020203" pitchFamily="34" charset="0"/>
+                <a:cs typeface="Segoe UI" panose="020B0502040204020203" pitchFamily="34" charset="0"/>
+              </a:rPr>
+              <a:t>Composite views</a:t>
+            </a:r>
+          </a:p>
+        </p:txBody>
+      </p:sp>
+      <p:grpSp>
+        <p:nvGrpSpPr>
+          <p:cNvPr id="27" name="Group 26">
+            <a:extLst>
+              <a:ext uri="{FF2B5EF4-FFF2-40B4-BE49-F238E27FC236}">
+                <a16:creationId xmlns:a16="http://schemas.microsoft.com/office/drawing/2014/main" id="{9C2F56E8-7C05-6957-A655-DBD01341572A}"/>
+              </a:ext>
+            </a:extLst>
+          </p:cNvPr>
+          <p:cNvGrpSpPr/>
+          <p:nvPr/>
+        </p:nvGrpSpPr>
+        <p:grpSpPr>
+          <a:xfrm>
+            <a:off x="4540404" y="4174270"/>
+            <a:ext cx="1867588" cy="150556"/>
+            <a:chOff x="4837438" y="4196603"/>
+            <a:chExt cx="2168477" cy="174812"/>
+          </a:xfrm>
+          <a:noFill/>
+        </p:grpSpPr>
+        <p:sp>
+          <p:nvSpPr>
+            <p:cNvPr id="29" name="Rectangle 28">
+              <a:extLst>
+                <a:ext uri="{FF2B5EF4-FFF2-40B4-BE49-F238E27FC236}">
+                  <a16:creationId xmlns:a16="http://schemas.microsoft.com/office/drawing/2014/main" id="{B477E6D1-B832-7379-E70A-79CE9BBB5717}"/>
+                </a:ext>
+              </a:extLst>
+            </p:cNvPr>
+            <p:cNvSpPr/>
+            <p:nvPr/>
+          </p:nvSpPr>
+          <p:spPr>
+            <a:xfrm>
+              <a:off x="4837438" y="4196603"/>
+              <a:ext cx="380022" cy="174812"/>
+            </a:xfrm>
+            <a:prstGeom prst="rect">
+              <a:avLst/>
+            </a:prstGeom>
+            <a:grpFill/>
+            <a:ln w="6350"/>
+          </p:spPr>
+          <p:style>
+            <a:lnRef idx="2">
+              <a:schemeClr val="accent1">
+                <a:shade val="15000"/>
+              </a:schemeClr>
+            </a:lnRef>
+            <a:fillRef idx="1">
+              <a:schemeClr val="accent1"/>
+            </a:fillRef>
+            <a:effectRef idx="0">
+              <a:schemeClr val="accent1"/>
+            </a:effectRef>
+            <a:fontRef idx="minor">
+              <a:schemeClr val="lt1"/>
+            </a:fontRef>
+          </p:style>
+          <p:txBody>
+            <a:bodyPr rtlCol="0" anchor="ctr"/>
+            <a:lstStyle/>
+            <a:p>
+              <a:pPr algn="ctr"/>
+              <a:endParaRPr lang="en-GB" sz="1550">
+                <a:latin typeface="Segoe UI" panose="020B0502040204020203" pitchFamily="34" charset="0"/>
+                <a:cs typeface="Segoe UI" panose="020B0502040204020203" pitchFamily="34" charset="0"/>
+              </a:endParaRPr>
+            </a:p>
+          </p:txBody>
+        </p:sp>
+        <p:sp>
+          <p:nvSpPr>
+            <p:cNvPr id="30" name="Rectangle 29">
+              <a:extLst>
+                <a:ext uri="{FF2B5EF4-FFF2-40B4-BE49-F238E27FC236}">
+                  <a16:creationId xmlns:a16="http://schemas.microsoft.com/office/drawing/2014/main" id="{E36F959A-4ECF-DA92-4B4D-C617C1E9B747}"/>
+                </a:ext>
+              </a:extLst>
+            </p:cNvPr>
+            <p:cNvSpPr/>
+            <p:nvPr/>
+          </p:nvSpPr>
+          <p:spPr>
+            <a:xfrm>
+              <a:off x="5284552" y="4196603"/>
+              <a:ext cx="380022" cy="174812"/>
+            </a:xfrm>
+            <a:prstGeom prst="rect">
+              <a:avLst/>
+            </a:prstGeom>
+            <a:grpFill/>
+            <a:ln w="6350"/>
+          </p:spPr>
+          <p:style>
+            <a:lnRef idx="2">
+              <a:schemeClr val="accent1">
+                <a:shade val="15000"/>
+              </a:schemeClr>
+            </a:lnRef>
+            <a:fillRef idx="1">
+              <a:schemeClr val="accent1"/>
+            </a:fillRef>
+            <a:effectRef idx="0">
+              <a:schemeClr val="accent1"/>
+            </a:effectRef>
+            <a:fontRef idx="minor">
+              <a:schemeClr val="lt1"/>
+            </a:fontRef>
+          </p:style>
+          <p:txBody>
+            <a:bodyPr rtlCol="0" anchor="ctr"/>
+            <a:lstStyle/>
+            <a:p>
+              <a:pPr algn="ctr"/>
+              <a:endParaRPr lang="en-GB" sz="1550">
+                <a:latin typeface="Segoe UI" panose="020B0502040204020203" pitchFamily="34" charset="0"/>
+                <a:cs typeface="Segoe UI" panose="020B0502040204020203" pitchFamily="34" charset="0"/>
+              </a:endParaRPr>
+            </a:p>
+          </p:txBody>
+        </p:sp>
+        <p:sp>
+          <p:nvSpPr>
+            <p:cNvPr id="31" name="Rectangle 30">
+              <a:extLst>
+                <a:ext uri="{FF2B5EF4-FFF2-40B4-BE49-F238E27FC236}">
+                  <a16:creationId xmlns:a16="http://schemas.microsoft.com/office/drawing/2014/main" id="{611FFE71-06F7-7A47-0A84-E5B8CBE10AA9}"/>
+                </a:ext>
+              </a:extLst>
+            </p:cNvPr>
+            <p:cNvSpPr/>
+            <p:nvPr/>
+          </p:nvSpPr>
+          <p:spPr>
+            <a:xfrm>
+              <a:off x="5731666" y="4196603"/>
+              <a:ext cx="380022" cy="174812"/>
+            </a:xfrm>
+            <a:prstGeom prst="rect">
+              <a:avLst/>
+            </a:prstGeom>
+            <a:grpFill/>
+            <a:ln w="6350"/>
+          </p:spPr>
+          <p:style>
+            <a:lnRef idx="2">
+              <a:schemeClr val="accent1">
+                <a:shade val="15000"/>
+              </a:schemeClr>
+            </a:lnRef>
+            <a:fillRef idx="1">
+              <a:schemeClr val="accent1"/>
+            </a:fillRef>
+            <a:effectRef idx="0">
+              <a:schemeClr val="accent1"/>
+            </a:effectRef>
+            <a:fontRef idx="minor">
+              <a:schemeClr val="lt1"/>
+            </a:fontRef>
+          </p:style>
+          <p:txBody>
+            <a:bodyPr rtlCol="0" anchor="ctr"/>
+            <a:lstStyle/>
+            <a:p>
+              <a:pPr algn="ctr"/>
+              <a:endParaRPr lang="en-GB" sz="1550">
+                <a:latin typeface="Segoe UI" panose="020B0502040204020203" pitchFamily="34" charset="0"/>
+                <a:cs typeface="Segoe UI" panose="020B0502040204020203" pitchFamily="34" charset="0"/>
+              </a:endParaRPr>
+            </a:p>
+          </p:txBody>
+        </p:sp>
+        <p:sp>
+          <p:nvSpPr>
+            <p:cNvPr id="32" name="Rectangle 31">
+              <a:extLst>
+                <a:ext uri="{FF2B5EF4-FFF2-40B4-BE49-F238E27FC236}">
+                  <a16:creationId xmlns:a16="http://schemas.microsoft.com/office/drawing/2014/main" id="{9CCC37B4-18A6-507B-3F4F-28F800F53BD9}"/>
+                </a:ext>
+              </a:extLst>
+            </p:cNvPr>
+            <p:cNvSpPr/>
+            <p:nvPr/>
+          </p:nvSpPr>
+          <p:spPr>
+            <a:xfrm>
+              <a:off x="6178780" y="4196603"/>
+              <a:ext cx="380022" cy="174812"/>
+            </a:xfrm>
+            <a:prstGeom prst="rect">
+              <a:avLst/>
+            </a:prstGeom>
+            <a:grpFill/>
+            <a:ln w="6350"/>
+          </p:spPr>
+          <p:style>
+            <a:lnRef idx="2">
+              <a:schemeClr val="accent1">
+                <a:shade val="15000"/>
+              </a:schemeClr>
+            </a:lnRef>
+            <a:fillRef idx="1">
+              <a:schemeClr val="accent1"/>
+            </a:fillRef>
+            <a:effectRef idx="0">
+              <a:schemeClr val="accent1"/>
+            </a:effectRef>
+            <a:fontRef idx="minor">
+              <a:schemeClr val="lt1"/>
+            </a:fontRef>
+          </p:style>
+          <p:txBody>
+            <a:bodyPr rtlCol="0" anchor="ctr"/>
+            <a:lstStyle/>
+            <a:p>
+              <a:pPr algn="ctr"/>
+              <a:endParaRPr lang="en-GB" sz="1550">
+                <a:latin typeface="Segoe UI" panose="020B0502040204020203" pitchFamily="34" charset="0"/>
+                <a:cs typeface="Segoe UI" panose="020B0502040204020203" pitchFamily="34" charset="0"/>
+              </a:endParaRPr>
+            </a:p>
+          </p:txBody>
+        </p:sp>
+        <p:sp>
+          <p:nvSpPr>
+            <p:cNvPr id="33" name="Rectangle 32">
+              <a:extLst>
+                <a:ext uri="{FF2B5EF4-FFF2-40B4-BE49-F238E27FC236}">
+                  <a16:creationId xmlns:a16="http://schemas.microsoft.com/office/drawing/2014/main" id="{87EBE895-14D6-4251-2248-3CB1996B30F3}"/>
+                </a:ext>
+              </a:extLst>
+            </p:cNvPr>
+            <p:cNvSpPr/>
+            <p:nvPr/>
+          </p:nvSpPr>
+          <p:spPr>
+            <a:xfrm>
+              <a:off x="6625893" y="4196603"/>
+              <a:ext cx="380022" cy="174812"/>
+            </a:xfrm>
+            <a:prstGeom prst="rect">
+              <a:avLst/>
+            </a:prstGeom>
+            <a:grpFill/>
+            <a:ln w="6350"/>
+          </p:spPr>
+          <p:style>
+            <a:lnRef idx="2">
+              <a:schemeClr val="accent1">
+                <a:shade val="15000"/>
+              </a:schemeClr>
+            </a:lnRef>
+            <a:fillRef idx="1">
+              <a:schemeClr val="accent1"/>
+            </a:fillRef>
+            <a:effectRef idx="0">
+              <a:schemeClr val="accent1"/>
+            </a:effectRef>
+            <a:fontRef idx="minor">
+              <a:schemeClr val="lt1"/>
+            </a:fontRef>
+          </p:style>
+          <p:txBody>
+            <a:bodyPr rtlCol="0" anchor="ctr"/>
+            <a:lstStyle/>
+            <a:p>
+              <a:pPr algn="ctr"/>
+              <a:endParaRPr lang="en-GB" sz="1550">
+                <a:latin typeface="Segoe UI" panose="020B0502040204020203" pitchFamily="34" charset="0"/>
+                <a:cs typeface="Segoe UI" panose="020B0502040204020203" pitchFamily="34" charset="0"/>
+              </a:endParaRPr>
+            </a:p>
+          </p:txBody>
+        </p:sp>
+      </p:grpSp>
+      <p:sp>
+        <p:nvSpPr>
+          <p:cNvPr id="28" name="TextBox 27">
+            <a:extLst>
+              <a:ext uri="{FF2B5EF4-FFF2-40B4-BE49-F238E27FC236}">
+                <a16:creationId xmlns:a16="http://schemas.microsoft.com/office/drawing/2014/main" id="{4B5CA969-6B20-BE2E-EDE9-F29D9702C706}"/>
+              </a:ext>
+            </a:extLst>
+          </p:cNvPr>
+          <p:cNvSpPr txBox="1"/>
+          <p:nvPr/>
+        </p:nvSpPr>
+        <p:spPr>
+          <a:xfrm>
+            <a:off x="6438204" y="4117012"/>
+            <a:ext cx="1326004" cy="251287"/>
+          </a:xfrm>
+          <a:prstGeom prst="rect">
+            <a:avLst/>
+          </a:prstGeom>
+          <a:noFill/>
+          <a:ln w="6350">
+            <a:noFill/>
+          </a:ln>
+        </p:spPr>
+        <p:txBody>
+          <a:bodyPr wrap="none" rtlCol="0">
+            <a:spAutoFit/>
+          </a:bodyPr>
+          <a:lstStyle/>
+          <a:p>
+            <a:r>
+              <a:rPr lang="en-GB" sz="1033">
+                <a:latin typeface="Segoe UI" panose="020B0502040204020203" pitchFamily="34" charset="0"/>
+                <a:cs typeface="Segoe UI" panose="020B0502040204020203" pitchFamily="34" charset="0"/>
+              </a:rPr>
+              <a:t>Consumption views</a:t>
+            </a:r>
+          </a:p>
+        </p:txBody>
+      </p:sp>
+      <p:sp>
+        <p:nvSpPr>
+          <p:cNvPr id="43" name="Rounded Rectangle 42">
+            <a:extLst>
+              <a:ext uri="{FF2B5EF4-FFF2-40B4-BE49-F238E27FC236}">
+                <a16:creationId xmlns:a16="http://schemas.microsoft.com/office/drawing/2014/main" id="{E60FBE6D-4C86-C78B-22F3-AEAE19BFB8DF}"/>
+              </a:ext>
+            </a:extLst>
+          </p:cNvPr>
+          <p:cNvSpPr/>
+          <p:nvPr/>
+        </p:nvSpPr>
+        <p:spPr>
+          <a:xfrm>
+            <a:off x="2430204" y="1820450"/>
+            <a:ext cx="837129" cy="601878"/>
+          </a:xfrm>
+          <a:prstGeom prst="roundRect">
+            <a:avLst>
+              <a:gd name="adj" fmla="val 0"/>
+            </a:avLst>
+          </a:prstGeom>
+          <a:solidFill>
+            <a:srgbClr val="F6F6F6"/>
+          </a:solidFill>
+          <a:ln>
+            <a:noFill/>
+          </a:ln>
+        </p:spPr>
+        <p:style>
+          <a:lnRef idx="2">
+            <a:schemeClr val="accent1">
+              <a:shade val="15000"/>
+            </a:schemeClr>
+          </a:lnRef>
+          <a:fillRef idx="1">
+            <a:schemeClr val="accent1"/>
+          </a:fillRef>
+          <a:effectRef idx="0">
+            <a:schemeClr val="accent1"/>
+          </a:effectRef>
+          <a:fontRef idx="minor">
+            <a:schemeClr val="lt1"/>
+          </a:fontRef>
+        </p:style>
+        <p:txBody>
+          <a:bodyPr lIns="15502" tIns="31005" rIns="15502" bIns="31005" rtlCol="0" anchor="ctr"/>
+          <a:lstStyle/>
+          <a:p>
+            <a:pPr algn="ctr"/>
+            <a:r>
+              <a:rPr lang="en-GB" sz="1033">
+                <a:solidFill>
+                  <a:schemeClr val="tx1"/>
+                </a:solidFill>
+                <a:latin typeface="Segoe UI" panose="020B0502040204020203" pitchFamily="34" charset="0"/>
+                <a:cs typeface="Segoe UI" panose="020B0502040204020203" pitchFamily="34" charset="0"/>
+              </a:rPr>
+              <a:t>Overview pages</a:t>
+            </a:r>
+          </a:p>
+        </p:txBody>
+      </p:sp>
+      <p:sp>
+        <p:nvSpPr>
+          <p:cNvPr id="50" name="Rounded Rectangle 49">
+            <a:extLst>
+              <a:ext uri="{FF2B5EF4-FFF2-40B4-BE49-F238E27FC236}">
+                <a16:creationId xmlns:a16="http://schemas.microsoft.com/office/drawing/2014/main" id="{4A31CF69-4072-9E91-0577-86E4A32ABA96}"/>
+              </a:ext>
+            </a:extLst>
+          </p:cNvPr>
+          <p:cNvSpPr/>
+          <p:nvPr/>
+        </p:nvSpPr>
+        <p:spPr>
+          <a:xfrm>
+            <a:off x="3317677" y="1820449"/>
+            <a:ext cx="837129" cy="601878"/>
+          </a:xfrm>
+          <a:prstGeom prst="roundRect">
+            <a:avLst>
+              <a:gd name="adj" fmla="val 0"/>
+            </a:avLst>
+          </a:prstGeom>
+          <a:solidFill>
+            <a:srgbClr val="F6F6F6"/>
+          </a:solidFill>
+          <a:ln>
+            <a:noFill/>
+          </a:ln>
+        </p:spPr>
+        <p:style>
+          <a:lnRef idx="2">
+            <a:schemeClr val="accent1">
+              <a:shade val="15000"/>
+            </a:schemeClr>
+          </a:lnRef>
+          <a:fillRef idx="1">
+            <a:schemeClr val="accent1"/>
+          </a:fillRef>
+          <a:effectRef idx="0">
+            <a:schemeClr val="accent1"/>
+          </a:effectRef>
+          <a:fontRef idx="minor">
+            <a:schemeClr val="lt1"/>
+          </a:fontRef>
+        </p:style>
+        <p:txBody>
+          <a:bodyPr lIns="15502" tIns="31005" rIns="15502" bIns="31005" rtlCol="0" anchor="ctr"/>
+          <a:lstStyle/>
+          <a:p>
+            <a:pPr algn="ctr"/>
+            <a:r>
+              <a:rPr lang="en-GB" sz="1033">
+                <a:solidFill>
+                  <a:schemeClr val="tx1"/>
+                </a:solidFill>
+                <a:latin typeface="Segoe UI" panose="020B0502040204020203" pitchFamily="34" charset="0"/>
+                <a:cs typeface="Segoe UI" panose="020B0502040204020203" pitchFamily="34" charset="0"/>
+              </a:rPr>
+              <a:t>Analytical list pages</a:t>
+            </a:r>
+          </a:p>
+        </p:txBody>
+      </p:sp>
+      <p:sp>
+        <p:nvSpPr>
+          <p:cNvPr id="51" name="Rounded Rectangle 50">
+            <a:extLst>
+              <a:ext uri="{FF2B5EF4-FFF2-40B4-BE49-F238E27FC236}">
+                <a16:creationId xmlns:a16="http://schemas.microsoft.com/office/drawing/2014/main" id="{25B09B5F-BAC6-08CE-5B62-D17E6FB89B5E}"/>
+              </a:ext>
+            </a:extLst>
+          </p:cNvPr>
+          <p:cNvSpPr/>
+          <p:nvPr/>
+        </p:nvSpPr>
+        <p:spPr>
+          <a:xfrm>
+            <a:off x="4205149" y="1814833"/>
+            <a:ext cx="837129" cy="601878"/>
+          </a:xfrm>
+          <a:prstGeom prst="roundRect">
+            <a:avLst>
+              <a:gd name="adj" fmla="val 0"/>
+            </a:avLst>
+          </a:prstGeom>
+          <a:solidFill>
+            <a:srgbClr val="F6F6F6"/>
+          </a:solidFill>
+          <a:ln>
+            <a:noFill/>
+          </a:ln>
+        </p:spPr>
+        <p:style>
+          <a:lnRef idx="2">
+            <a:schemeClr val="accent1">
+              <a:shade val="15000"/>
+            </a:schemeClr>
+          </a:lnRef>
+          <a:fillRef idx="1">
+            <a:schemeClr val="accent1"/>
+          </a:fillRef>
+          <a:effectRef idx="0">
+            <a:schemeClr val="accent1"/>
+          </a:effectRef>
+          <a:fontRef idx="minor">
+            <a:schemeClr val="lt1"/>
+          </a:fontRef>
+        </p:style>
+        <p:txBody>
+          <a:bodyPr lIns="15502" tIns="31005" rIns="15502" bIns="31005" rtlCol="0" anchor="ctr"/>
+          <a:lstStyle/>
+          <a:p>
+            <a:pPr algn="ctr"/>
+            <a:r>
+              <a:rPr lang="en-GB" sz="1033">
+                <a:solidFill>
+                  <a:schemeClr val="tx1"/>
+                </a:solidFill>
+                <a:latin typeface="Segoe UI" panose="020B0502040204020203" pitchFamily="34" charset="0"/>
+                <a:cs typeface="Segoe UI" panose="020B0502040204020203" pitchFamily="34" charset="0"/>
+              </a:rPr>
+              <a:t>Review booklets</a:t>
+            </a:r>
+          </a:p>
+        </p:txBody>
+      </p:sp>
+      <p:sp>
+        <p:nvSpPr>
+          <p:cNvPr id="53" name="Rounded Rectangle 52">
+            <a:extLst>
+              <a:ext uri="{FF2B5EF4-FFF2-40B4-BE49-F238E27FC236}">
+                <a16:creationId xmlns:a16="http://schemas.microsoft.com/office/drawing/2014/main" id="{2790A69E-657D-F494-B73F-D2434C47C9FB}"/>
+              </a:ext>
+            </a:extLst>
+          </p:cNvPr>
+          <p:cNvSpPr/>
+          <p:nvPr/>
+        </p:nvSpPr>
+        <p:spPr>
+          <a:xfrm>
+            <a:off x="5092622" y="1824961"/>
+            <a:ext cx="837129" cy="601878"/>
+          </a:xfrm>
+          <a:prstGeom prst="roundRect">
+            <a:avLst>
+              <a:gd name="adj" fmla="val 0"/>
+            </a:avLst>
+          </a:prstGeom>
+          <a:solidFill>
+            <a:srgbClr val="F6F6F6"/>
+          </a:solidFill>
+          <a:ln>
+            <a:noFill/>
+          </a:ln>
+        </p:spPr>
+        <p:style>
+          <a:lnRef idx="2">
+            <a:schemeClr val="accent1">
+              <a:shade val="15000"/>
+            </a:schemeClr>
+          </a:lnRef>
+          <a:fillRef idx="1">
+            <a:schemeClr val="accent1"/>
+          </a:fillRef>
+          <a:effectRef idx="0">
+            <a:schemeClr val="accent1"/>
+          </a:effectRef>
+          <a:fontRef idx="minor">
+            <a:schemeClr val="lt1"/>
+          </a:fontRef>
+        </p:style>
+        <p:txBody>
+          <a:bodyPr lIns="15502" tIns="31005" rIns="15502" bIns="31005" rtlCol="0" anchor="ctr"/>
+          <a:lstStyle/>
+          <a:p>
+            <a:pPr algn="ctr"/>
+            <a:r>
+              <a:rPr lang="en-GB" sz="1033">
+                <a:solidFill>
+                  <a:schemeClr val="tx1"/>
+                </a:solidFill>
+                <a:latin typeface="Segoe UI" panose="020B0502040204020203" pitchFamily="34" charset="0"/>
+                <a:cs typeface="Segoe UI" panose="020B0502040204020203" pitchFamily="34" charset="0"/>
+              </a:rPr>
+              <a:t>Multi-dimensional reports</a:t>
+            </a:r>
+          </a:p>
+        </p:txBody>
+      </p:sp>
+      <p:sp>
+        <p:nvSpPr>
+          <p:cNvPr id="54" name="Rounded Rectangle 53">
+            <a:extLst>
+              <a:ext uri="{FF2B5EF4-FFF2-40B4-BE49-F238E27FC236}">
+                <a16:creationId xmlns:a16="http://schemas.microsoft.com/office/drawing/2014/main" id="{3441EFCA-27E8-FF7D-F159-2A78594F9543}"/>
+              </a:ext>
+            </a:extLst>
+          </p:cNvPr>
+          <p:cNvSpPr/>
+          <p:nvPr/>
+        </p:nvSpPr>
+        <p:spPr>
+          <a:xfrm>
+            <a:off x="5980095" y="1820447"/>
+            <a:ext cx="837129" cy="601878"/>
+          </a:xfrm>
+          <a:prstGeom prst="roundRect">
+            <a:avLst>
+              <a:gd name="adj" fmla="val 0"/>
+            </a:avLst>
+          </a:prstGeom>
+          <a:solidFill>
+            <a:srgbClr val="F6F6F6"/>
+          </a:solidFill>
+          <a:ln>
+            <a:noFill/>
+          </a:ln>
+        </p:spPr>
+        <p:style>
+          <a:lnRef idx="2">
+            <a:schemeClr val="accent1">
+              <a:shade val="15000"/>
+            </a:schemeClr>
+          </a:lnRef>
+          <a:fillRef idx="1">
+            <a:schemeClr val="accent1"/>
+          </a:fillRef>
+          <a:effectRef idx="0">
+            <a:schemeClr val="accent1"/>
+          </a:effectRef>
+          <a:fontRef idx="minor">
+            <a:schemeClr val="lt1"/>
+          </a:fontRef>
+        </p:style>
+        <p:txBody>
+          <a:bodyPr lIns="15502" tIns="31005" rIns="15502" bIns="31005" rtlCol="0" anchor="ctr"/>
+          <a:lstStyle/>
+          <a:p>
+            <a:pPr algn="ctr"/>
+            <a:r>
+              <a:rPr lang="en-GB" sz="1033">
+                <a:solidFill>
+                  <a:schemeClr val="tx1"/>
+                </a:solidFill>
+                <a:latin typeface="Segoe UI" panose="020B0502040204020203" pitchFamily="34" charset="0"/>
+                <a:cs typeface="Segoe UI" panose="020B0502040204020203" pitchFamily="34" charset="0"/>
+              </a:rPr>
+              <a:t>Smart business KPIs</a:t>
+            </a:r>
+          </a:p>
+        </p:txBody>
+      </p:sp>
+      <p:grpSp>
+        <p:nvGrpSpPr>
+          <p:cNvPr id="56" name="Group 55">
+            <a:extLst>
+              <a:ext uri="{FF2B5EF4-FFF2-40B4-BE49-F238E27FC236}">
+                <a16:creationId xmlns:a16="http://schemas.microsoft.com/office/drawing/2014/main" id="{D0F45B98-D88E-EC60-4924-9DFF5E88BFF4}"/>
+              </a:ext>
+            </a:extLst>
+          </p:cNvPr>
+          <p:cNvGrpSpPr/>
+          <p:nvPr/>
+        </p:nvGrpSpPr>
+        <p:grpSpPr>
+          <a:xfrm>
+            <a:off x="10348182" y="1469616"/>
+            <a:ext cx="1091557" cy="1001164"/>
+            <a:chOff x="11673911" y="1470855"/>
+            <a:chExt cx="1267419" cy="1162463"/>
+          </a:xfrm>
+        </p:grpSpPr>
+        <p:sp>
+          <p:nvSpPr>
+            <p:cNvPr id="62" name="Rounded Rectangle 61">
+              <a:extLst>
+                <a:ext uri="{FF2B5EF4-FFF2-40B4-BE49-F238E27FC236}">
+                  <a16:creationId xmlns:a16="http://schemas.microsoft.com/office/drawing/2014/main" id="{F0EE4DB6-E7C9-F023-C801-8C732623D850}"/>
+                </a:ext>
+              </a:extLst>
+            </p:cNvPr>
+            <p:cNvSpPr/>
+            <p:nvPr/>
+          </p:nvSpPr>
+          <p:spPr>
+            <a:xfrm>
+              <a:off x="11673911" y="1470855"/>
+              <a:ext cx="1267419" cy="1162463"/>
             </a:xfrm>
             <a:prstGeom prst="roundRect">
               <a:avLst>
@@ -3900,25 +5792,22 @@
             <a:lstStyle/>
             <a:p>
               <a:pPr algn="ctr"/>
-              <a:r>
-                <a:rPr lang="en-GB" sz="1206">
-                  <a:solidFill>
-                    <a:schemeClr val="tx1"/>
-                  </a:solidFill>
-                  <a:latin typeface="Segoe UI" panose="020B0502040204020203" pitchFamily="34" charset="0"/>
-                  <a:cs typeface="Segoe UI" panose="020B0502040204020203" pitchFamily="34" charset="0"/>
-                </a:rPr>
-                <a:t>Framework</a:t>
-              </a:r>
+              <a:endParaRPr lang="en-GB" sz="1550">
+                <a:solidFill>
+                  <a:schemeClr val="tx1"/>
+                </a:solidFill>
+                <a:latin typeface="Segoe UI" panose="020B0502040204020203" pitchFamily="34" charset="0"/>
+                <a:cs typeface="Segoe UI" panose="020B0502040204020203" pitchFamily="34" charset="0"/>
+              </a:endParaRPr>
             </a:p>
           </p:txBody>
         </p:sp>
         <p:sp>
           <p:nvSpPr>
-            <p:cNvPr id="34" name="Rounded Rectangle 33">
+            <p:cNvPr id="55" name="Rounded Rectangle 54">
               <a:extLst>
                 <a:ext uri="{FF2B5EF4-FFF2-40B4-BE49-F238E27FC236}">
-                  <a16:creationId xmlns:a16="http://schemas.microsoft.com/office/drawing/2014/main" id="{0F3F21F4-CAA1-7A9F-5573-ED8CB1EC6292}"/>
+                  <a16:creationId xmlns:a16="http://schemas.microsoft.com/office/drawing/2014/main" id="{2F3B88C0-C9D3-9A63-D381-364F21CDEBFC}"/>
                 </a:ext>
               </a:extLst>
             </p:cNvPr>
@@ -3927,1512 +5816,7 @@
           </p:nvSpPr>
           <p:spPr>
             <a:xfrm>
-              <a:off x="2402757" y="1479706"/>
-              <a:ext cx="5374701" cy="1162463"/>
-            </a:xfrm>
-            <a:prstGeom prst="roundRect">
-              <a:avLst>
-                <a:gd name="adj" fmla="val 1983"/>
-              </a:avLst>
-            </a:prstGeom>
-            <a:solidFill>
-              <a:schemeClr val="bg1"/>
-            </a:solidFill>
-            <a:ln w="6350"/>
-          </p:spPr>
-          <p:style>
-            <a:lnRef idx="2">
-              <a:schemeClr val="accent1">
-                <a:shade val="15000"/>
-              </a:schemeClr>
-            </a:lnRef>
-            <a:fillRef idx="1">
-              <a:schemeClr val="accent1"/>
-            </a:fillRef>
-            <a:effectRef idx="0">
-              <a:schemeClr val="accent1"/>
-            </a:effectRef>
-            <a:fontRef idx="minor">
-              <a:schemeClr val="lt1"/>
-            </a:fontRef>
-          </p:style>
-          <p:txBody>
-            <a:bodyPr rtlCol="0" anchor="t"/>
-            <a:lstStyle/>
-            <a:p>
-              <a:pPr algn="ctr"/>
-              <a:r>
-                <a:rPr lang="en-GB" sz="1378">
-                  <a:solidFill>
-                    <a:schemeClr val="tx1"/>
-                  </a:solidFill>
-                  <a:latin typeface="Segoe UI" panose="020B0502040204020203" pitchFamily="34" charset="0"/>
-                  <a:cs typeface="Segoe UI" panose="020B0502040204020203" pitchFamily="34" charset="0"/>
-                </a:rPr>
-                <a:t>Analytical apps</a:t>
-              </a:r>
-            </a:p>
-          </p:txBody>
-        </p:sp>
-        <p:sp>
-          <p:nvSpPr>
-            <p:cNvPr id="60" name="Rounded Rectangle 59">
-              <a:extLst>
-                <a:ext uri="{FF2B5EF4-FFF2-40B4-BE49-F238E27FC236}">
-                  <a16:creationId xmlns:a16="http://schemas.microsoft.com/office/drawing/2014/main" id="{03810DFD-D1D2-CD45-E027-401F13E06CCD}"/>
-                </a:ext>
-              </a:extLst>
-            </p:cNvPr>
-            <p:cNvSpPr/>
-            <p:nvPr/>
-          </p:nvSpPr>
-          <p:spPr>
-            <a:xfrm>
-              <a:off x="7842363" y="1470854"/>
-              <a:ext cx="2057183" cy="1162463"/>
-            </a:xfrm>
-            <a:prstGeom prst="roundRect">
-              <a:avLst>
-                <a:gd name="adj" fmla="val 1983"/>
-              </a:avLst>
-            </a:prstGeom>
-            <a:solidFill>
-              <a:schemeClr val="bg1"/>
-            </a:solidFill>
-            <a:ln w="6350"/>
-          </p:spPr>
-          <p:style>
-            <a:lnRef idx="2">
-              <a:schemeClr val="accent1">
-                <a:shade val="15000"/>
-              </a:schemeClr>
-            </a:lnRef>
-            <a:fillRef idx="1">
-              <a:schemeClr val="accent1"/>
-            </a:fillRef>
-            <a:effectRef idx="0">
-              <a:schemeClr val="accent1"/>
-            </a:effectRef>
-            <a:fontRef idx="minor">
-              <a:schemeClr val="lt1"/>
-            </a:fontRef>
-          </p:style>
-          <p:txBody>
-            <a:bodyPr rtlCol="0" anchor="t"/>
-            <a:lstStyle/>
-            <a:p>
-              <a:pPr algn="ctr"/>
-              <a:r>
-                <a:rPr lang="en-GB" sz="1378">
-                  <a:solidFill>
-                    <a:schemeClr val="tx1"/>
-                  </a:solidFill>
-                  <a:latin typeface="Segoe UI" panose="020B0502040204020203" pitchFamily="34" charset="0"/>
-                  <a:cs typeface="Segoe UI" panose="020B0502040204020203" pitchFamily="34" charset="0"/>
-                </a:rPr>
-                <a:t>Tools</a:t>
-              </a:r>
-            </a:p>
-          </p:txBody>
-        </p:sp>
-        <p:sp>
-          <p:nvSpPr>
-            <p:cNvPr id="2" name="Rounded Rectangle 1">
-              <a:extLst>
-                <a:ext uri="{FF2B5EF4-FFF2-40B4-BE49-F238E27FC236}">
-                  <a16:creationId xmlns:a16="http://schemas.microsoft.com/office/drawing/2014/main" id="{33BFC9E8-311F-1CA8-0192-8F52DA952B28}"/>
-                </a:ext>
-              </a:extLst>
-            </p:cNvPr>
-            <p:cNvSpPr/>
-            <p:nvPr/>
-          </p:nvSpPr>
-          <p:spPr>
-            <a:xfrm>
-              <a:off x="2808514" y="3487817"/>
-              <a:ext cx="7991531" cy="3755941"/>
-            </a:xfrm>
-            <a:prstGeom prst="roundRect">
-              <a:avLst>
-                <a:gd name="adj" fmla="val 0"/>
-              </a:avLst>
-            </a:prstGeom>
-            <a:noFill/>
-            <a:ln w="6350"/>
-          </p:spPr>
-          <p:style>
-            <a:lnRef idx="2">
-              <a:schemeClr val="accent1">
-                <a:shade val="15000"/>
-              </a:schemeClr>
-            </a:lnRef>
-            <a:fillRef idx="1">
-              <a:schemeClr val="accent1"/>
-            </a:fillRef>
-            <a:effectRef idx="0">
-              <a:schemeClr val="accent1"/>
-            </a:effectRef>
-            <a:fontRef idx="minor">
-              <a:schemeClr val="lt1"/>
-            </a:fontRef>
-          </p:style>
-          <p:txBody>
-            <a:bodyPr rtlCol="0" anchor="t"/>
-            <a:lstStyle/>
-            <a:p>
-              <a:r>
-                <a:rPr lang="en-GB" sz="1550">
-                  <a:solidFill>
-                    <a:schemeClr val="tx1"/>
-                  </a:solidFill>
-                  <a:latin typeface="Segoe UI" panose="020B0502040204020203" pitchFamily="34" charset="0"/>
-                  <a:cs typeface="Segoe UI" panose="020B0502040204020203" pitchFamily="34" charset="0"/>
-                </a:rPr>
-                <a:t>S/4HANA backend:</a:t>
-              </a:r>
-            </a:p>
-          </p:txBody>
-        </p:sp>
-        <p:grpSp>
-          <p:nvGrpSpPr>
-            <p:cNvPr id="108" name="Group 107">
-              <a:extLst>
-                <a:ext uri="{FF2B5EF4-FFF2-40B4-BE49-F238E27FC236}">
-                  <a16:creationId xmlns:a16="http://schemas.microsoft.com/office/drawing/2014/main" id="{21F100B0-2AC7-AF83-3451-CA126C3D46D6}"/>
-                </a:ext>
-              </a:extLst>
-            </p:cNvPr>
-            <p:cNvGrpSpPr/>
-            <p:nvPr/>
-          </p:nvGrpSpPr>
-          <p:grpSpPr>
-            <a:xfrm>
-              <a:off x="3057947" y="5911364"/>
-              <a:ext cx="7560859" cy="1150119"/>
-              <a:chOff x="3057947" y="5466399"/>
-              <a:chExt cx="7560859" cy="1150119"/>
-            </a:xfrm>
-          </p:grpSpPr>
-          <p:sp>
-            <p:nvSpPr>
-              <p:cNvPr id="3" name="Rounded Rectangle 2">
-                <a:extLst>
-                  <a:ext uri="{FF2B5EF4-FFF2-40B4-BE49-F238E27FC236}">
-                    <a16:creationId xmlns:a16="http://schemas.microsoft.com/office/drawing/2014/main" id="{2D3061A0-F73C-56B9-FDEF-4B4C91BFA4BF}"/>
-                  </a:ext>
-                </a:extLst>
-              </p:cNvPr>
-              <p:cNvSpPr/>
-              <p:nvPr/>
-            </p:nvSpPr>
-            <p:spPr>
-              <a:xfrm>
-                <a:off x="3057947" y="5466399"/>
-                <a:ext cx="7560859" cy="1150119"/>
-              </a:xfrm>
-              <a:prstGeom prst="roundRect">
-                <a:avLst>
-                  <a:gd name="adj" fmla="val 1983"/>
-                </a:avLst>
-              </a:prstGeom>
-              <a:solidFill>
-                <a:srgbClr val="EDE8D0"/>
-              </a:solidFill>
-              <a:ln w="6350"/>
-            </p:spPr>
-            <p:style>
-              <a:lnRef idx="2">
-                <a:schemeClr val="accent1">
-                  <a:shade val="15000"/>
-                </a:schemeClr>
-              </a:lnRef>
-              <a:fillRef idx="1">
-                <a:schemeClr val="accent1"/>
-              </a:fillRef>
-              <a:effectRef idx="0">
-                <a:schemeClr val="accent1"/>
-              </a:effectRef>
-              <a:fontRef idx="minor">
-                <a:schemeClr val="lt1"/>
-              </a:fontRef>
-            </p:style>
-            <p:txBody>
-              <a:bodyPr rtlCol="0" anchor="t"/>
-              <a:lstStyle/>
-              <a:p>
-                <a:r>
-                  <a:rPr lang="en-GB" sz="1550">
-                    <a:solidFill>
-                      <a:schemeClr val="tx1"/>
-                    </a:solidFill>
-                    <a:latin typeface="Segoe UI" panose="020B0502040204020203" pitchFamily="34" charset="0"/>
-                    <a:cs typeface="Segoe UI" panose="020B0502040204020203" pitchFamily="34" charset="0"/>
-                  </a:rPr>
-                  <a:t>HANA databse tables</a:t>
-                </a:r>
-                <a:r>
-                  <a:rPr lang="en-GB" sz="1378">
-                    <a:solidFill>
-                      <a:schemeClr val="tx1"/>
-                    </a:solidFill>
-                    <a:latin typeface="Segoe UI" panose="020B0502040204020203" pitchFamily="34" charset="0"/>
-                    <a:cs typeface="Segoe UI" panose="020B0502040204020203" pitchFamily="34" charset="0"/>
-                  </a:rPr>
-                  <a:t>: structured by </a:t>
-                </a:r>
-                <a:r>
-                  <a:rPr lang="en-GB" sz="1378" b="1">
-                    <a:solidFill>
-                      <a:schemeClr val="tx1"/>
-                    </a:solidFill>
-                    <a:latin typeface="Segoe UI" panose="020B0502040204020203" pitchFamily="34" charset="0"/>
-                    <a:cs typeface="Segoe UI" panose="020B0502040204020203" pitchFamily="34" charset="0"/>
-                  </a:rPr>
-                  <a:t>application &amp; db logic</a:t>
-                </a:r>
-              </a:p>
-            </p:txBody>
-          </p:sp>
-          <p:sp>
-            <p:nvSpPr>
-              <p:cNvPr id="4" name="Can 3">
-                <a:extLst>
-                  <a:ext uri="{FF2B5EF4-FFF2-40B4-BE49-F238E27FC236}">
-                    <a16:creationId xmlns:a16="http://schemas.microsoft.com/office/drawing/2014/main" id="{E8A4E7B6-B329-1D20-3313-B89525FC7181}"/>
-                  </a:ext>
-                </a:extLst>
-              </p:cNvPr>
-              <p:cNvSpPr/>
-              <p:nvPr/>
-            </p:nvSpPr>
-            <p:spPr>
-              <a:xfrm>
-                <a:off x="7722966" y="5927273"/>
-                <a:ext cx="1208421" cy="557109"/>
-              </a:xfrm>
-              <a:prstGeom prst="can">
-                <a:avLst/>
-              </a:prstGeom>
-              <a:noFill/>
-              <a:ln w="6350"/>
-            </p:spPr>
-            <p:style>
-              <a:lnRef idx="2">
-                <a:schemeClr val="accent1">
-                  <a:shade val="15000"/>
-                </a:schemeClr>
-              </a:lnRef>
-              <a:fillRef idx="1">
-                <a:schemeClr val="accent1"/>
-              </a:fillRef>
-              <a:effectRef idx="0">
-                <a:schemeClr val="accent1"/>
-              </a:effectRef>
-              <a:fontRef idx="minor">
-                <a:schemeClr val="lt1"/>
-              </a:fontRef>
-            </p:style>
-            <p:txBody>
-              <a:bodyPr rtlCol="0" anchor="ctr"/>
-              <a:lstStyle/>
-              <a:p>
-                <a:pPr algn="ctr"/>
-                <a:r>
-                  <a:rPr lang="en-GB" sz="1033">
-                    <a:solidFill>
-                      <a:schemeClr val="tx1"/>
-                    </a:solidFill>
-                    <a:latin typeface="Segoe UI" panose="020B0502040204020203" pitchFamily="34" charset="0"/>
-                    <a:cs typeface="Segoe UI" panose="020B0502040204020203" pitchFamily="34" charset="0"/>
-                  </a:rPr>
-                  <a:t>Transactions</a:t>
-                </a:r>
-              </a:p>
-              <a:p>
-                <a:pPr algn="ctr"/>
-                <a:r>
-                  <a:rPr lang="en-GB" sz="1033">
-                    <a:solidFill>
-                      <a:schemeClr val="tx1"/>
-                    </a:solidFill>
-                    <a:latin typeface="Segoe UI" panose="020B0502040204020203" pitchFamily="34" charset="0"/>
-                    <a:cs typeface="Segoe UI" panose="020B0502040204020203" pitchFamily="34" charset="0"/>
-                  </a:rPr>
-                  <a:t>(e.g. ACDOCA)</a:t>
-                </a:r>
-              </a:p>
-            </p:txBody>
-          </p:sp>
-          <p:sp>
-            <p:nvSpPr>
-              <p:cNvPr id="5" name="Can 4">
-                <a:extLst>
-                  <a:ext uri="{FF2B5EF4-FFF2-40B4-BE49-F238E27FC236}">
-                    <a16:creationId xmlns:a16="http://schemas.microsoft.com/office/drawing/2014/main" id="{5488586E-30FE-53B4-7F6F-302F04CE9287}"/>
-                  </a:ext>
-                </a:extLst>
-              </p:cNvPr>
-              <p:cNvSpPr/>
-              <p:nvPr/>
-            </p:nvSpPr>
-            <p:spPr>
-              <a:xfrm>
-                <a:off x="6210626" y="5927274"/>
-                <a:ext cx="1208421" cy="557109"/>
-              </a:xfrm>
-              <a:prstGeom prst="can">
-                <a:avLst/>
-              </a:prstGeom>
-              <a:noFill/>
-              <a:ln w="6350"/>
-            </p:spPr>
-            <p:style>
-              <a:lnRef idx="2">
-                <a:schemeClr val="accent1">
-                  <a:shade val="15000"/>
-                </a:schemeClr>
-              </a:lnRef>
-              <a:fillRef idx="1">
-                <a:schemeClr val="accent1"/>
-              </a:fillRef>
-              <a:effectRef idx="0">
-                <a:schemeClr val="accent1"/>
-              </a:effectRef>
-              <a:fontRef idx="minor">
-                <a:schemeClr val="lt1"/>
-              </a:fontRef>
-            </p:style>
-            <p:txBody>
-              <a:bodyPr rtlCol="0" anchor="ctr"/>
-              <a:lstStyle/>
-              <a:p>
-                <a:pPr algn="ctr"/>
-                <a:r>
-                  <a:rPr lang="en-GB" sz="1033">
-                    <a:solidFill>
-                      <a:schemeClr val="tx1"/>
-                    </a:solidFill>
-                    <a:latin typeface="Segoe UI" panose="020B0502040204020203" pitchFamily="34" charset="0"/>
-                    <a:cs typeface="Segoe UI" panose="020B0502040204020203" pitchFamily="34" charset="0"/>
-                  </a:rPr>
-                  <a:t>Master data</a:t>
-                </a:r>
-              </a:p>
-              <a:p>
-                <a:pPr algn="ctr"/>
-                <a:r>
-                  <a:rPr lang="en-GB" sz="1033">
-                    <a:solidFill>
-                      <a:schemeClr val="tx1"/>
-                    </a:solidFill>
-                    <a:latin typeface="Segoe UI" panose="020B0502040204020203" pitchFamily="34" charset="0"/>
-                    <a:cs typeface="Segoe UI" panose="020B0502040204020203" pitchFamily="34" charset="0"/>
-                  </a:rPr>
-                  <a:t>(e.g. SKB1)</a:t>
-                </a:r>
-              </a:p>
-            </p:txBody>
-          </p:sp>
-          <p:sp>
-            <p:nvSpPr>
-              <p:cNvPr id="6" name="Can 5">
-                <a:extLst>
-                  <a:ext uri="{FF2B5EF4-FFF2-40B4-BE49-F238E27FC236}">
-                    <a16:creationId xmlns:a16="http://schemas.microsoft.com/office/drawing/2014/main" id="{B1FC85A1-8B57-4F58-4B92-6A56194721C1}"/>
-                  </a:ext>
-                </a:extLst>
-              </p:cNvPr>
-              <p:cNvSpPr/>
-              <p:nvPr/>
-            </p:nvSpPr>
-            <p:spPr>
-              <a:xfrm>
-                <a:off x="4698285" y="5927273"/>
-                <a:ext cx="1208421" cy="557109"/>
-              </a:xfrm>
-              <a:prstGeom prst="can">
-                <a:avLst/>
-              </a:prstGeom>
-              <a:noFill/>
-              <a:ln w="6350"/>
-            </p:spPr>
-            <p:style>
-              <a:lnRef idx="2">
-                <a:schemeClr val="accent1">
-                  <a:shade val="15000"/>
-                </a:schemeClr>
-              </a:lnRef>
-              <a:fillRef idx="1">
-                <a:schemeClr val="accent1"/>
-              </a:fillRef>
-              <a:effectRef idx="0">
-                <a:schemeClr val="accent1"/>
-              </a:effectRef>
-              <a:fontRef idx="minor">
-                <a:schemeClr val="lt1"/>
-              </a:fontRef>
-            </p:style>
-            <p:txBody>
-              <a:bodyPr rtlCol="0" anchor="ctr"/>
-              <a:lstStyle/>
-              <a:p>
-                <a:pPr algn="ctr"/>
-                <a:r>
-                  <a:rPr lang="en-GB" sz="1033">
-                    <a:solidFill>
-                      <a:schemeClr val="tx1"/>
-                    </a:solidFill>
-                    <a:latin typeface="Segoe UI" panose="020B0502040204020203" pitchFamily="34" charset="0"/>
-                    <a:cs typeface="Segoe UI" panose="020B0502040204020203" pitchFamily="34" charset="0"/>
-                  </a:rPr>
-                  <a:t>Configuration</a:t>
-                </a:r>
-              </a:p>
-              <a:p>
-                <a:pPr algn="ctr"/>
-                <a:r>
-                  <a:rPr lang="en-GB" sz="1033">
-                    <a:solidFill>
-                      <a:schemeClr val="tx1"/>
-                    </a:solidFill>
-                    <a:latin typeface="Segoe UI" panose="020B0502040204020203" pitchFamily="34" charset="0"/>
-                    <a:cs typeface="Segoe UI" panose="020B0502040204020203" pitchFamily="34" charset="0"/>
-                  </a:rPr>
-                  <a:t>(e.g. T001)</a:t>
-                </a:r>
-              </a:p>
-            </p:txBody>
-          </p:sp>
-        </p:grpSp>
-        <p:sp>
-          <p:nvSpPr>
-            <p:cNvPr id="7" name="Rounded Rectangle 6">
-              <a:extLst>
-                <a:ext uri="{FF2B5EF4-FFF2-40B4-BE49-F238E27FC236}">
-                  <a16:creationId xmlns:a16="http://schemas.microsoft.com/office/drawing/2014/main" id="{4570AC5E-6D6D-FEC0-4438-23C8238F4B6C}"/>
-                </a:ext>
-              </a:extLst>
-            </p:cNvPr>
-            <p:cNvSpPr/>
-            <p:nvPr/>
-          </p:nvSpPr>
-          <p:spPr>
-            <a:xfrm>
-              <a:off x="3057947" y="3954577"/>
-              <a:ext cx="7560858" cy="1412269"/>
-            </a:xfrm>
-            <a:prstGeom prst="roundRect">
-              <a:avLst>
-                <a:gd name="adj" fmla="val 1983"/>
-              </a:avLst>
-            </a:prstGeom>
-            <a:solidFill>
-              <a:srgbClr val="D8D8D8"/>
-            </a:solidFill>
-            <a:ln w="6350"/>
-          </p:spPr>
-          <p:style>
-            <a:lnRef idx="2">
-              <a:schemeClr val="accent1">
-                <a:shade val="15000"/>
-              </a:schemeClr>
-            </a:lnRef>
-            <a:fillRef idx="1">
-              <a:schemeClr val="accent1"/>
-            </a:fillRef>
-            <a:effectRef idx="0">
-              <a:schemeClr val="accent1"/>
-            </a:effectRef>
-            <a:fontRef idx="minor">
-              <a:schemeClr val="lt1"/>
-            </a:fontRef>
-          </p:style>
-          <p:txBody>
-            <a:bodyPr rtlCol="0" anchor="t"/>
-            <a:lstStyle/>
-            <a:p>
-              <a:r>
-                <a:rPr lang="en-GB" sz="1550">
-                  <a:solidFill>
-                    <a:schemeClr val="tx1"/>
-                  </a:solidFill>
-                  <a:latin typeface="Segoe UI" panose="020B0502040204020203" pitchFamily="34" charset="0"/>
-                  <a:cs typeface="Segoe UI" panose="020B0502040204020203" pitchFamily="34" charset="0"/>
-                </a:rPr>
-                <a:t>Virtual data model</a:t>
-              </a:r>
-              <a:r>
-                <a:rPr lang="en-GB" sz="1378">
-                  <a:solidFill>
-                    <a:schemeClr val="tx1"/>
-                  </a:solidFill>
-                  <a:latin typeface="Segoe UI" panose="020B0502040204020203" pitchFamily="34" charset="0"/>
-                  <a:cs typeface="Segoe UI" panose="020B0502040204020203" pitchFamily="34" charset="0"/>
-                </a:rPr>
-                <a:t>: </a:t>
-              </a:r>
-            </a:p>
-            <a:p>
-              <a:r>
-                <a:rPr lang="en-GB" sz="1378">
-                  <a:solidFill>
-                    <a:schemeClr val="tx1"/>
-                  </a:solidFill>
-                  <a:latin typeface="Segoe UI" panose="020B0502040204020203" pitchFamily="34" charset="0"/>
-                  <a:cs typeface="Segoe UI" panose="020B0502040204020203" pitchFamily="34" charset="0"/>
-                </a:rPr>
-                <a:t>Analytical queries and cubes (core data services views)</a:t>
-              </a:r>
-            </a:p>
-          </p:txBody>
-        </p:sp>
-        <p:grpSp>
-          <p:nvGrpSpPr>
-            <p:cNvPr id="15" name="Group 14">
-              <a:extLst>
-                <a:ext uri="{FF2B5EF4-FFF2-40B4-BE49-F238E27FC236}">
-                  <a16:creationId xmlns:a16="http://schemas.microsoft.com/office/drawing/2014/main" id="{D6C6B416-9DF7-B999-C15A-09C1B8BDE8AC}"/>
-                </a:ext>
-              </a:extLst>
-            </p:cNvPr>
-            <p:cNvGrpSpPr/>
-            <p:nvPr/>
-          </p:nvGrpSpPr>
-          <p:grpSpPr>
-            <a:xfrm>
-              <a:off x="4985945" y="5071411"/>
-              <a:ext cx="2168477" cy="174812"/>
-              <a:chOff x="4837438" y="4196603"/>
-              <a:chExt cx="2168477" cy="174812"/>
-            </a:xfrm>
-            <a:noFill/>
-          </p:grpSpPr>
-          <p:sp>
-            <p:nvSpPr>
-              <p:cNvPr id="8" name="Rectangle 7">
-                <a:extLst>
-                  <a:ext uri="{FF2B5EF4-FFF2-40B4-BE49-F238E27FC236}">
-                    <a16:creationId xmlns:a16="http://schemas.microsoft.com/office/drawing/2014/main" id="{CD1D80C2-FEEE-A4FC-C8FE-0FA56148682E}"/>
-                  </a:ext>
-                </a:extLst>
-              </p:cNvPr>
-              <p:cNvSpPr/>
-              <p:nvPr/>
-            </p:nvSpPr>
-            <p:spPr>
-              <a:xfrm>
-                <a:off x="4837438" y="4196603"/>
-                <a:ext cx="380022" cy="174812"/>
-              </a:xfrm>
-              <a:prstGeom prst="rect">
-                <a:avLst/>
-              </a:prstGeom>
-              <a:grpFill/>
-              <a:ln w="6350"/>
-            </p:spPr>
-            <p:style>
-              <a:lnRef idx="2">
-                <a:schemeClr val="accent1">
-                  <a:shade val="15000"/>
-                </a:schemeClr>
-              </a:lnRef>
-              <a:fillRef idx="1">
-                <a:schemeClr val="accent1"/>
-              </a:fillRef>
-              <a:effectRef idx="0">
-                <a:schemeClr val="accent1"/>
-              </a:effectRef>
-              <a:fontRef idx="minor">
-                <a:schemeClr val="lt1"/>
-              </a:fontRef>
-            </p:style>
-            <p:txBody>
-              <a:bodyPr rtlCol="0" anchor="ctr"/>
-              <a:lstStyle/>
-              <a:p>
-                <a:pPr algn="ctr"/>
-                <a:endParaRPr lang="en-GB" sz="1550">
-                  <a:latin typeface="Segoe UI" panose="020B0502040204020203" pitchFamily="34" charset="0"/>
-                  <a:cs typeface="Segoe UI" panose="020B0502040204020203" pitchFamily="34" charset="0"/>
-                </a:endParaRPr>
-              </a:p>
-            </p:txBody>
-          </p:sp>
-          <p:sp>
-            <p:nvSpPr>
-              <p:cNvPr id="9" name="Rectangle 8">
-                <a:extLst>
-                  <a:ext uri="{FF2B5EF4-FFF2-40B4-BE49-F238E27FC236}">
-                    <a16:creationId xmlns:a16="http://schemas.microsoft.com/office/drawing/2014/main" id="{232AC30B-FC75-44D2-4AE1-C3D34F408E6A}"/>
-                  </a:ext>
-                </a:extLst>
-              </p:cNvPr>
-              <p:cNvSpPr/>
-              <p:nvPr/>
-            </p:nvSpPr>
-            <p:spPr>
-              <a:xfrm>
-                <a:off x="5284552" y="4196603"/>
-                <a:ext cx="380022" cy="174812"/>
-              </a:xfrm>
-              <a:prstGeom prst="rect">
-                <a:avLst/>
-              </a:prstGeom>
-              <a:grpFill/>
-              <a:ln w="6350"/>
-            </p:spPr>
-            <p:style>
-              <a:lnRef idx="2">
-                <a:schemeClr val="accent1">
-                  <a:shade val="15000"/>
-                </a:schemeClr>
-              </a:lnRef>
-              <a:fillRef idx="1">
-                <a:schemeClr val="accent1"/>
-              </a:fillRef>
-              <a:effectRef idx="0">
-                <a:schemeClr val="accent1"/>
-              </a:effectRef>
-              <a:fontRef idx="minor">
-                <a:schemeClr val="lt1"/>
-              </a:fontRef>
-            </p:style>
-            <p:txBody>
-              <a:bodyPr rtlCol="0" anchor="ctr"/>
-              <a:lstStyle/>
-              <a:p>
-                <a:pPr algn="ctr"/>
-                <a:endParaRPr lang="en-GB" sz="1550">
-                  <a:latin typeface="Segoe UI" panose="020B0502040204020203" pitchFamily="34" charset="0"/>
-                  <a:cs typeface="Segoe UI" panose="020B0502040204020203" pitchFamily="34" charset="0"/>
-                </a:endParaRPr>
-              </a:p>
-            </p:txBody>
-          </p:sp>
-          <p:sp>
-            <p:nvSpPr>
-              <p:cNvPr id="12" name="Rectangle 11">
-                <a:extLst>
-                  <a:ext uri="{FF2B5EF4-FFF2-40B4-BE49-F238E27FC236}">
-                    <a16:creationId xmlns:a16="http://schemas.microsoft.com/office/drawing/2014/main" id="{9AA23AB4-477C-DA0C-6D9A-481261320381}"/>
-                  </a:ext>
-                </a:extLst>
-              </p:cNvPr>
-              <p:cNvSpPr/>
-              <p:nvPr/>
-            </p:nvSpPr>
-            <p:spPr>
-              <a:xfrm>
-                <a:off x="5731666" y="4196603"/>
-                <a:ext cx="380022" cy="174812"/>
-              </a:xfrm>
-              <a:prstGeom prst="rect">
-                <a:avLst/>
-              </a:prstGeom>
-              <a:grpFill/>
-              <a:ln w="6350"/>
-            </p:spPr>
-            <p:style>
-              <a:lnRef idx="2">
-                <a:schemeClr val="accent1">
-                  <a:shade val="15000"/>
-                </a:schemeClr>
-              </a:lnRef>
-              <a:fillRef idx="1">
-                <a:schemeClr val="accent1"/>
-              </a:fillRef>
-              <a:effectRef idx="0">
-                <a:schemeClr val="accent1"/>
-              </a:effectRef>
-              <a:fontRef idx="minor">
-                <a:schemeClr val="lt1"/>
-              </a:fontRef>
-            </p:style>
-            <p:txBody>
-              <a:bodyPr rtlCol="0" anchor="ctr"/>
-              <a:lstStyle/>
-              <a:p>
-                <a:pPr algn="ctr"/>
-                <a:endParaRPr lang="en-GB" sz="1550">
-                  <a:latin typeface="Segoe UI" panose="020B0502040204020203" pitchFamily="34" charset="0"/>
-                  <a:cs typeface="Segoe UI" panose="020B0502040204020203" pitchFamily="34" charset="0"/>
-                </a:endParaRPr>
-              </a:p>
-            </p:txBody>
-          </p:sp>
-          <p:sp>
-            <p:nvSpPr>
-              <p:cNvPr id="13" name="Rectangle 12">
-                <a:extLst>
-                  <a:ext uri="{FF2B5EF4-FFF2-40B4-BE49-F238E27FC236}">
-                    <a16:creationId xmlns:a16="http://schemas.microsoft.com/office/drawing/2014/main" id="{2EBB6108-0A4C-B4E2-DE32-412959B9BD01}"/>
-                  </a:ext>
-                </a:extLst>
-              </p:cNvPr>
-              <p:cNvSpPr/>
-              <p:nvPr/>
-            </p:nvSpPr>
-            <p:spPr>
-              <a:xfrm>
-                <a:off x="6178780" y="4196603"/>
-                <a:ext cx="380022" cy="174812"/>
-              </a:xfrm>
-              <a:prstGeom prst="rect">
-                <a:avLst/>
-              </a:prstGeom>
-              <a:grpFill/>
-              <a:ln w="6350"/>
-            </p:spPr>
-            <p:style>
-              <a:lnRef idx="2">
-                <a:schemeClr val="accent1">
-                  <a:shade val="15000"/>
-                </a:schemeClr>
-              </a:lnRef>
-              <a:fillRef idx="1">
-                <a:schemeClr val="accent1"/>
-              </a:fillRef>
-              <a:effectRef idx="0">
-                <a:schemeClr val="accent1"/>
-              </a:effectRef>
-              <a:fontRef idx="minor">
-                <a:schemeClr val="lt1"/>
-              </a:fontRef>
-            </p:style>
-            <p:txBody>
-              <a:bodyPr rtlCol="0" anchor="ctr"/>
-              <a:lstStyle/>
-              <a:p>
-                <a:pPr algn="ctr"/>
-                <a:endParaRPr lang="en-GB" sz="1550">
-                  <a:latin typeface="Segoe UI" panose="020B0502040204020203" pitchFamily="34" charset="0"/>
-                  <a:cs typeface="Segoe UI" panose="020B0502040204020203" pitchFamily="34" charset="0"/>
-                </a:endParaRPr>
-              </a:p>
-            </p:txBody>
-          </p:sp>
-          <p:sp>
-            <p:nvSpPr>
-              <p:cNvPr id="14" name="Rectangle 13">
-                <a:extLst>
-                  <a:ext uri="{FF2B5EF4-FFF2-40B4-BE49-F238E27FC236}">
-                    <a16:creationId xmlns:a16="http://schemas.microsoft.com/office/drawing/2014/main" id="{4B4261C8-1FDB-6410-84B7-1F5792BC1B0F}"/>
-                  </a:ext>
-                </a:extLst>
-              </p:cNvPr>
-              <p:cNvSpPr/>
-              <p:nvPr/>
-            </p:nvSpPr>
-            <p:spPr>
-              <a:xfrm>
-                <a:off x="6625893" y="4196603"/>
-                <a:ext cx="380022" cy="174812"/>
-              </a:xfrm>
-              <a:prstGeom prst="rect">
-                <a:avLst/>
-              </a:prstGeom>
-              <a:grpFill/>
-              <a:ln w="6350"/>
-            </p:spPr>
-            <p:style>
-              <a:lnRef idx="2">
-                <a:schemeClr val="accent1">
-                  <a:shade val="15000"/>
-                </a:schemeClr>
-              </a:lnRef>
-              <a:fillRef idx="1">
-                <a:schemeClr val="accent1"/>
-              </a:fillRef>
-              <a:effectRef idx="0">
-                <a:schemeClr val="accent1"/>
-              </a:effectRef>
-              <a:fontRef idx="minor">
-                <a:schemeClr val="lt1"/>
-              </a:fontRef>
-            </p:style>
-            <p:txBody>
-              <a:bodyPr rtlCol="0" anchor="ctr"/>
-              <a:lstStyle/>
-              <a:p>
-                <a:pPr algn="ctr"/>
-                <a:endParaRPr lang="en-GB" sz="1550">
-                  <a:latin typeface="Segoe UI" panose="020B0502040204020203" pitchFamily="34" charset="0"/>
-                  <a:cs typeface="Segoe UI" panose="020B0502040204020203" pitchFamily="34" charset="0"/>
-                </a:endParaRPr>
-              </a:p>
-            </p:txBody>
-          </p:sp>
-        </p:grpSp>
-        <p:sp>
-          <p:nvSpPr>
-            <p:cNvPr id="16" name="TextBox 15">
-              <a:extLst>
-                <a:ext uri="{FF2B5EF4-FFF2-40B4-BE49-F238E27FC236}">
-                  <a16:creationId xmlns:a16="http://schemas.microsoft.com/office/drawing/2014/main" id="{DF913A38-BB80-E05E-B929-EBCA685F888A}"/>
-                </a:ext>
-              </a:extLst>
-            </p:cNvPr>
-            <p:cNvSpPr txBox="1"/>
-            <p:nvPr/>
-          </p:nvSpPr>
-          <p:spPr>
-            <a:xfrm>
-              <a:off x="7202949" y="5004928"/>
-              <a:ext cx="964508" cy="291772"/>
-            </a:xfrm>
-            <a:prstGeom prst="rect">
-              <a:avLst/>
-            </a:prstGeom>
-            <a:noFill/>
-            <a:ln w="6350">
-              <a:noFill/>
-            </a:ln>
-          </p:spPr>
-          <p:txBody>
-            <a:bodyPr wrap="none" rtlCol="0">
-              <a:spAutoFit/>
-            </a:bodyPr>
-            <a:lstStyle/>
-            <a:p>
-              <a:r>
-                <a:rPr lang="en-GB" sz="1033">
-                  <a:latin typeface="Segoe UI" panose="020B0502040204020203" pitchFamily="34" charset="0"/>
-                  <a:cs typeface="Segoe UI" panose="020B0502040204020203" pitchFamily="34" charset="0"/>
-                </a:rPr>
-                <a:t>Basic views</a:t>
-              </a:r>
-            </a:p>
-          </p:txBody>
-        </p:sp>
-        <p:sp>
-          <p:nvSpPr>
-            <p:cNvPr id="21" name="Rectangle 20">
-              <a:extLst>
-                <a:ext uri="{FF2B5EF4-FFF2-40B4-BE49-F238E27FC236}">
-                  <a16:creationId xmlns:a16="http://schemas.microsoft.com/office/drawing/2014/main" id="{5157326C-B6F6-8F63-C88D-787ECB247AF3}"/>
-                </a:ext>
-              </a:extLst>
-            </p:cNvPr>
-            <p:cNvSpPr/>
-            <p:nvPr/>
-          </p:nvSpPr>
-          <p:spPr>
-            <a:xfrm>
-              <a:off x="4985945" y="4843603"/>
-              <a:ext cx="380022" cy="174812"/>
-            </a:xfrm>
-            <a:prstGeom prst="rect">
-              <a:avLst/>
-            </a:prstGeom>
-            <a:noFill/>
-            <a:ln w="6350"/>
-          </p:spPr>
-          <p:style>
-            <a:lnRef idx="2">
-              <a:schemeClr val="accent1">
-                <a:shade val="15000"/>
-              </a:schemeClr>
-            </a:lnRef>
-            <a:fillRef idx="1">
-              <a:schemeClr val="accent1"/>
-            </a:fillRef>
-            <a:effectRef idx="0">
-              <a:schemeClr val="accent1"/>
-            </a:effectRef>
-            <a:fontRef idx="minor">
-              <a:schemeClr val="lt1"/>
-            </a:fontRef>
-          </p:style>
-          <p:txBody>
-            <a:bodyPr rtlCol="0" anchor="ctr"/>
-            <a:lstStyle/>
-            <a:p>
-              <a:pPr algn="ctr"/>
-              <a:endParaRPr lang="en-GB" sz="1550">
-                <a:latin typeface="Segoe UI" panose="020B0502040204020203" pitchFamily="34" charset="0"/>
-                <a:cs typeface="Segoe UI" panose="020B0502040204020203" pitchFamily="34" charset="0"/>
-              </a:endParaRPr>
-            </a:p>
-          </p:txBody>
-        </p:sp>
-        <p:sp>
-          <p:nvSpPr>
-            <p:cNvPr id="22" name="Rectangle 21">
-              <a:extLst>
-                <a:ext uri="{FF2B5EF4-FFF2-40B4-BE49-F238E27FC236}">
-                  <a16:creationId xmlns:a16="http://schemas.microsoft.com/office/drawing/2014/main" id="{3F58AF11-27C3-EA12-7401-706502A9EE02}"/>
-                </a:ext>
-              </a:extLst>
-            </p:cNvPr>
-            <p:cNvSpPr/>
-            <p:nvPr/>
-          </p:nvSpPr>
-          <p:spPr>
-            <a:xfrm>
-              <a:off x="5433059" y="4843603"/>
-              <a:ext cx="380022" cy="174812"/>
-            </a:xfrm>
-            <a:prstGeom prst="rect">
-              <a:avLst/>
-            </a:prstGeom>
-            <a:noFill/>
-            <a:ln w="6350"/>
-          </p:spPr>
-          <p:style>
-            <a:lnRef idx="2">
-              <a:schemeClr val="accent1">
-                <a:shade val="15000"/>
-              </a:schemeClr>
-            </a:lnRef>
-            <a:fillRef idx="1">
-              <a:schemeClr val="accent1"/>
-            </a:fillRef>
-            <a:effectRef idx="0">
-              <a:schemeClr val="accent1"/>
-            </a:effectRef>
-            <a:fontRef idx="minor">
-              <a:schemeClr val="lt1"/>
-            </a:fontRef>
-          </p:style>
-          <p:txBody>
-            <a:bodyPr rtlCol="0" anchor="ctr"/>
-            <a:lstStyle/>
-            <a:p>
-              <a:pPr algn="ctr"/>
-              <a:endParaRPr lang="en-GB" sz="1550">
-                <a:latin typeface="Segoe UI" panose="020B0502040204020203" pitchFamily="34" charset="0"/>
-                <a:cs typeface="Segoe UI" panose="020B0502040204020203" pitchFamily="34" charset="0"/>
-              </a:endParaRPr>
-            </a:p>
-          </p:txBody>
-        </p:sp>
-        <p:sp>
-          <p:nvSpPr>
-            <p:cNvPr id="23" name="Rectangle 22">
-              <a:extLst>
-                <a:ext uri="{FF2B5EF4-FFF2-40B4-BE49-F238E27FC236}">
-                  <a16:creationId xmlns:a16="http://schemas.microsoft.com/office/drawing/2014/main" id="{A9851E91-3295-6A16-0F83-EA13B1EA45A0}"/>
-                </a:ext>
-              </a:extLst>
-            </p:cNvPr>
-            <p:cNvSpPr/>
-            <p:nvPr/>
-          </p:nvSpPr>
-          <p:spPr>
-            <a:xfrm>
-              <a:off x="5880173" y="4843603"/>
-              <a:ext cx="380022" cy="174812"/>
-            </a:xfrm>
-            <a:prstGeom prst="rect">
-              <a:avLst/>
-            </a:prstGeom>
-            <a:noFill/>
-            <a:ln w="6350"/>
-          </p:spPr>
-          <p:style>
-            <a:lnRef idx="2">
-              <a:schemeClr val="accent1">
-                <a:shade val="15000"/>
-              </a:schemeClr>
-            </a:lnRef>
-            <a:fillRef idx="1">
-              <a:schemeClr val="accent1"/>
-            </a:fillRef>
-            <a:effectRef idx="0">
-              <a:schemeClr val="accent1"/>
-            </a:effectRef>
-            <a:fontRef idx="minor">
-              <a:schemeClr val="lt1"/>
-            </a:fontRef>
-          </p:style>
-          <p:txBody>
-            <a:bodyPr rtlCol="0" anchor="ctr"/>
-            <a:lstStyle/>
-            <a:p>
-              <a:pPr algn="ctr"/>
-              <a:endParaRPr lang="en-GB" sz="1550">
-                <a:latin typeface="Segoe UI" panose="020B0502040204020203" pitchFamily="34" charset="0"/>
-                <a:cs typeface="Segoe UI" panose="020B0502040204020203" pitchFamily="34" charset="0"/>
-              </a:endParaRPr>
-            </a:p>
-          </p:txBody>
-        </p:sp>
-        <p:sp>
-          <p:nvSpPr>
-            <p:cNvPr id="24" name="Rectangle 23">
-              <a:extLst>
-                <a:ext uri="{FF2B5EF4-FFF2-40B4-BE49-F238E27FC236}">
-                  <a16:creationId xmlns:a16="http://schemas.microsoft.com/office/drawing/2014/main" id="{DE9352CB-821C-0685-9F92-AC992026B798}"/>
-                </a:ext>
-              </a:extLst>
-            </p:cNvPr>
-            <p:cNvSpPr/>
-            <p:nvPr/>
-          </p:nvSpPr>
-          <p:spPr>
-            <a:xfrm>
-              <a:off x="6327287" y="4843603"/>
-              <a:ext cx="380022" cy="174812"/>
-            </a:xfrm>
-            <a:prstGeom prst="rect">
-              <a:avLst/>
-            </a:prstGeom>
-            <a:noFill/>
-            <a:ln w="6350"/>
-          </p:spPr>
-          <p:style>
-            <a:lnRef idx="2">
-              <a:schemeClr val="accent1">
-                <a:shade val="15000"/>
-              </a:schemeClr>
-            </a:lnRef>
-            <a:fillRef idx="1">
-              <a:schemeClr val="accent1"/>
-            </a:fillRef>
-            <a:effectRef idx="0">
-              <a:schemeClr val="accent1"/>
-            </a:effectRef>
-            <a:fontRef idx="minor">
-              <a:schemeClr val="lt1"/>
-            </a:fontRef>
-          </p:style>
-          <p:txBody>
-            <a:bodyPr rtlCol="0" anchor="ctr"/>
-            <a:lstStyle/>
-            <a:p>
-              <a:pPr algn="ctr"/>
-              <a:endParaRPr lang="en-GB" sz="1550">
-                <a:latin typeface="Segoe UI" panose="020B0502040204020203" pitchFamily="34" charset="0"/>
-                <a:cs typeface="Segoe UI" panose="020B0502040204020203" pitchFamily="34" charset="0"/>
-              </a:endParaRPr>
-            </a:p>
-          </p:txBody>
-        </p:sp>
-        <p:sp>
-          <p:nvSpPr>
-            <p:cNvPr id="25" name="Rectangle 24">
-              <a:extLst>
-                <a:ext uri="{FF2B5EF4-FFF2-40B4-BE49-F238E27FC236}">
-                  <a16:creationId xmlns:a16="http://schemas.microsoft.com/office/drawing/2014/main" id="{CF576B18-D9AA-7E3E-545D-6676D342BF50}"/>
-                </a:ext>
-              </a:extLst>
-            </p:cNvPr>
-            <p:cNvSpPr/>
-            <p:nvPr/>
-          </p:nvSpPr>
-          <p:spPr>
-            <a:xfrm>
-              <a:off x="6774400" y="4843603"/>
-              <a:ext cx="380022" cy="174812"/>
-            </a:xfrm>
-            <a:prstGeom prst="rect">
-              <a:avLst/>
-            </a:prstGeom>
-            <a:noFill/>
-            <a:ln w="6350"/>
-          </p:spPr>
-          <p:style>
-            <a:lnRef idx="2">
-              <a:schemeClr val="accent1">
-                <a:shade val="15000"/>
-              </a:schemeClr>
-            </a:lnRef>
-            <a:fillRef idx="1">
-              <a:schemeClr val="accent1"/>
-            </a:fillRef>
-            <a:effectRef idx="0">
-              <a:schemeClr val="accent1"/>
-            </a:effectRef>
-            <a:fontRef idx="minor">
-              <a:schemeClr val="lt1"/>
-            </a:fontRef>
-          </p:style>
-          <p:txBody>
-            <a:bodyPr rtlCol="0" anchor="ctr"/>
-            <a:lstStyle/>
-            <a:p>
-              <a:pPr algn="ctr"/>
-              <a:endParaRPr lang="en-GB" sz="1550">
-                <a:latin typeface="Segoe UI" panose="020B0502040204020203" pitchFamily="34" charset="0"/>
-                <a:cs typeface="Segoe UI" panose="020B0502040204020203" pitchFamily="34" charset="0"/>
-              </a:endParaRPr>
-            </a:p>
-          </p:txBody>
-        </p:sp>
-        <p:sp>
-          <p:nvSpPr>
-            <p:cNvPr id="20" name="TextBox 19">
-              <a:extLst>
-                <a:ext uri="{FF2B5EF4-FFF2-40B4-BE49-F238E27FC236}">
-                  <a16:creationId xmlns:a16="http://schemas.microsoft.com/office/drawing/2014/main" id="{A57815B1-0B0E-AEEE-C370-F063E58B52F5}"/>
-                </a:ext>
-              </a:extLst>
-            </p:cNvPr>
-            <p:cNvSpPr txBox="1"/>
-            <p:nvPr/>
-          </p:nvSpPr>
-          <p:spPr>
-            <a:xfrm>
-              <a:off x="7189502" y="4777120"/>
-              <a:ext cx="1357234" cy="291772"/>
-            </a:xfrm>
-            <a:prstGeom prst="rect">
-              <a:avLst/>
-            </a:prstGeom>
-            <a:noFill/>
-            <a:ln w="6350">
-              <a:noFill/>
-            </a:ln>
-          </p:spPr>
-          <p:txBody>
-            <a:bodyPr wrap="none" rtlCol="0">
-              <a:spAutoFit/>
-            </a:bodyPr>
-            <a:lstStyle/>
-            <a:p>
-              <a:r>
-                <a:rPr lang="en-GB" sz="1033">
-                  <a:latin typeface="Segoe UI" panose="020B0502040204020203" pitchFamily="34" charset="0"/>
-                  <a:cs typeface="Segoe UI" panose="020B0502040204020203" pitchFamily="34" charset="0"/>
-                </a:rPr>
-                <a:t>Composite views</a:t>
-              </a:r>
-            </a:p>
-          </p:txBody>
-        </p:sp>
-        <p:grpSp>
-          <p:nvGrpSpPr>
-            <p:cNvPr id="27" name="Group 26">
-              <a:extLst>
-                <a:ext uri="{FF2B5EF4-FFF2-40B4-BE49-F238E27FC236}">
-                  <a16:creationId xmlns:a16="http://schemas.microsoft.com/office/drawing/2014/main" id="{0305B5BC-079A-9277-B477-D4EF1899454E}"/>
-                </a:ext>
-              </a:extLst>
-            </p:cNvPr>
-            <p:cNvGrpSpPr/>
-            <p:nvPr/>
-          </p:nvGrpSpPr>
-          <p:grpSpPr>
-            <a:xfrm>
-              <a:off x="4985945" y="4611259"/>
-              <a:ext cx="2168477" cy="174812"/>
-              <a:chOff x="4837438" y="4196603"/>
-              <a:chExt cx="2168477" cy="174812"/>
-            </a:xfrm>
-            <a:noFill/>
-          </p:grpSpPr>
-          <p:sp>
-            <p:nvSpPr>
-              <p:cNvPr id="29" name="Rectangle 28">
-                <a:extLst>
-                  <a:ext uri="{FF2B5EF4-FFF2-40B4-BE49-F238E27FC236}">
-                    <a16:creationId xmlns:a16="http://schemas.microsoft.com/office/drawing/2014/main" id="{11FDB5FD-775B-D4F5-C3A4-219251DA6ED6}"/>
-                  </a:ext>
-                </a:extLst>
-              </p:cNvPr>
-              <p:cNvSpPr/>
-              <p:nvPr/>
-            </p:nvSpPr>
-            <p:spPr>
-              <a:xfrm>
-                <a:off x="4837438" y="4196603"/>
-                <a:ext cx="380022" cy="174812"/>
-              </a:xfrm>
-              <a:prstGeom prst="rect">
-                <a:avLst/>
-              </a:prstGeom>
-              <a:grpFill/>
-              <a:ln w="6350"/>
-            </p:spPr>
-            <p:style>
-              <a:lnRef idx="2">
-                <a:schemeClr val="accent1">
-                  <a:shade val="15000"/>
-                </a:schemeClr>
-              </a:lnRef>
-              <a:fillRef idx="1">
-                <a:schemeClr val="accent1"/>
-              </a:fillRef>
-              <a:effectRef idx="0">
-                <a:schemeClr val="accent1"/>
-              </a:effectRef>
-              <a:fontRef idx="minor">
-                <a:schemeClr val="lt1"/>
-              </a:fontRef>
-            </p:style>
-            <p:txBody>
-              <a:bodyPr rtlCol="0" anchor="ctr"/>
-              <a:lstStyle/>
-              <a:p>
-                <a:pPr algn="ctr"/>
-                <a:endParaRPr lang="en-GB" sz="1550">
-                  <a:latin typeface="Segoe UI" panose="020B0502040204020203" pitchFamily="34" charset="0"/>
-                  <a:cs typeface="Segoe UI" panose="020B0502040204020203" pitchFamily="34" charset="0"/>
-                </a:endParaRPr>
-              </a:p>
-            </p:txBody>
-          </p:sp>
-          <p:sp>
-            <p:nvSpPr>
-              <p:cNvPr id="30" name="Rectangle 29">
-                <a:extLst>
-                  <a:ext uri="{FF2B5EF4-FFF2-40B4-BE49-F238E27FC236}">
-                    <a16:creationId xmlns:a16="http://schemas.microsoft.com/office/drawing/2014/main" id="{573DF28C-B932-0B97-2AEE-6BEBE9AEF4A8}"/>
-                  </a:ext>
-                </a:extLst>
-              </p:cNvPr>
-              <p:cNvSpPr/>
-              <p:nvPr/>
-            </p:nvSpPr>
-            <p:spPr>
-              <a:xfrm>
-                <a:off x="5284552" y="4196603"/>
-                <a:ext cx="380022" cy="174812"/>
-              </a:xfrm>
-              <a:prstGeom prst="rect">
-                <a:avLst/>
-              </a:prstGeom>
-              <a:grpFill/>
-              <a:ln w="6350"/>
-            </p:spPr>
-            <p:style>
-              <a:lnRef idx="2">
-                <a:schemeClr val="accent1">
-                  <a:shade val="15000"/>
-                </a:schemeClr>
-              </a:lnRef>
-              <a:fillRef idx="1">
-                <a:schemeClr val="accent1"/>
-              </a:fillRef>
-              <a:effectRef idx="0">
-                <a:schemeClr val="accent1"/>
-              </a:effectRef>
-              <a:fontRef idx="minor">
-                <a:schemeClr val="lt1"/>
-              </a:fontRef>
-            </p:style>
-            <p:txBody>
-              <a:bodyPr rtlCol="0" anchor="ctr"/>
-              <a:lstStyle/>
-              <a:p>
-                <a:pPr algn="ctr"/>
-                <a:endParaRPr lang="en-GB" sz="1550">
-                  <a:latin typeface="Segoe UI" panose="020B0502040204020203" pitchFamily="34" charset="0"/>
-                  <a:cs typeface="Segoe UI" panose="020B0502040204020203" pitchFamily="34" charset="0"/>
-                </a:endParaRPr>
-              </a:p>
-            </p:txBody>
-          </p:sp>
-          <p:sp>
-            <p:nvSpPr>
-              <p:cNvPr id="31" name="Rectangle 30">
-                <a:extLst>
-                  <a:ext uri="{FF2B5EF4-FFF2-40B4-BE49-F238E27FC236}">
-                    <a16:creationId xmlns:a16="http://schemas.microsoft.com/office/drawing/2014/main" id="{08F974EF-659D-2758-419F-C2235AFB1D9A}"/>
-                  </a:ext>
-                </a:extLst>
-              </p:cNvPr>
-              <p:cNvSpPr/>
-              <p:nvPr/>
-            </p:nvSpPr>
-            <p:spPr>
-              <a:xfrm>
-                <a:off x="5731666" y="4196603"/>
-                <a:ext cx="380022" cy="174812"/>
-              </a:xfrm>
-              <a:prstGeom prst="rect">
-                <a:avLst/>
-              </a:prstGeom>
-              <a:grpFill/>
-              <a:ln w="6350"/>
-            </p:spPr>
-            <p:style>
-              <a:lnRef idx="2">
-                <a:schemeClr val="accent1">
-                  <a:shade val="15000"/>
-                </a:schemeClr>
-              </a:lnRef>
-              <a:fillRef idx="1">
-                <a:schemeClr val="accent1"/>
-              </a:fillRef>
-              <a:effectRef idx="0">
-                <a:schemeClr val="accent1"/>
-              </a:effectRef>
-              <a:fontRef idx="minor">
-                <a:schemeClr val="lt1"/>
-              </a:fontRef>
-            </p:style>
-            <p:txBody>
-              <a:bodyPr rtlCol="0" anchor="ctr"/>
-              <a:lstStyle/>
-              <a:p>
-                <a:pPr algn="ctr"/>
-                <a:endParaRPr lang="en-GB" sz="1550">
-                  <a:latin typeface="Segoe UI" panose="020B0502040204020203" pitchFamily="34" charset="0"/>
-                  <a:cs typeface="Segoe UI" panose="020B0502040204020203" pitchFamily="34" charset="0"/>
-                </a:endParaRPr>
-              </a:p>
-            </p:txBody>
-          </p:sp>
-          <p:sp>
-            <p:nvSpPr>
-              <p:cNvPr id="32" name="Rectangle 31">
-                <a:extLst>
-                  <a:ext uri="{FF2B5EF4-FFF2-40B4-BE49-F238E27FC236}">
-                    <a16:creationId xmlns:a16="http://schemas.microsoft.com/office/drawing/2014/main" id="{A89E87BA-7DB4-D4F1-0D16-08E139E56B23}"/>
-                  </a:ext>
-                </a:extLst>
-              </p:cNvPr>
-              <p:cNvSpPr/>
-              <p:nvPr/>
-            </p:nvSpPr>
-            <p:spPr>
-              <a:xfrm>
-                <a:off x="6178780" y="4196603"/>
-                <a:ext cx="380022" cy="174812"/>
-              </a:xfrm>
-              <a:prstGeom prst="rect">
-                <a:avLst/>
-              </a:prstGeom>
-              <a:grpFill/>
-              <a:ln w="6350"/>
-            </p:spPr>
-            <p:style>
-              <a:lnRef idx="2">
-                <a:schemeClr val="accent1">
-                  <a:shade val="15000"/>
-                </a:schemeClr>
-              </a:lnRef>
-              <a:fillRef idx="1">
-                <a:schemeClr val="accent1"/>
-              </a:fillRef>
-              <a:effectRef idx="0">
-                <a:schemeClr val="accent1"/>
-              </a:effectRef>
-              <a:fontRef idx="minor">
-                <a:schemeClr val="lt1"/>
-              </a:fontRef>
-            </p:style>
-            <p:txBody>
-              <a:bodyPr rtlCol="0" anchor="ctr"/>
-              <a:lstStyle/>
-              <a:p>
-                <a:pPr algn="ctr"/>
-                <a:endParaRPr lang="en-GB" sz="1550">
-                  <a:latin typeface="Segoe UI" panose="020B0502040204020203" pitchFamily="34" charset="0"/>
-                  <a:cs typeface="Segoe UI" panose="020B0502040204020203" pitchFamily="34" charset="0"/>
-                </a:endParaRPr>
-              </a:p>
-            </p:txBody>
-          </p:sp>
-          <p:sp>
-            <p:nvSpPr>
-              <p:cNvPr id="33" name="Rectangle 32">
-                <a:extLst>
-                  <a:ext uri="{FF2B5EF4-FFF2-40B4-BE49-F238E27FC236}">
-                    <a16:creationId xmlns:a16="http://schemas.microsoft.com/office/drawing/2014/main" id="{4A2B3776-7CEE-63AB-3EA8-BE6FB225CAB5}"/>
-                  </a:ext>
-                </a:extLst>
-              </p:cNvPr>
-              <p:cNvSpPr/>
-              <p:nvPr/>
-            </p:nvSpPr>
-            <p:spPr>
-              <a:xfrm>
-                <a:off x="6625893" y="4196603"/>
-                <a:ext cx="380022" cy="174812"/>
-              </a:xfrm>
-              <a:prstGeom prst="rect">
-                <a:avLst/>
-              </a:prstGeom>
-              <a:grpFill/>
-              <a:ln w="6350"/>
-            </p:spPr>
-            <p:style>
-              <a:lnRef idx="2">
-                <a:schemeClr val="accent1">
-                  <a:shade val="15000"/>
-                </a:schemeClr>
-              </a:lnRef>
-              <a:fillRef idx="1">
-                <a:schemeClr val="accent1"/>
-              </a:fillRef>
-              <a:effectRef idx="0">
-                <a:schemeClr val="accent1"/>
-              </a:effectRef>
-              <a:fontRef idx="minor">
-                <a:schemeClr val="lt1"/>
-              </a:fontRef>
-            </p:style>
-            <p:txBody>
-              <a:bodyPr rtlCol="0" anchor="ctr"/>
-              <a:lstStyle/>
-              <a:p>
-                <a:pPr algn="ctr"/>
-                <a:endParaRPr lang="en-GB" sz="1550">
-                  <a:latin typeface="Segoe UI" panose="020B0502040204020203" pitchFamily="34" charset="0"/>
-                  <a:cs typeface="Segoe UI" panose="020B0502040204020203" pitchFamily="34" charset="0"/>
-                </a:endParaRPr>
-              </a:p>
-            </p:txBody>
-          </p:sp>
-        </p:grpSp>
-        <p:sp>
-          <p:nvSpPr>
-            <p:cNvPr id="28" name="TextBox 27">
-              <a:extLst>
-                <a:ext uri="{FF2B5EF4-FFF2-40B4-BE49-F238E27FC236}">
-                  <a16:creationId xmlns:a16="http://schemas.microsoft.com/office/drawing/2014/main" id="{A21B358C-8B41-8B6D-1A91-D7CD400223D4}"/>
-                </a:ext>
-              </a:extLst>
-            </p:cNvPr>
-            <p:cNvSpPr txBox="1"/>
-            <p:nvPr/>
-          </p:nvSpPr>
-          <p:spPr>
-            <a:xfrm>
-              <a:off x="7189502" y="4544775"/>
-              <a:ext cx="1539638" cy="291772"/>
-            </a:xfrm>
-            <a:prstGeom prst="rect">
-              <a:avLst/>
-            </a:prstGeom>
-            <a:noFill/>
-            <a:ln w="6350">
-              <a:noFill/>
-            </a:ln>
-          </p:spPr>
-          <p:txBody>
-            <a:bodyPr wrap="none" rtlCol="0">
-              <a:spAutoFit/>
-            </a:bodyPr>
-            <a:lstStyle/>
-            <a:p>
-              <a:r>
-                <a:rPr lang="en-GB" sz="1033">
-                  <a:latin typeface="Segoe UI" panose="020B0502040204020203" pitchFamily="34" charset="0"/>
-                  <a:cs typeface="Segoe UI" panose="020B0502040204020203" pitchFamily="34" charset="0"/>
-                </a:rPr>
-                <a:t>Consumption views</a:t>
-              </a:r>
-            </a:p>
-          </p:txBody>
-        </p:sp>
-        <p:sp>
-          <p:nvSpPr>
-            <p:cNvPr id="43" name="Rounded Rectangle 42">
-              <a:extLst>
-                <a:ext uri="{FF2B5EF4-FFF2-40B4-BE49-F238E27FC236}">
-                  <a16:creationId xmlns:a16="http://schemas.microsoft.com/office/drawing/2014/main" id="{78194AF5-0C15-D82E-9354-2EE3FEBF5517}"/>
-                </a:ext>
-              </a:extLst>
-            </p:cNvPr>
-            <p:cNvSpPr/>
-            <p:nvPr/>
-          </p:nvSpPr>
-          <p:spPr>
-            <a:xfrm>
-              <a:off x="2535769" y="1878212"/>
+              <a:off x="11821620" y="1837519"/>
               <a:ext cx="972000" cy="698847"/>
             </a:xfrm>
             <a:prstGeom prst="roundRect">
@@ -5476,1546 +5860,1281 @@
                   <a:latin typeface="Segoe UI" panose="020B0502040204020203" pitchFamily="34" charset="0"/>
                   <a:cs typeface="Segoe UI" panose="020B0502040204020203" pitchFamily="34" charset="0"/>
                 </a:rPr>
-                <a:t>Overview pages</a:t>
+                <a:t>Embedded SAP analytics cloud</a:t>
               </a:r>
             </a:p>
           </p:txBody>
         </p:sp>
-        <p:sp>
-          <p:nvSpPr>
-            <p:cNvPr id="50" name="Rounded Rectangle 49">
-              <a:extLst>
-                <a:ext uri="{FF2B5EF4-FFF2-40B4-BE49-F238E27FC236}">
-                  <a16:creationId xmlns:a16="http://schemas.microsoft.com/office/drawing/2014/main" id="{DB68D76E-055A-BA49-6AE0-A400A018BA70}"/>
-                </a:ext>
-              </a:extLst>
-            </p:cNvPr>
-            <p:cNvSpPr/>
-            <p:nvPr/>
-          </p:nvSpPr>
-          <p:spPr>
-            <a:xfrm>
-              <a:off x="3566223" y="1878211"/>
-              <a:ext cx="972000" cy="698847"/>
-            </a:xfrm>
-            <a:prstGeom prst="roundRect">
-              <a:avLst>
-                <a:gd name="adj" fmla="val 0"/>
-              </a:avLst>
-            </a:prstGeom>
+      </p:grpSp>
+      <p:sp>
+        <p:nvSpPr>
+          <p:cNvPr id="64" name="Rounded Rectangle 63">
+            <a:extLst>
+              <a:ext uri="{FF2B5EF4-FFF2-40B4-BE49-F238E27FC236}">
+                <a16:creationId xmlns:a16="http://schemas.microsoft.com/office/drawing/2014/main" id="{D3AD1E3A-7414-69C1-D609-4B110E53A152}"/>
+              </a:ext>
+            </a:extLst>
+          </p:cNvPr>
+          <p:cNvSpPr/>
+          <p:nvPr/>
+        </p:nvSpPr>
+        <p:spPr>
+          <a:xfrm>
+            <a:off x="1981760" y="727863"/>
+            <a:ext cx="7878702" cy="5817917"/>
+          </a:xfrm>
+          <a:prstGeom prst="roundRect">
+            <a:avLst>
+              <a:gd name="adj" fmla="val 0"/>
+            </a:avLst>
+          </a:prstGeom>
+          <a:noFill/>
+          <a:ln w="6350"/>
+        </p:spPr>
+        <p:style>
+          <a:lnRef idx="2">
+            <a:schemeClr val="accent1">
+              <a:shade val="15000"/>
+            </a:schemeClr>
+          </a:lnRef>
+          <a:fillRef idx="1">
+            <a:schemeClr val="accent1"/>
+          </a:fillRef>
+          <a:effectRef idx="0">
+            <a:schemeClr val="accent1"/>
+          </a:effectRef>
+          <a:fontRef idx="minor">
+            <a:schemeClr val="lt1"/>
+          </a:fontRef>
+        </p:style>
+        <p:txBody>
+          <a:bodyPr rtlCol="0" anchor="t"/>
+          <a:lstStyle/>
+          <a:p>
+            <a:r>
+              <a:rPr lang="en-GB" sz="1550">
+                <a:solidFill>
+                  <a:schemeClr val="tx1"/>
+                </a:solidFill>
+                <a:latin typeface="Segoe UI" panose="020B0502040204020203" pitchFamily="34" charset="0"/>
+                <a:cs typeface="Segoe UI" panose="020B0502040204020203" pitchFamily="34" charset="0"/>
+              </a:rPr>
+              <a:t>S/4HANA</a:t>
+            </a:r>
+          </a:p>
+        </p:txBody>
+      </p:sp>
+      <p:sp>
+        <p:nvSpPr>
+          <p:cNvPr id="47" name="Rounded Rectangle 46">
+            <a:extLst>
+              <a:ext uri="{FF2B5EF4-FFF2-40B4-BE49-F238E27FC236}">
+                <a16:creationId xmlns:a16="http://schemas.microsoft.com/office/drawing/2014/main" id="{563C6B9A-D0C3-6BE4-2947-BED472E3CD07}"/>
+              </a:ext>
+            </a:extLst>
+          </p:cNvPr>
+          <p:cNvSpPr/>
+          <p:nvPr/>
+        </p:nvSpPr>
+        <p:spPr>
+          <a:xfrm>
+            <a:off x="9987676" y="727863"/>
+            <a:ext cx="1812568" cy="5817917"/>
+          </a:xfrm>
+          <a:prstGeom prst="roundRect">
+            <a:avLst>
+              <a:gd name="adj" fmla="val 0"/>
+            </a:avLst>
+          </a:prstGeom>
+          <a:noFill/>
+          <a:ln w="6350"/>
+        </p:spPr>
+        <p:style>
+          <a:lnRef idx="2">
+            <a:schemeClr val="accent1">
+              <a:shade val="15000"/>
+            </a:schemeClr>
+          </a:lnRef>
+          <a:fillRef idx="1">
+            <a:schemeClr val="accent1"/>
+          </a:fillRef>
+          <a:effectRef idx="0">
+            <a:schemeClr val="accent1"/>
+          </a:effectRef>
+          <a:fontRef idx="minor">
+            <a:schemeClr val="lt1"/>
+          </a:fontRef>
+        </p:style>
+        <p:txBody>
+          <a:bodyPr lIns="0" tIns="62010" rIns="0" bIns="0" rtlCol="0" anchor="t"/>
+          <a:lstStyle/>
+          <a:p>
+            <a:pPr algn="ctr"/>
+            <a:r>
+              <a:rPr lang="en-GB" sz="1550">
+                <a:solidFill>
+                  <a:schemeClr val="tx1"/>
+                </a:solidFill>
+                <a:latin typeface="Segoe UI" panose="020B0502040204020203" pitchFamily="34" charset="0"/>
+                <a:cs typeface="Segoe UI" panose="020B0502040204020203" pitchFamily="34" charset="0"/>
+              </a:rPr>
+              <a:t>SAP Analytics Cloud</a:t>
+            </a:r>
+          </a:p>
+        </p:txBody>
+      </p:sp>
+      <p:sp>
+        <p:nvSpPr>
+          <p:cNvPr id="49" name="TextBox 48">
+            <a:extLst>
+              <a:ext uri="{FF2B5EF4-FFF2-40B4-BE49-F238E27FC236}">
+                <a16:creationId xmlns:a16="http://schemas.microsoft.com/office/drawing/2014/main" id="{3382A693-490B-90B6-FD59-E926B0124EEA}"/>
+              </a:ext>
+            </a:extLst>
+          </p:cNvPr>
+          <p:cNvSpPr txBox="1"/>
+          <p:nvPr/>
+        </p:nvSpPr>
+        <p:spPr>
+          <a:xfrm>
+            <a:off x="5608507" y="2838376"/>
+            <a:ext cx="1312154" cy="304379"/>
+          </a:xfrm>
+          <a:prstGeom prst="rect">
+            <a:avLst/>
+          </a:prstGeom>
+          <a:noFill/>
+        </p:spPr>
+        <p:txBody>
+          <a:bodyPr wrap="none" rtlCol="0">
+            <a:spAutoFit/>
+          </a:bodyPr>
+          <a:lstStyle/>
+          <a:p>
+            <a:r>
+              <a:rPr lang="en-GB" sz="1378" b="1" i="1">
+                <a:latin typeface="Segoe UI" panose="020B0502040204020203" pitchFamily="34" charset="0"/>
+                <a:cs typeface="Segoe UI" panose="020B0502040204020203" pitchFamily="34" charset="0"/>
+              </a:rPr>
+              <a:t>Odata service</a:t>
+            </a:r>
+          </a:p>
+        </p:txBody>
+      </p:sp>
+      <p:sp>
+        <p:nvSpPr>
+          <p:cNvPr id="58" name="Rounded Rectangle 57">
+            <a:extLst>
+              <a:ext uri="{FF2B5EF4-FFF2-40B4-BE49-F238E27FC236}">
+                <a16:creationId xmlns:a16="http://schemas.microsoft.com/office/drawing/2014/main" id="{3EF72E50-5815-F0F6-A7F8-440C0967B44A}"/>
+              </a:ext>
+            </a:extLst>
+          </p:cNvPr>
+          <p:cNvSpPr/>
+          <p:nvPr/>
+        </p:nvSpPr>
+        <p:spPr>
+          <a:xfrm>
+            <a:off x="403474" y="727864"/>
+            <a:ext cx="1498920" cy="5817916"/>
+          </a:xfrm>
+          <a:prstGeom prst="roundRect">
+            <a:avLst>
+              <a:gd name="adj" fmla="val 0"/>
+            </a:avLst>
+          </a:prstGeom>
+          <a:solidFill>
+            <a:srgbClr val="F6F6F6"/>
+          </a:solidFill>
+          <a:ln w="6350">
+            <a:noFill/>
+          </a:ln>
+        </p:spPr>
+        <p:style>
+          <a:lnRef idx="2">
+            <a:schemeClr val="accent1">
+              <a:shade val="15000"/>
+            </a:schemeClr>
+          </a:lnRef>
+          <a:fillRef idx="1">
+            <a:schemeClr val="accent1"/>
+          </a:fillRef>
+          <a:effectRef idx="0">
+            <a:schemeClr val="accent1"/>
+          </a:effectRef>
+          <a:fontRef idx="minor">
+            <a:schemeClr val="lt1"/>
+          </a:fontRef>
+        </p:style>
+        <p:txBody>
+          <a:bodyPr rtlCol="0" anchor="t"/>
+          <a:lstStyle/>
+          <a:p>
+            <a:r>
+              <a:rPr lang="en-GB" sz="1550" i="1">
+                <a:solidFill>
+                  <a:schemeClr val="tx1"/>
+                </a:solidFill>
+                <a:latin typeface="Segoe UI" panose="020B0502040204020203" pitchFamily="34" charset="0"/>
+                <a:cs typeface="Segoe UI" panose="020B0502040204020203" pitchFamily="34" charset="0"/>
+              </a:rPr>
+              <a:t>Tech notes:</a:t>
+            </a:r>
+          </a:p>
+        </p:txBody>
+      </p:sp>
+      <p:sp>
+        <p:nvSpPr>
+          <p:cNvPr id="65" name="TextBox 64">
+            <a:extLst>
+              <a:ext uri="{FF2B5EF4-FFF2-40B4-BE49-F238E27FC236}">
+                <a16:creationId xmlns:a16="http://schemas.microsoft.com/office/drawing/2014/main" id="{883FBBE2-0C02-07ED-7721-9D1917CC3410}"/>
+              </a:ext>
+            </a:extLst>
+          </p:cNvPr>
+          <p:cNvSpPr txBox="1"/>
+          <p:nvPr/>
+        </p:nvSpPr>
+        <p:spPr>
+          <a:xfrm>
+            <a:off x="402061" y="4268001"/>
+            <a:ext cx="1423606" cy="569195"/>
+          </a:xfrm>
+          <a:prstGeom prst="rect">
+            <a:avLst/>
+          </a:prstGeom>
+          <a:noFill/>
+        </p:spPr>
+        <p:txBody>
+          <a:bodyPr wrap="square" rtlCol="0">
+            <a:spAutoFit/>
+          </a:bodyPr>
+          <a:lstStyle/>
+          <a:p>
+            <a:r>
+              <a:rPr lang="en-GB" sz="1033">
+                <a:latin typeface="Segoe UI" panose="020B0502040204020203" pitchFamily="34" charset="0"/>
+                <a:cs typeface="Segoe UI" panose="020B0502040204020203" pitchFamily="34" charset="0"/>
+              </a:rPr>
+              <a:t>Defined by mix of SQL &amp; proprietary code</a:t>
+            </a:r>
+          </a:p>
+        </p:txBody>
+      </p:sp>
+      <p:cxnSp>
+        <p:nvCxnSpPr>
+          <p:cNvPr id="67" name="Straight Connector 66">
+            <a:extLst>
+              <a:ext uri="{FF2B5EF4-FFF2-40B4-BE49-F238E27FC236}">
+                <a16:creationId xmlns:a16="http://schemas.microsoft.com/office/drawing/2014/main" id="{882BDF80-BC5B-E4C0-662F-BFD25A9B55D9}"/>
+              </a:ext>
+            </a:extLst>
+          </p:cNvPr>
+          <p:cNvCxnSpPr>
+            <a:cxnSpLocks/>
+          </p:cNvCxnSpPr>
+          <p:nvPr/>
+        </p:nvCxnSpPr>
+        <p:spPr>
+          <a:xfrm>
+            <a:off x="1890676" y="4466529"/>
+            <a:ext cx="2498583" cy="0"/>
+          </a:xfrm>
+          <a:prstGeom prst="line">
+            <a:avLst/>
+          </a:prstGeom>
+          <a:ln>
             <a:solidFill>
-              <a:srgbClr val="F6F6F6"/>
+              <a:srgbClr val="EB0A1E"/>
             </a:solidFill>
-            <a:ln>
-              <a:noFill/>
-            </a:ln>
-          </p:spPr>
-          <p:style>
-            <a:lnRef idx="2">
-              <a:schemeClr val="accent1">
-                <a:shade val="15000"/>
-              </a:schemeClr>
-            </a:lnRef>
-            <a:fillRef idx="1">
-              <a:schemeClr val="accent1"/>
-            </a:fillRef>
-            <a:effectRef idx="0">
-              <a:schemeClr val="accent1"/>
-            </a:effectRef>
-            <a:fontRef idx="minor">
-              <a:schemeClr val="lt1"/>
-            </a:fontRef>
-          </p:style>
-          <p:txBody>
-            <a:bodyPr lIns="15502" tIns="31005" rIns="15502" bIns="31005" rtlCol="0" anchor="ctr"/>
-            <a:lstStyle/>
-            <a:p>
-              <a:pPr algn="ctr"/>
-              <a:r>
-                <a:rPr lang="en-GB" sz="1033">
-                  <a:solidFill>
-                    <a:schemeClr val="tx1"/>
-                  </a:solidFill>
-                  <a:latin typeface="Segoe UI" panose="020B0502040204020203" pitchFamily="34" charset="0"/>
-                  <a:cs typeface="Segoe UI" panose="020B0502040204020203" pitchFamily="34" charset="0"/>
-                </a:rPr>
-                <a:t>Analytical list pages</a:t>
-              </a:r>
-            </a:p>
-          </p:txBody>
-        </p:sp>
-        <p:sp>
-          <p:nvSpPr>
-            <p:cNvPr id="51" name="Rounded Rectangle 50">
-              <a:extLst>
-                <a:ext uri="{FF2B5EF4-FFF2-40B4-BE49-F238E27FC236}">
-                  <a16:creationId xmlns:a16="http://schemas.microsoft.com/office/drawing/2014/main" id="{7B037CBD-849E-452C-86F6-61C251DDD5DC}"/>
-                </a:ext>
-              </a:extLst>
-            </p:cNvPr>
-            <p:cNvSpPr/>
-            <p:nvPr/>
-          </p:nvSpPr>
-          <p:spPr>
-            <a:xfrm>
-              <a:off x="4596677" y="1871690"/>
-              <a:ext cx="972000" cy="698847"/>
-            </a:xfrm>
-            <a:prstGeom prst="roundRect">
-              <a:avLst>
-                <a:gd name="adj" fmla="val 0"/>
-              </a:avLst>
-            </a:prstGeom>
+            <a:tailEnd type="oval"/>
+          </a:ln>
+        </p:spPr>
+        <p:style>
+          <a:lnRef idx="2">
+            <a:schemeClr val="accent1"/>
+          </a:lnRef>
+          <a:fillRef idx="0">
+            <a:schemeClr val="accent1"/>
+          </a:fillRef>
+          <a:effectRef idx="1">
+            <a:schemeClr val="accent1"/>
+          </a:effectRef>
+          <a:fontRef idx="minor">
+            <a:schemeClr val="tx1"/>
+          </a:fontRef>
+        </p:style>
+      </p:cxnSp>
+      <p:sp>
+        <p:nvSpPr>
+          <p:cNvPr id="69" name="TextBox 68">
+            <a:extLst>
+              <a:ext uri="{FF2B5EF4-FFF2-40B4-BE49-F238E27FC236}">
+                <a16:creationId xmlns:a16="http://schemas.microsoft.com/office/drawing/2014/main" id="{A42A0BCF-DBFA-C637-A374-A720EF36E65B}"/>
+              </a:ext>
+            </a:extLst>
+          </p:cNvPr>
+          <p:cNvSpPr txBox="1"/>
+          <p:nvPr/>
+        </p:nvSpPr>
+        <p:spPr>
+          <a:xfrm>
+            <a:off x="391757" y="3647987"/>
+            <a:ext cx="1498920" cy="251287"/>
+          </a:xfrm>
+          <a:prstGeom prst="rect">
+            <a:avLst/>
+          </a:prstGeom>
+          <a:noFill/>
+        </p:spPr>
+        <p:txBody>
+          <a:bodyPr wrap="square" rtlCol="0">
+            <a:spAutoFit/>
+          </a:bodyPr>
+          <a:lstStyle/>
+          <a:p>
+            <a:r>
+              <a:rPr lang="en-GB" sz="1033">
+                <a:latin typeface="Segoe UI" panose="020B0502040204020203" pitchFamily="34" charset="0"/>
+                <a:cs typeface="Segoe UI" panose="020B0502040204020203" pitchFamily="34" charset="0"/>
+              </a:rPr>
+              <a:t>No data persists</a:t>
+            </a:r>
+          </a:p>
+        </p:txBody>
+      </p:sp>
+      <p:cxnSp>
+        <p:nvCxnSpPr>
+          <p:cNvPr id="70" name="Straight Connector 69">
+            <a:extLst>
+              <a:ext uri="{FF2B5EF4-FFF2-40B4-BE49-F238E27FC236}">
+                <a16:creationId xmlns:a16="http://schemas.microsoft.com/office/drawing/2014/main" id="{F12F1506-6008-D100-6E36-9D95A483000B}"/>
+              </a:ext>
+            </a:extLst>
+          </p:cNvPr>
+          <p:cNvCxnSpPr>
+            <a:cxnSpLocks/>
+          </p:cNvCxnSpPr>
+          <p:nvPr/>
+        </p:nvCxnSpPr>
+        <p:spPr>
+          <a:xfrm>
+            <a:off x="1890676" y="3772221"/>
+            <a:ext cx="1030213" cy="0"/>
+          </a:xfrm>
+          <a:prstGeom prst="line">
+            <a:avLst/>
+          </a:prstGeom>
+          <a:ln>
             <a:solidFill>
-              <a:srgbClr val="F6F6F6"/>
+              <a:srgbClr val="EB0A1E"/>
             </a:solidFill>
-            <a:ln>
-              <a:noFill/>
-            </a:ln>
-          </p:spPr>
-          <p:style>
-            <a:lnRef idx="2">
-              <a:schemeClr val="accent1">
-                <a:shade val="15000"/>
-              </a:schemeClr>
-            </a:lnRef>
-            <a:fillRef idx="1">
-              <a:schemeClr val="accent1"/>
-            </a:fillRef>
-            <a:effectRef idx="0">
-              <a:schemeClr val="accent1"/>
-            </a:effectRef>
-            <a:fontRef idx="minor">
-              <a:schemeClr val="lt1"/>
-            </a:fontRef>
-          </p:style>
-          <p:txBody>
-            <a:bodyPr lIns="15502" tIns="31005" rIns="15502" bIns="31005" rtlCol="0" anchor="ctr"/>
-            <a:lstStyle/>
-            <a:p>
-              <a:pPr algn="ctr"/>
-              <a:r>
-                <a:rPr lang="en-GB" sz="1033">
-                  <a:solidFill>
-                    <a:schemeClr val="tx1"/>
-                  </a:solidFill>
-                  <a:latin typeface="Segoe UI" panose="020B0502040204020203" pitchFamily="34" charset="0"/>
-                  <a:cs typeface="Segoe UI" panose="020B0502040204020203" pitchFamily="34" charset="0"/>
-                </a:rPr>
-                <a:t>Review booklets</a:t>
-              </a:r>
-            </a:p>
-          </p:txBody>
-        </p:sp>
-        <p:sp>
-          <p:nvSpPr>
-            <p:cNvPr id="53" name="Rounded Rectangle 52">
-              <a:extLst>
-                <a:ext uri="{FF2B5EF4-FFF2-40B4-BE49-F238E27FC236}">
-                  <a16:creationId xmlns:a16="http://schemas.microsoft.com/office/drawing/2014/main" id="{4F83D72C-E5CF-5CA8-9CB5-C6CCCECEBA4D}"/>
-                </a:ext>
-              </a:extLst>
-            </p:cNvPr>
-            <p:cNvSpPr/>
-            <p:nvPr/>
-          </p:nvSpPr>
-          <p:spPr>
-            <a:xfrm>
-              <a:off x="5627131" y="1883450"/>
-              <a:ext cx="972000" cy="698847"/>
-            </a:xfrm>
-            <a:prstGeom prst="roundRect">
-              <a:avLst>
-                <a:gd name="adj" fmla="val 0"/>
-              </a:avLst>
-            </a:prstGeom>
+            <a:tailEnd type="oval"/>
+          </a:ln>
+        </p:spPr>
+        <p:style>
+          <a:lnRef idx="2">
+            <a:schemeClr val="accent1"/>
+          </a:lnRef>
+          <a:fillRef idx="0">
+            <a:schemeClr val="accent1"/>
+          </a:fillRef>
+          <a:effectRef idx="1">
+            <a:schemeClr val="accent1"/>
+          </a:effectRef>
+          <a:fontRef idx="minor">
+            <a:schemeClr val="tx1"/>
+          </a:fontRef>
+        </p:style>
+      </p:cxnSp>
+      <p:cxnSp>
+        <p:nvCxnSpPr>
+          <p:cNvPr id="73" name="Straight Connector 72">
+            <a:extLst>
+              <a:ext uri="{FF2B5EF4-FFF2-40B4-BE49-F238E27FC236}">
+                <a16:creationId xmlns:a16="http://schemas.microsoft.com/office/drawing/2014/main" id="{343B993E-CEDC-B562-7A7F-E165AE70402B}"/>
+              </a:ext>
+            </a:extLst>
+          </p:cNvPr>
+          <p:cNvCxnSpPr>
+            <a:cxnSpLocks/>
+          </p:cNvCxnSpPr>
+          <p:nvPr/>
+        </p:nvCxnSpPr>
+        <p:spPr>
+          <a:xfrm>
+            <a:off x="1890677" y="1270811"/>
+            <a:ext cx="324416" cy="0"/>
+          </a:xfrm>
+          <a:prstGeom prst="line">
+            <a:avLst/>
+          </a:prstGeom>
+          <a:ln>
             <a:solidFill>
-              <a:srgbClr val="F6F6F6"/>
+              <a:srgbClr val="EB0A1E"/>
             </a:solidFill>
-            <a:ln>
-              <a:noFill/>
-            </a:ln>
-          </p:spPr>
-          <p:style>
-            <a:lnRef idx="2">
-              <a:schemeClr val="accent1">
-                <a:shade val="15000"/>
-              </a:schemeClr>
-            </a:lnRef>
-            <a:fillRef idx="1">
-              <a:schemeClr val="accent1"/>
-            </a:fillRef>
-            <a:effectRef idx="0">
-              <a:schemeClr val="accent1"/>
-            </a:effectRef>
-            <a:fontRef idx="minor">
-              <a:schemeClr val="lt1"/>
-            </a:fontRef>
-          </p:style>
-          <p:txBody>
-            <a:bodyPr lIns="15502" tIns="31005" rIns="15502" bIns="31005" rtlCol="0" anchor="ctr"/>
-            <a:lstStyle/>
-            <a:p>
-              <a:pPr algn="ctr"/>
-              <a:r>
-                <a:rPr lang="en-GB" sz="1033">
-                  <a:solidFill>
-                    <a:schemeClr val="tx1"/>
-                  </a:solidFill>
-                  <a:latin typeface="Segoe UI" panose="020B0502040204020203" pitchFamily="34" charset="0"/>
-                  <a:cs typeface="Segoe UI" panose="020B0502040204020203" pitchFamily="34" charset="0"/>
-                </a:rPr>
-                <a:t>Multi-dimensional reports</a:t>
-              </a:r>
-            </a:p>
-          </p:txBody>
-        </p:sp>
-        <p:sp>
-          <p:nvSpPr>
-            <p:cNvPr id="54" name="Rounded Rectangle 53">
-              <a:extLst>
-                <a:ext uri="{FF2B5EF4-FFF2-40B4-BE49-F238E27FC236}">
-                  <a16:creationId xmlns:a16="http://schemas.microsoft.com/office/drawing/2014/main" id="{1787BC85-3999-5A26-526F-0D5AD5FDE4C3}"/>
-                </a:ext>
-              </a:extLst>
-            </p:cNvPr>
-            <p:cNvSpPr/>
-            <p:nvPr/>
-          </p:nvSpPr>
-          <p:spPr>
-            <a:xfrm>
-              <a:off x="6657586" y="1878209"/>
-              <a:ext cx="972000" cy="698847"/>
-            </a:xfrm>
-            <a:prstGeom prst="roundRect">
-              <a:avLst>
-                <a:gd name="adj" fmla="val 0"/>
-              </a:avLst>
-            </a:prstGeom>
+            <a:tailEnd type="oval"/>
+          </a:ln>
+        </p:spPr>
+        <p:style>
+          <a:lnRef idx="2">
+            <a:schemeClr val="accent1"/>
+          </a:lnRef>
+          <a:fillRef idx="0">
+            <a:schemeClr val="accent1"/>
+          </a:fillRef>
+          <a:effectRef idx="1">
+            <a:schemeClr val="accent1"/>
+          </a:effectRef>
+          <a:fontRef idx="minor">
+            <a:schemeClr val="tx1"/>
+          </a:fontRef>
+        </p:style>
+      </p:cxnSp>
+      <p:sp>
+        <p:nvSpPr>
+          <p:cNvPr id="75" name="TextBox 74">
+            <a:extLst>
+              <a:ext uri="{FF2B5EF4-FFF2-40B4-BE49-F238E27FC236}">
+                <a16:creationId xmlns:a16="http://schemas.microsoft.com/office/drawing/2014/main" id="{83809E23-2D45-9F39-466A-1387F7A276AC}"/>
+              </a:ext>
+            </a:extLst>
+          </p:cNvPr>
+          <p:cNvSpPr txBox="1"/>
+          <p:nvPr/>
+        </p:nvSpPr>
+        <p:spPr>
+          <a:xfrm>
+            <a:off x="403474" y="1097572"/>
+            <a:ext cx="1498920" cy="569195"/>
+          </a:xfrm>
+          <a:prstGeom prst="rect">
+            <a:avLst/>
+          </a:prstGeom>
+          <a:noFill/>
+        </p:spPr>
+        <p:txBody>
+          <a:bodyPr wrap="square" rtlCol="0">
+            <a:spAutoFit/>
+          </a:bodyPr>
+          <a:lstStyle/>
+          <a:p>
+            <a:r>
+              <a:rPr lang="en-GB" sz="1033">
+                <a:latin typeface="Segoe UI" panose="020B0502040204020203" pitchFamily="34" charset="0"/>
+                <a:cs typeface="Segoe UI" panose="020B0502040204020203" pitchFamily="34" charset="0"/>
+              </a:rPr>
+              <a:t>SAP UI5, built on Open UI5 (HTML, CSS, JS)</a:t>
+            </a:r>
+          </a:p>
+        </p:txBody>
+      </p:sp>
+      <p:cxnSp>
+        <p:nvCxnSpPr>
+          <p:cNvPr id="79" name="Straight Arrow Connector 78">
+            <a:extLst>
+              <a:ext uri="{FF2B5EF4-FFF2-40B4-BE49-F238E27FC236}">
+                <a16:creationId xmlns:a16="http://schemas.microsoft.com/office/drawing/2014/main" id="{F662326F-7ACB-6826-16AD-5535124C6189}"/>
+              </a:ext>
+            </a:extLst>
+          </p:cNvPr>
+          <p:cNvCxnSpPr/>
+          <p:nvPr/>
+        </p:nvCxnSpPr>
+        <p:spPr>
+          <a:xfrm flipV="1">
+            <a:off x="8000887" y="4174270"/>
+            <a:ext cx="0" cy="546859"/>
+          </a:xfrm>
+          <a:prstGeom prst="straightConnector1">
+            <a:avLst/>
+          </a:prstGeom>
+          <a:ln>
             <a:solidFill>
-              <a:srgbClr val="F6F6F6"/>
+              <a:srgbClr val="EB0A1E"/>
             </a:solidFill>
-            <a:ln>
-              <a:noFill/>
-            </a:ln>
-          </p:spPr>
-          <p:style>
-            <a:lnRef idx="2">
-              <a:schemeClr val="accent1">
-                <a:shade val="15000"/>
-              </a:schemeClr>
-            </a:lnRef>
-            <a:fillRef idx="1">
-              <a:schemeClr val="accent1"/>
-            </a:fillRef>
-            <a:effectRef idx="0">
-              <a:schemeClr val="accent1"/>
-            </a:effectRef>
-            <a:fontRef idx="minor">
-              <a:schemeClr val="lt1"/>
-            </a:fontRef>
-          </p:style>
-          <p:txBody>
-            <a:bodyPr lIns="15502" tIns="31005" rIns="15502" bIns="31005" rtlCol="0" anchor="ctr"/>
-            <a:lstStyle/>
-            <a:p>
-              <a:pPr algn="ctr"/>
-              <a:r>
-                <a:rPr lang="en-GB" sz="1033">
-                  <a:solidFill>
-                    <a:schemeClr val="tx1"/>
-                  </a:solidFill>
-                  <a:latin typeface="Segoe UI" panose="020B0502040204020203" pitchFamily="34" charset="0"/>
-                  <a:cs typeface="Segoe UI" panose="020B0502040204020203" pitchFamily="34" charset="0"/>
-                </a:rPr>
-                <a:t>Smart business KPIs</a:t>
-              </a:r>
-            </a:p>
-          </p:txBody>
-        </p:sp>
-        <p:grpSp>
-          <p:nvGrpSpPr>
-            <p:cNvPr id="56" name="Group 55">
-              <a:extLst>
-                <a:ext uri="{FF2B5EF4-FFF2-40B4-BE49-F238E27FC236}">
-                  <a16:creationId xmlns:a16="http://schemas.microsoft.com/office/drawing/2014/main" id="{09A81A04-9C75-DD94-61F2-6E6F43560DCD}"/>
-                </a:ext>
-              </a:extLst>
-            </p:cNvPr>
-            <p:cNvGrpSpPr/>
-            <p:nvPr/>
-          </p:nvGrpSpPr>
-          <p:grpSpPr>
-            <a:xfrm>
-              <a:off x="11729420" y="1470855"/>
-              <a:ext cx="1267419" cy="1162463"/>
-              <a:chOff x="11673911" y="1470855"/>
-              <a:chExt cx="1267419" cy="1162463"/>
-            </a:xfrm>
-          </p:grpSpPr>
-          <p:sp>
-            <p:nvSpPr>
-              <p:cNvPr id="62" name="Rounded Rectangle 61">
-                <a:extLst>
-                  <a:ext uri="{FF2B5EF4-FFF2-40B4-BE49-F238E27FC236}">
-                    <a16:creationId xmlns:a16="http://schemas.microsoft.com/office/drawing/2014/main" id="{003D6E43-5588-AC88-C12B-4FCD5BD47B2C}"/>
-                  </a:ext>
-                </a:extLst>
-              </p:cNvPr>
-              <p:cNvSpPr/>
-              <p:nvPr/>
-            </p:nvSpPr>
-            <p:spPr>
-              <a:xfrm>
-                <a:off x="11673911" y="1470855"/>
-                <a:ext cx="1267419" cy="1162463"/>
-              </a:xfrm>
-              <a:prstGeom prst="roundRect">
-                <a:avLst>
-                  <a:gd name="adj" fmla="val 1983"/>
-                </a:avLst>
-              </a:prstGeom>
-              <a:solidFill>
-                <a:schemeClr val="bg1"/>
-              </a:solidFill>
-              <a:ln w="6350"/>
-            </p:spPr>
-            <p:style>
-              <a:lnRef idx="2">
-                <a:schemeClr val="accent1">
-                  <a:shade val="15000"/>
-                </a:schemeClr>
-              </a:lnRef>
-              <a:fillRef idx="1">
-                <a:schemeClr val="accent1"/>
-              </a:fillRef>
-              <a:effectRef idx="0">
-                <a:schemeClr val="accent1"/>
-              </a:effectRef>
-              <a:fontRef idx="minor">
-                <a:schemeClr val="lt1"/>
-              </a:fontRef>
-            </p:style>
-            <p:txBody>
-              <a:bodyPr rtlCol="0" anchor="t"/>
-              <a:lstStyle/>
-              <a:p>
-                <a:pPr algn="ctr"/>
-                <a:endParaRPr lang="en-GB" sz="1550">
-                  <a:solidFill>
-                    <a:schemeClr val="tx1"/>
-                  </a:solidFill>
-                  <a:latin typeface="Segoe UI" panose="020B0502040204020203" pitchFamily="34" charset="0"/>
-                  <a:cs typeface="Segoe UI" panose="020B0502040204020203" pitchFamily="34" charset="0"/>
-                </a:endParaRPr>
-              </a:p>
-            </p:txBody>
-          </p:sp>
-          <p:sp>
-            <p:nvSpPr>
-              <p:cNvPr id="55" name="Rounded Rectangle 54">
-                <a:extLst>
-                  <a:ext uri="{FF2B5EF4-FFF2-40B4-BE49-F238E27FC236}">
-                    <a16:creationId xmlns:a16="http://schemas.microsoft.com/office/drawing/2014/main" id="{59CB35C5-339A-9FF0-1738-68B87FEF7292}"/>
-                  </a:ext>
-                </a:extLst>
-              </p:cNvPr>
-              <p:cNvSpPr/>
-              <p:nvPr/>
-            </p:nvSpPr>
-            <p:spPr>
-              <a:xfrm>
-                <a:off x="11821620" y="1837519"/>
-                <a:ext cx="972000" cy="698847"/>
-              </a:xfrm>
-              <a:prstGeom prst="roundRect">
-                <a:avLst>
-                  <a:gd name="adj" fmla="val 0"/>
-                </a:avLst>
-              </a:prstGeom>
-              <a:solidFill>
-                <a:srgbClr val="F6F6F6"/>
-              </a:solidFill>
-              <a:ln>
-                <a:noFill/>
-              </a:ln>
-            </p:spPr>
-            <p:style>
-              <a:lnRef idx="2">
-                <a:schemeClr val="accent1">
-                  <a:shade val="15000"/>
-                </a:schemeClr>
-              </a:lnRef>
-              <a:fillRef idx="1">
-                <a:schemeClr val="accent1"/>
-              </a:fillRef>
-              <a:effectRef idx="0">
-                <a:schemeClr val="accent1"/>
-              </a:effectRef>
-              <a:fontRef idx="minor">
-                <a:schemeClr val="lt1"/>
-              </a:fontRef>
-            </p:style>
-            <p:txBody>
-              <a:bodyPr lIns="15502" tIns="31005" rIns="15502" bIns="31005" rtlCol="0" anchor="ctr"/>
-              <a:lstStyle/>
-              <a:p>
-                <a:pPr algn="ctr"/>
-                <a:r>
-                  <a:rPr lang="en-GB" sz="1033">
-                    <a:solidFill>
-                      <a:schemeClr val="tx1"/>
-                    </a:solidFill>
-                    <a:latin typeface="Segoe UI" panose="020B0502040204020203" pitchFamily="34" charset="0"/>
-                    <a:cs typeface="Segoe UI" panose="020B0502040204020203" pitchFamily="34" charset="0"/>
-                  </a:rPr>
-                  <a:t>Embedded SAP analytics cloud</a:t>
-                </a:r>
-              </a:p>
-            </p:txBody>
-          </p:sp>
-        </p:grpSp>
-        <p:sp>
-          <p:nvSpPr>
-            <p:cNvPr id="64" name="Rounded Rectangle 63">
-              <a:extLst>
-                <a:ext uri="{FF2B5EF4-FFF2-40B4-BE49-F238E27FC236}">
-                  <a16:creationId xmlns:a16="http://schemas.microsoft.com/office/drawing/2014/main" id="{39DEB23F-3429-D3E1-C412-72C1252DA4B1}"/>
-                </a:ext>
-              </a:extLst>
-            </p:cNvPr>
-            <p:cNvSpPr/>
-            <p:nvPr/>
-          </p:nvSpPr>
-          <p:spPr>
-            <a:xfrm>
-              <a:off x="2015074" y="293251"/>
-              <a:ext cx="9148049" cy="7071595"/>
-            </a:xfrm>
-            <a:prstGeom prst="roundRect">
-              <a:avLst>
-                <a:gd name="adj" fmla="val 0"/>
-              </a:avLst>
-            </a:prstGeom>
+            <a:tailEnd type="triangle"/>
+          </a:ln>
+        </p:spPr>
+        <p:style>
+          <a:lnRef idx="2">
+            <a:schemeClr val="accent1"/>
+          </a:lnRef>
+          <a:fillRef idx="0">
+            <a:schemeClr val="accent1"/>
+          </a:fillRef>
+          <a:effectRef idx="1">
+            <a:schemeClr val="accent1"/>
+          </a:effectRef>
+          <a:fontRef idx="minor">
+            <a:schemeClr val="tx1"/>
+          </a:fontRef>
+        </p:style>
+      </p:cxnSp>
+      <p:sp>
+        <p:nvSpPr>
+          <p:cNvPr id="80" name="TextBox 79">
+            <a:extLst>
+              <a:ext uri="{FF2B5EF4-FFF2-40B4-BE49-F238E27FC236}">
+                <a16:creationId xmlns:a16="http://schemas.microsoft.com/office/drawing/2014/main" id="{6C569353-C1B0-EAD5-7C48-CECA9B4A0250}"/>
+              </a:ext>
+            </a:extLst>
+          </p:cNvPr>
+          <p:cNvSpPr txBox="1"/>
+          <p:nvPr/>
+        </p:nvSpPr>
+        <p:spPr>
+          <a:xfrm>
+            <a:off x="7990082" y="4234990"/>
+            <a:ext cx="1223972" cy="410241"/>
+          </a:xfrm>
+          <a:prstGeom prst="rect">
+            <a:avLst/>
+          </a:prstGeom>
+          <a:noFill/>
+        </p:spPr>
+        <p:txBody>
+          <a:bodyPr wrap="square" rtlCol="0">
+            <a:spAutoFit/>
+          </a:bodyPr>
+          <a:lstStyle/>
+          <a:p>
+            <a:r>
+              <a:rPr lang="en-GB" sz="1033">
+                <a:latin typeface="Segoe UI" panose="020B0502040204020203" pitchFamily="34" charset="0"/>
+                <a:cs typeface="Segoe UI" panose="020B0502040204020203" pitchFamily="34" charset="0"/>
+              </a:rPr>
+              <a:t>Restructure to</a:t>
+            </a:r>
+          </a:p>
+          <a:p>
+            <a:r>
+              <a:rPr lang="en-GB" sz="1033">
+                <a:latin typeface="Segoe UI" panose="020B0502040204020203" pitchFamily="34" charset="0"/>
+                <a:cs typeface="Segoe UI" panose="020B0502040204020203" pitchFamily="34" charset="0"/>
+              </a:rPr>
+              <a:t>role / scenario</a:t>
+            </a:r>
+          </a:p>
+        </p:txBody>
+      </p:sp>
+      <p:cxnSp>
+        <p:nvCxnSpPr>
+          <p:cNvPr id="84" name="Straight Connector 83">
+            <a:extLst>
+              <a:ext uri="{FF2B5EF4-FFF2-40B4-BE49-F238E27FC236}">
+                <a16:creationId xmlns:a16="http://schemas.microsoft.com/office/drawing/2014/main" id="{9ED3834A-28E7-0152-FB94-CB51EE557799}"/>
+              </a:ext>
+            </a:extLst>
+          </p:cNvPr>
+          <p:cNvCxnSpPr>
+            <a:cxnSpLocks/>
+          </p:cNvCxnSpPr>
+          <p:nvPr/>
+        </p:nvCxnSpPr>
+        <p:spPr>
+          <a:xfrm>
+            <a:off x="1914111" y="2981699"/>
+            <a:ext cx="3426545" cy="0"/>
+          </a:xfrm>
+          <a:prstGeom prst="line">
+            <a:avLst/>
+          </a:prstGeom>
+          <a:ln>
+            <a:solidFill>
+              <a:srgbClr val="EB0A1E"/>
+            </a:solidFill>
+            <a:tailEnd type="oval"/>
+          </a:ln>
+        </p:spPr>
+        <p:style>
+          <a:lnRef idx="2">
+            <a:schemeClr val="accent1"/>
+          </a:lnRef>
+          <a:fillRef idx="0">
+            <a:schemeClr val="accent1"/>
+          </a:fillRef>
+          <a:effectRef idx="1">
+            <a:schemeClr val="accent1"/>
+          </a:effectRef>
+          <a:fontRef idx="minor">
+            <a:schemeClr val="tx1"/>
+          </a:fontRef>
+        </p:style>
+      </p:cxnSp>
+      <p:sp>
+        <p:nvSpPr>
+          <p:cNvPr id="86" name="TextBox 85">
+            <a:extLst>
+              <a:ext uri="{FF2B5EF4-FFF2-40B4-BE49-F238E27FC236}">
+                <a16:creationId xmlns:a16="http://schemas.microsoft.com/office/drawing/2014/main" id="{F66F3048-724F-F9AA-3322-07FBDC741152}"/>
+              </a:ext>
+            </a:extLst>
+          </p:cNvPr>
+          <p:cNvSpPr txBox="1"/>
+          <p:nvPr/>
+        </p:nvSpPr>
+        <p:spPr>
+          <a:xfrm>
+            <a:off x="409332" y="2787526"/>
+            <a:ext cx="1498920" cy="410241"/>
+          </a:xfrm>
+          <a:prstGeom prst="rect">
+            <a:avLst/>
+          </a:prstGeom>
+          <a:noFill/>
+        </p:spPr>
+        <p:txBody>
+          <a:bodyPr wrap="square" rtlCol="0">
+            <a:spAutoFit/>
+          </a:bodyPr>
+          <a:lstStyle/>
+          <a:p>
+            <a:r>
+              <a:rPr lang="en-GB" sz="1033">
+                <a:latin typeface="Segoe UI" panose="020B0502040204020203" pitchFamily="34" charset="0"/>
+                <a:cs typeface="Segoe UI" panose="020B0502040204020203" pitchFamily="34" charset="0"/>
+              </a:rPr>
+              <a:t>OData exposes CDS views to UI5</a:t>
+            </a:r>
+          </a:p>
+        </p:txBody>
+      </p:sp>
+      <p:cxnSp>
+        <p:nvCxnSpPr>
+          <p:cNvPr id="91" name="Elbow Connector 90">
+            <a:extLst>
+              <a:ext uri="{FF2B5EF4-FFF2-40B4-BE49-F238E27FC236}">
+                <a16:creationId xmlns:a16="http://schemas.microsoft.com/office/drawing/2014/main" id="{F7CAE490-1BC0-E061-4A14-3EF957650F17}"/>
+              </a:ext>
+            </a:extLst>
+          </p:cNvPr>
+          <p:cNvCxnSpPr>
+            <a:cxnSpLocks/>
+            <a:stCxn id="34" idx="2"/>
+            <a:endCxn id="62" idx="2"/>
+          </p:cNvCxnSpPr>
+          <p:nvPr/>
+        </p:nvCxnSpPr>
+        <p:spPr>
+          <a:xfrm rot="5400000" flipH="1" flipV="1">
+            <a:off x="7758225" y="-657332"/>
+            <a:ext cx="7623" cy="6263847"/>
+          </a:xfrm>
+          <a:prstGeom prst="bentConnector3">
+            <a:avLst>
+              <a:gd name="adj1" fmla="val -2259948"/>
+            </a:avLst>
+          </a:prstGeom>
+          <a:ln w="19050">
+            <a:solidFill>
+              <a:srgbClr val="2B303B"/>
+            </a:solidFill>
+            <a:prstDash val="dash"/>
+            <a:headEnd type="triangle"/>
+            <a:tailEnd type="triangle"/>
+          </a:ln>
+        </p:spPr>
+        <p:style>
+          <a:lnRef idx="2">
+            <a:schemeClr val="accent1"/>
+          </a:lnRef>
+          <a:fillRef idx="0">
+            <a:schemeClr val="accent1"/>
+          </a:fillRef>
+          <a:effectRef idx="1">
+            <a:schemeClr val="accent1"/>
+          </a:effectRef>
+          <a:fontRef idx="minor">
+            <a:schemeClr val="tx1"/>
+          </a:fontRef>
+        </p:style>
+      </p:cxnSp>
+      <p:sp>
+        <p:nvSpPr>
+          <p:cNvPr id="52" name="Rounded Rectangle 51">
+            <a:extLst>
+              <a:ext uri="{FF2B5EF4-FFF2-40B4-BE49-F238E27FC236}">
+                <a16:creationId xmlns:a16="http://schemas.microsoft.com/office/drawing/2014/main" id="{74D14A72-894C-3351-D879-676A8F169B7A}"/>
+              </a:ext>
+            </a:extLst>
+          </p:cNvPr>
+          <p:cNvSpPr/>
+          <p:nvPr/>
+        </p:nvSpPr>
+        <p:spPr>
+          <a:xfrm>
+            <a:off x="7105746" y="1820447"/>
+            <a:ext cx="781076" cy="601878"/>
+          </a:xfrm>
+          <a:prstGeom prst="roundRect">
+            <a:avLst>
+              <a:gd name="adj" fmla="val 0"/>
+            </a:avLst>
+          </a:prstGeom>
+          <a:solidFill>
+            <a:srgbClr val="F6F6F6"/>
+          </a:solidFill>
+          <a:ln>
             <a:noFill/>
-            <a:ln w="6350"/>
-          </p:spPr>
-          <p:style>
-            <a:lnRef idx="2">
-              <a:schemeClr val="accent1">
-                <a:shade val="15000"/>
-              </a:schemeClr>
-            </a:lnRef>
-            <a:fillRef idx="1">
-              <a:schemeClr val="accent1"/>
-            </a:fillRef>
-            <a:effectRef idx="0">
-              <a:schemeClr val="accent1"/>
-            </a:effectRef>
-            <a:fontRef idx="minor">
-              <a:schemeClr val="lt1"/>
-            </a:fontRef>
-          </p:style>
-          <p:txBody>
-            <a:bodyPr rtlCol="0" anchor="t"/>
-            <a:lstStyle/>
-            <a:p>
-              <a:r>
-                <a:rPr lang="en-GB" sz="1550">
-                  <a:solidFill>
-                    <a:schemeClr val="tx1"/>
-                  </a:solidFill>
-                  <a:latin typeface="Segoe UI" panose="020B0502040204020203" pitchFamily="34" charset="0"/>
-                  <a:cs typeface="Segoe UI" panose="020B0502040204020203" pitchFamily="34" charset="0"/>
-                </a:rPr>
-                <a:t>S/4HANA</a:t>
-              </a:r>
-            </a:p>
-          </p:txBody>
-        </p:sp>
-        <p:sp>
-          <p:nvSpPr>
-            <p:cNvPr id="47" name="Rounded Rectangle 46">
-              <a:extLst>
-                <a:ext uri="{FF2B5EF4-FFF2-40B4-BE49-F238E27FC236}">
-                  <a16:creationId xmlns:a16="http://schemas.microsoft.com/office/drawing/2014/main" id="{BCD10731-2BAE-EC41-C758-5215BD237B21}"/>
-                </a:ext>
-              </a:extLst>
-            </p:cNvPr>
-            <p:cNvSpPr/>
-            <p:nvPr/>
-          </p:nvSpPr>
-          <p:spPr>
-            <a:xfrm>
-              <a:off x="11310833" y="293251"/>
-              <a:ext cx="2104593" cy="7071595"/>
-            </a:xfrm>
-            <a:prstGeom prst="roundRect">
-              <a:avLst>
-                <a:gd name="adj" fmla="val 0"/>
-              </a:avLst>
-            </a:prstGeom>
+          </a:ln>
+        </p:spPr>
+        <p:style>
+          <a:lnRef idx="2">
+            <a:schemeClr val="accent1">
+              <a:shade val="15000"/>
+            </a:schemeClr>
+          </a:lnRef>
+          <a:fillRef idx="1">
+            <a:schemeClr val="accent1"/>
+          </a:fillRef>
+          <a:effectRef idx="0">
+            <a:schemeClr val="accent1"/>
+          </a:effectRef>
+          <a:fontRef idx="minor">
+            <a:schemeClr val="lt1"/>
+          </a:fontRef>
+        </p:style>
+        <p:txBody>
+          <a:bodyPr lIns="15502" tIns="31005" rIns="15502" bIns="31005" rtlCol="0" anchor="ctr"/>
+          <a:lstStyle/>
+          <a:p>
+            <a:pPr algn="ctr"/>
+            <a:r>
+              <a:rPr lang="en-GB" sz="1033">
+                <a:solidFill>
+                  <a:schemeClr val="tx1"/>
+                </a:solidFill>
+                <a:latin typeface="Segoe UI" panose="020B0502040204020203" pitchFamily="34" charset="0"/>
+                <a:cs typeface="Segoe UI" panose="020B0502040204020203" pitchFamily="34" charset="0"/>
+              </a:rPr>
+              <a:t>Query browser</a:t>
+            </a:r>
+          </a:p>
+        </p:txBody>
+      </p:sp>
+      <p:sp>
+        <p:nvSpPr>
+          <p:cNvPr id="61" name="Rounded Rectangle 60">
+            <a:extLst>
+              <a:ext uri="{FF2B5EF4-FFF2-40B4-BE49-F238E27FC236}">
+                <a16:creationId xmlns:a16="http://schemas.microsoft.com/office/drawing/2014/main" id="{E99016C6-F949-EA3E-B877-B7A209678E3D}"/>
+              </a:ext>
+            </a:extLst>
+          </p:cNvPr>
+          <p:cNvSpPr/>
+          <p:nvPr/>
+        </p:nvSpPr>
+        <p:spPr>
+          <a:xfrm>
+            <a:off x="7938980" y="1820448"/>
+            <a:ext cx="781076" cy="601878"/>
+          </a:xfrm>
+          <a:prstGeom prst="roundRect">
+            <a:avLst>
+              <a:gd name="adj" fmla="val 0"/>
+            </a:avLst>
+          </a:prstGeom>
+          <a:solidFill>
+            <a:srgbClr val="F6F6F6"/>
+          </a:solidFill>
+          <a:ln>
             <a:noFill/>
-            <a:ln w="6350"/>
-          </p:spPr>
-          <p:style>
-            <a:lnRef idx="2">
-              <a:schemeClr val="accent1">
-                <a:shade val="15000"/>
-              </a:schemeClr>
-            </a:lnRef>
-            <a:fillRef idx="1">
-              <a:schemeClr val="accent1"/>
-            </a:fillRef>
-            <a:effectRef idx="0">
-              <a:schemeClr val="accent1"/>
-            </a:effectRef>
-            <a:fontRef idx="minor">
-              <a:schemeClr val="lt1"/>
-            </a:fontRef>
-          </p:style>
-          <p:txBody>
-            <a:bodyPr rtlCol="0" anchor="t"/>
-            <a:lstStyle/>
-            <a:p>
-              <a:pPr algn="ctr"/>
-              <a:r>
-                <a:rPr lang="en-GB" sz="1550">
-                  <a:solidFill>
-                    <a:schemeClr val="tx1"/>
-                  </a:solidFill>
-                  <a:latin typeface="Segoe UI" panose="020B0502040204020203" pitchFamily="34" charset="0"/>
-                  <a:cs typeface="Segoe UI" panose="020B0502040204020203" pitchFamily="34" charset="0"/>
-                </a:rPr>
-                <a:t>SAP Analytics Cloud</a:t>
-              </a:r>
-            </a:p>
-          </p:txBody>
-        </p:sp>
-        <p:sp>
-          <p:nvSpPr>
-            <p:cNvPr id="49" name="TextBox 48">
-              <a:extLst>
-                <a:ext uri="{FF2B5EF4-FFF2-40B4-BE49-F238E27FC236}">
-                  <a16:creationId xmlns:a16="http://schemas.microsoft.com/office/drawing/2014/main" id="{B2F797B6-172C-C517-79BD-B633882C3FD9}"/>
-                </a:ext>
-              </a:extLst>
-            </p:cNvPr>
-            <p:cNvSpPr txBox="1"/>
-            <p:nvPr/>
-          </p:nvSpPr>
-          <p:spPr>
-            <a:xfrm>
-              <a:off x="6226131" y="3060138"/>
-              <a:ext cx="1503008" cy="353418"/>
-            </a:xfrm>
-            <a:prstGeom prst="rect">
-              <a:avLst/>
-            </a:prstGeom>
+          </a:ln>
+        </p:spPr>
+        <p:style>
+          <a:lnRef idx="2">
+            <a:schemeClr val="accent1">
+              <a:shade val="15000"/>
+            </a:schemeClr>
+          </a:lnRef>
+          <a:fillRef idx="1">
+            <a:schemeClr val="accent1"/>
+          </a:fillRef>
+          <a:effectRef idx="0">
+            <a:schemeClr val="accent1"/>
+          </a:effectRef>
+          <a:fontRef idx="minor">
+            <a:schemeClr val="lt1"/>
+          </a:fontRef>
+        </p:style>
+        <p:txBody>
+          <a:bodyPr lIns="15502" tIns="31005" rIns="15502" bIns="31005" rtlCol="0" anchor="ctr"/>
+          <a:lstStyle/>
+          <a:p>
+            <a:pPr algn="ctr"/>
+            <a:r>
+              <a:rPr lang="en-GB" sz="1033">
+                <a:solidFill>
+                  <a:schemeClr val="tx1"/>
+                </a:solidFill>
+                <a:latin typeface="Segoe UI" panose="020B0502040204020203" pitchFamily="34" charset="0"/>
+                <a:cs typeface="Segoe UI" panose="020B0502040204020203" pitchFamily="34" charset="0"/>
+              </a:rPr>
+              <a:t>View browser</a:t>
+            </a:r>
+          </a:p>
+        </p:txBody>
+      </p:sp>
+      <p:sp>
+        <p:nvSpPr>
+          <p:cNvPr id="95" name="Rounded Rectangle 94">
+            <a:extLst>
+              <a:ext uri="{FF2B5EF4-FFF2-40B4-BE49-F238E27FC236}">
+                <a16:creationId xmlns:a16="http://schemas.microsoft.com/office/drawing/2014/main" id="{25C0949C-B830-A939-0937-98947EB13755}"/>
+              </a:ext>
+            </a:extLst>
+          </p:cNvPr>
+          <p:cNvSpPr/>
+          <p:nvPr/>
+        </p:nvSpPr>
+        <p:spPr>
+          <a:xfrm>
+            <a:off x="8895268" y="1820447"/>
+            <a:ext cx="781076" cy="601878"/>
+          </a:xfrm>
+          <a:prstGeom prst="roundRect">
+            <a:avLst>
+              <a:gd name="adj" fmla="val 0"/>
+            </a:avLst>
+          </a:prstGeom>
+          <a:solidFill>
+            <a:srgbClr val="F6F6F6"/>
+          </a:solidFill>
+          <a:ln>
             <a:noFill/>
-          </p:spPr>
-          <p:txBody>
-            <a:bodyPr wrap="none" rtlCol="0">
-              <a:spAutoFit/>
-            </a:bodyPr>
-            <a:lstStyle/>
-            <a:p>
-              <a:r>
-                <a:rPr lang="en-GB" sz="1378" b="1" i="1"/>
-                <a:t>Odata service</a:t>
-              </a:r>
-            </a:p>
-          </p:txBody>
-        </p:sp>
-        <p:sp>
-          <p:nvSpPr>
-            <p:cNvPr id="58" name="Rounded Rectangle 57">
-              <a:extLst>
-                <a:ext uri="{FF2B5EF4-FFF2-40B4-BE49-F238E27FC236}">
-                  <a16:creationId xmlns:a16="http://schemas.microsoft.com/office/drawing/2014/main" id="{AC0C31B6-05B9-CF36-1563-DA6F95380177}"/>
-                </a:ext>
-              </a:extLst>
-            </p:cNvPr>
-            <p:cNvSpPr/>
-            <p:nvPr/>
-          </p:nvSpPr>
-          <p:spPr>
-            <a:xfrm>
-              <a:off x="182509" y="293250"/>
-              <a:ext cx="1740413" cy="7071595"/>
-            </a:xfrm>
-            <a:prstGeom prst="roundRect">
-              <a:avLst>
-                <a:gd name="adj" fmla="val 0"/>
-              </a:avLst>
-            </a:prstGeom>
+          </a:ln>
+        </p:spPr>
+        <p:style>
+          <a:lnRef idx="2">
+            <a:schemeClr val="accent1">
+              <a:shade val="15000"/>
+            </a:schemeClr>
+          </a:lnRef>
+          <a:fillRef idx="1">
+            <a:schemeClr val="accent1"/>
+          </a:fillRef>
+          <a:effectRef idx="0">
+            <a:schemeClr val="accent1"/>
+          </a:effectRef>
+          <a:fontRef idx="minor">
+            <a:schemeClr val="lt1"/>
+          </a:fontRef>
+        </p:style>
+        <p:txBody>
+          <a:bodyPr lIns="15502" tIns="31005" rIns="15502" bIns="31005" rtlCol="0" anchor="ctr"/>
+          <a:lstStyle/>
+          <a:p>
+            <a:pPr algn="ctr"/>
+            <a:r>
+              <a:rPr lang="en-GB" sz="1033">
+                <a:solidFill>
+                  <a:schemeClr val="tx1"/>
+                </a:solidFill>
+                <a:latin typeface="Segoe UI" panose="020B0502040204020203" pitchFamily="34" charset="0"/>
+                <a:cs typeface="Segoe UI" panose="020B0502040204020203" pitchFamily="34" charset="0"/>
+              </a:rPr>
+              <a:t>Analytical path framework</a:t>
+            </a:r>
+          </a:p>
+        </p:txBody>
+      </p:sp>
+      <p:sp>
+        <p:nvSpPr>
+          <p:cNvPr id="109" name="TextBox 108">
+            <a:extLst>
+              <a:ext uri="{FF2B5EF4-FFF2-40B4-BE49-F238E27FC236}">
+                <a16:creationId xmlns:a16="http://schemas.microsoft.com/office/drawing/2014/main" id="{A9ECEC2F-0733-54F8-0DA5-B14CC6B1AFE5}"/>
+              </a:ext>
+            </a:extLst>
+          </p:cNvPr>
+          <p:cNvSpPr txBox="1"/>
+          <p:nvPr/>
+        </p:nvSpPr>
+        <p:spPr>
+          <a:xfrm>
+            <a:off x="398821" y="5186879"/>
+            <a:ext cx="1423606" cy="569195"/>
+          </a:xfrm>
+          <a:prstGeom prst="rect">
+            <a:avLst/>
+          </a:prstGeom>
+          <a:noFill/>
+        </p:spPr>
+        <p:txBody>
+          <a:bodyPr wrap="square" rtlCol="0">
+            <a:spAutoFit/>
+          </a:bodyPr>
+          <a:lstStyle/>
+          <a:p>
+            <a:r>
+              <a:rPr lang="en-GB" sz="1033">
+                <a:latin typeface="Segoe UI" panose="020B0502040204020203" pitchFamily="34" charset="0"/>
+                <a:cs typeface="Segoe UI" panose="020B0502040204020203" pitchFamily="34" charset="0"/>
+              </a:rPr>
+              <a:t>In-memory computing, column store</a:t>
+            </a:r>
+          </a:p>
+        </p:txBody>
+      </p:sp>
+      <p:cxnSp>
+        <p:nvCxnSpPr>
+          <p:cNvPr id="110" name="Straight Connector 109">
+            <a:extLst>
+              <a:ext uri="{FF2B5EF4-FFF2-40B4-BE49-F238E27FC236}">
+                <a16:creationId xmlns:a16="http://schemas.microsoft.com/office/drawing/2014/main" id="{21A80204-992C-0C9E-0709-713C07CF6A6D}"/>
+              </a:ext>
+            </a:extLst>
+          </p:cNvPr>
+          <p:cNvCxnSpPr>
+            <a:cxnSpLocks/>
+          </p:cNvCxnSpPr>
+          <p:nvPr/>
+        </p:nvCxnSpPr>
+        <p:spPr>
+          <a:xfrm>
+            <a:off x="1890676" y="5462892"/>
+            <a:ext cx="1030213" cy="0"/>
+          </a:xfrm>
+          <a:prstGeom prst="line">
+            <a:avLst/>
+          </a:prstGeom>
+          <a:ln>
             <a:solidFill>
-              <a:srgbClr val="F6F6F6"/>
+              <a:srgbClr val="EB0A1E"/>
             </a:solidFill>
-            <a:ln w="6350">
-              <a:noFill/>
-            </a:ln>
-          </p:spPr>
-          <p:style>
-            <a:lnRef idx="2">
-              <a:schemeClr val="accent1">
-                <a:shade val="15000"/>
-              </a:schemeClr>
-            </a:lnRef>
-            <a:fillRef idx="1">
-              <a:schemeClr val="accent1"/>
-            </a:fillRef>
-            <a:effectRef idx="0">
-              <a:schemeClr val="accent1"/>
-            </a:effectRef>
-            <a:fontRef idx="minor">
-              <a:schemeClr val="lt1"/>
-            </a:fontRef>
-          </p:style>
-          <p:txBody>
-            <a:bodyPr rtlCol="0" anchor="t"/>
-            <a:lstStyle/>
-            <a:p>
-              <a:r>
-                <a:rPr lang="en-GB" sz="1550" i="1">
-                  <a:solidFill>
-                    <a:schemeClr val="tx1"/>
-                  </a:solidFill>
-                  <a:latin typeface="Segoe UI" panose="020B0502040204020203" pitchFamily="34" charset="0"/>
-                  <a:cs typeface="Segoe UI" panose="020B0502040204020203" pitchFamily="34" charset="0"/>
-                </a:rPr>
-                <a:t>Tech notes:</a:t>
-              </a:r>
-            </a:p>
-          </p:txBody>
-        </p:sp>
-        <p:sp>
-          <p:nvSpPr>
-            <p:cNvPr id="65" name="TextBox 64">
-              <a:extLst>
-                <a:ext uri="{FF2B5EF4-FFF2-40B4-BE49-F238E27FC236}">
-                  <a16:creationId xmlns:a16="http://schemas.microsoft.com/office/drawing/2014/main" id="{D635FAE1-1F2D-2C00-1F44-F0EC5979F376}"/>
-                </a:ext>
-              </a:extLst>
-            </p:cNvPr>
-            <p:cNvSpPr txBox="1"/>
-            <p:nvPr/>
-          </p:nvSpPr>
-          <p:spPr>
-            <a:xfrm>
-              <a:off x="180869" y="4720090"/>
-              <a:ext cx="1652965" cy="476335"/>
-            </a:xfrm>
-            <a:prstGeom prst="rect">
-              <a:avLst/>
-            </a:prstGeom>
-            <a:noFill/>
-          </p:spPr>
-          <p:txBody>
-            <a:bodyPr wrap="square" rtlCol="0">
-              <a:spAutoFit/>
-            </a:bodyPr>
-            <a:lstStyle/>
-            <a:p>
-              <a:r>
-                <a:rPr lang="en-GB" sz="1033"/>
-                <a:t>Defined by mix of SQL &amp; proprietary code</a:t>
-              </a:r>
-            </a:p>
-          </p:txBody>
-        </p:sp>
-        <p:cxnSp>
-          <p:nvCxnSpPr>
-            <p:cNvPr id="67" name="Straight Connector 66">
-              <a:extLst>
-                <a:ext uri="{FF2B5EF4-FFF2-40B4-BE49-F238E27FC236}">
-                  <a16:creationId xmlns:a16="http://schemas.microsoft.com/office/drawing/2014/main" id="{6AA479F0-5ADE-DE16-2154-C613B5EAE6A6}"/>
-                </a:ext>
-              </a:extLst>
-            </p:cNvPr>
-            <p:cNvCxnSpPr>
-              <a:cxnSpLocks/>
-            </p:cNvCxnSpPr>
-            <p:nvPr/>
-          </p:nvCxnSpPr>
-          <p:spPr>
-            <a:xfrm>
-              <a:off x="1909317" y="4950605"/>
-              <a:ext cx="2901132" cy="0"/>
-            </a:xfrm>
-            <a:prstGeom prst="line">
-              <a:avLst/>
-            </a:prstGeom>
-            <a:ln>
-              <a:solidFill>
-                <a:srgbClr val="EB0A1E"/>
-              </a:solidFill>
-              <a:tailEnd type="oval"/>
-            </a:ln>
-          </p:spPr>
-          <p:style>
-            <a:lnRef idx="2">
-              <a:schemeClr val="accent1"/>
-            </a:lnRef>
-            <a:fillRef idx="0">
-              <a:schemeClr val="accent1"/>
-            </a:fillRef>
-            <a:effectRef idx="1">
-              <a:schemeClr val="accent1"/>
-            </a:effectRef>
-            <a:fontRef idx="minor">
-              <a:schemeClr val="tx1"/>
-            </a:fontRef>
-          </p:style>
-        </p:cxnSp>
-        <p:sp>
-          <p:nvSpPr>
-            <p:cNvPr id="69" name="TextBox 68">
-              <a:extLst>
-                <a:ext uri="{FF2B5EF4-FFF2-40B4-BE49-F238E27FC236}">
-                  <a16:creationId xmlns:a16="http://schemas.microsoft.com/office/drawing/2014/main" id="{AE0172E4-9291-E49A-D1C8-43DE5CF4353D}"/>
-                </a:ext>
-              </a:extLst>
-            </p:cNvPr>
-            <p:cNvSpPr txBox="1"/>
-            <p:nvPr/>
-          </p:nvSpPr>
-          <p:spPr>
-            <a:xfrm>
-              <a:off x="168904" y="4000185"/>
-              <a:ext cx="1740413" cy="291772"/>
-            </a:xfrm>
-            <a:prstGeom prst="rect">
-              <a:avLst/>
-            </a:prstGeom>
-            <a:noFill/>
-          </p:spPr>
-          <p:txBody>
-            <a:bodyPr wrap="square" rtlCol="0">
-              <a:spAutoFit/>
-            </a:bodyPr>
-            <a:lstStyle/>
-            <a:p>
-              <a:r>
-                <a:rPr lang="en-GB" sz="1033"/>
-                <a:t>No data persists</a:t>
-              </a:r>
-            </a:p>
-          </p:txBody>
-        </p:sp>
-        <p:cxnSp>
-          <p:nvCxnSpPr>
-            <p:cNvPr id="70" name="Straight Connector 69">
-              <a:extLst>
-                <a:ext uri="{FF2B5EF4-FFF2-40B4-BE49-F238E27FC236}">
-                  <a16:creationId xmlns:a16="http://schemas.microsoft.com/office/drawing/2014/main" id="{63FA4647-EECE-400D-B935-87F2B194E36C}"/>
-                </a:ext>
-              </a:extLst>
-            </p:cNvPr>
-            <p:cNvCxnSpPr>
-              <a:cxnSpLocks/>
-            </p:cNvCxnSpPr>
-            <p:nvPr/>
-          </p:nvCxnSpPr>
-          <p:spPr>
-            <a:xfrm>
-              <a:off x="1909317" y="4144436"/>
-              <a:ext cx="1196192" cy="0"/>
-            </a:xfrm>
-            <a:prstGeom prst="line">
-              <a:avLst/>
-            </a:prstGeom>
-            <a:ln>
-              <a:solidFill>
-                <a:srgbClr val="EB0A1E"/>
-              </a:solidFill>
-              <a:tailEnd type="oval"/>
-            </a:ln>
-          </p:spPr>
-          <p:style>
-            <a:lnRef idx="2">
-              <a:schemeClr val="accent1"/>
-            </a:lnRef>
-            <a:fillRef idx="0">
-              <a:schemeClr val="accent1"/>
-            </a:fillRef>
-            <a:effectRef idx="1">
-              <a:schemeClr val="accent1"/>
-            </a:effectRef>
-            <a:fontRef idx="minor">
-              <a:schemeClr val="tx1"/>
-            </a:fontRef>
-          </p:style>
-        </p:cxnSp>
-        <p:cxnSp>
-          <p:nvCxnSpPr>
-            <p:cNvPr id="73" name="Straight Connector 72">
-              <a:extLst>
-                <a:ext uri="{FF2B5EF4-FFF2-40B4-BE49-F238E27FC236}">
-                  <a16:creationId xmlns:a16="http://schemas.microsoft.com/office/drawing/2014/main" id="{6A90DDFE-DFF9-F234-0852-0F1683EBB52F}"/>
-                </a:ext>
-              </a:extLst>
-            </p:cNvPr>
-            <p:cNvCxnSpPr>
-              <a:cxnSpLocks/>
-            </p:cNvCxnSpPr>
-            <p:nvPr/>
-          </p:nvCxnSpPr>
-          <p:spPr>
-            <a:xfrm>
-              <a:off x="1909317" y="1240021"/>
-              <a:ext cx="376683" cy="0"/>
-            </a:xfrm>
-            <a:prstGeom prst="line">
-              <a:avLst/>
-            </a:prstGeom>
-            <a:ln>
-              <a:solidFill>
-                <a:srgbClr val="EB0A1E"/>
-              </a:solidFill>
-              <a:tailEnd type="oval"/>
-            </a:ln>
-          </p:spPr>
-          <p:style>
-            <a:lnRef idx="2">
-              <a:schemeClr val="accent1"/>
-            </a:lnRef>
-            <a:fillRef idx="0">
-              <a:schemeClr val="accent1"/>
-            </a:fillRef>
-            <a:effectRef idx="1">
-              <a:schemeClr val="accent1"/>
-            </a:effectRef>
-            <a:fontRef idx="minor">
-              <a:schemeClr val="tx1"/>
-            </a:fontRef>
-          </p:style>
-        </p:cxnSp>
-        <p:sp>
-          <p:nvSpPr>
-            <p:cNvPr id="75" name="TextBox 74">
-              <a:extLst>
-                <a:ext uri="{FF2B5EF4-FFF2-40B4-BE49-F238E27FC236}">
-                  <a16:creationId xmlns:a16="http://schemas.microsoft.com/office/drawing/2014/main" id="{F5884F06-3418-7E69-A275-0396D81D2299}"/>
-                </a:ext>
-              </a:extLst>
-            </p:cNvPr>
-            <p:cNvSpPr txBox="1"/>
-            <p:nvPr/>
-          </p:nvSpPr>
-          <p:spPr>
-            <a:xfrm>
-              <a:off x="182509" y="1038871"/>
-              <a:ext cx="1740413" cy="476335"/>
-            </a:xfrm>
-            <a:prstGeom prst="rect">
-              <a:avLst/>
-            </a:prstGeom>
-            <a:noFill/>
-          </p:spPr>
-          <p:txBody>
-            <a:bodyPr wrap="square" rtlCol="0">
-              <a:spAutoFit/>
-            </a:bodyPr>
-            <a:lstStyle/>
-            <a:p>
-              <a:r>
-                <a:rPr lang="en-GB" sz="1033"/>
-                <a:t>SAP UI5, built on Open UI5 (HTML, CSS, JS)</a:t>
-              </a:r>
-            </a:p>
-          </p:txBody>
-        </p:sp>
-        <p:cxnSp>
-          <p:nvCxnSpPr>
-            <p:cNvPr id="79" name="Straight Arrow Connector 78">
-              <a:extLst>
-                <a:ext uri="{FF2B5EF4-FFF2-40B4-BE49-F238E27FC236}">
-                  <a16:creationId xmlns:a16="http://schemas.microsoft.com/office/drawing/2014/main" id="{71B74413-7A17-6A93-8A6F-C18D3B94CFE5}"/>
-                </a:ext>
-              </a:extLst>
-            </p:cNvPr>
-            <p:cNvCxnSpPr/>
-            <p:nvPr/>
-          </p:nvCxnSpPr>
-          <p:spPr>
-            <a:xfrm flipV="1">
-              <a:off x="9003950" y="4611259"/>
-              <a:ext cx="0" cy="634964"/>
-            </a:xfrm>
-            <a:prstGeom prst="straightConnector1">
-              <a:avLst/>
-            </a:prstGeom>
-            <a:ln>
-              <a:solidFill>
-                <a:srgbClr val="EB0A1E"/>
-              </a:solidFill>
-              <a:tailEnd type="triangle"/>
-            </a:ln>
-          </p:spPr>
-          <p:style>
-            <a:lnRef idx="2">
-              <a:schemeClr val="accent1"/>
-            </a:lnRef>
-            <a:fillRef idx="0">
-              <a:schemeClr val="accent1"/>
-            </a:fillRef>
-            <a:effectRef idx="1">
-              <a:schemeClr val="accent1"/>
-            </a:effectRef>
-            <a:fontRef idx="minor">
-              <a:schemeClr val="tx1"/>
-            </a:fontRef>
-          </p:style>
-        </p:cxnSp>
-        <p:sp>
-          <p:nvSpPr>
-            <p:cNvPr id="80" name="TextBox 79">
-              <a:extLst>
-                <a:ext uri="{FF2B5EF4-FFF2-40B4-BE49-F238E27FC236}">
-                  <a16:creationId xmlns:a16="http://schemas.microsoft.com/office/drawing/2014/main" id="{51DF9D1F-BE4F-BA03-9EC1-1B235851E847}"/>
-                </a:ext>
-              </a:extLst>
-            </p:cNvPr>
-            <p:cNvSpPr txBox="1"/>
-            <p:nvPr/>
-          </p:nvSpPr>
-          <p:spPr>
-            <a:xfrm>
-              <a:off x="8991403" y="4681762"/>
-              <a:ext cx="1421167" cy="476335"/>
-            </a:xfrm>
-            <a:prstGeom prst="rect">
-              <a:avLst/>
-            </a:prstGeom>
-            <a:noFill/>
-          </p:spPr>
-          <p:txBody>
-            <a:bodyPr wrap="square" rtlCol="0">
-              <a:spAutoFit/>
-            </a:bodyPr>
-            <a:lstStyle/>
-            <a:p>
-              <a:r>
-                <a:rPr lang="en-GB" sz="1033"/>
-                <a:t>Restructure to</a:t>
-              </a:r>
-            </a:p>
-            <a:p>
-              <a:r>
-                <a:rPr lang="en-GB" sz="1033"/>
-                <a:t>role / scenario</a:t>
-              </a:r>
-            </a:p>
-          </p:txBody>
-        </p:sp>
-        <p:cxnSp>
-          <p:nvCxnSpPr>
-            <p:cNvPr id="84" name="Straight Connector 83">
-              <a:extLst>
-                <a:ext uri="{FF2B5EF4-FFF2-40B4-BE49-F238E27FC236}">
-                  <a16:creationId xmlns:a16="http://schemas.microsoft.com/office/drawing/2014/main" id="{4BD76BEF-247B-3ECF-4316-846D9E36B429}"/>
-                </a:ext>
-              </a:extLst>
-            </p:cNvPr>
-            <p:cNvCxnSpPr>
-              <a:cxnSpLocks/>
-            </p:cNvCxnSpPr>
-            <p:nvPr/>
-          </p:nvCxnSpPr>
-          <p:spPr>
-            <a:xfrm>
-              <a:off x="1936527" y="3226552"/>
-              <a:ext cx="3978599" cy="0"/>
-            </a:xfrm>
-            <a:prstGeom prst="line">
-              <a:avLst/>
-            </a:prstGeom>
-            <a:ln>
-              <a:solidFill>
-                <a:srgbClr val="EB0A1E"/>
-              </a:solidFill>
-              <a:tailEnd type="oval"/>
-            </a:ln>
-          </p:spPr>
-          <p:style>
-            <a:lnRef idx="2">
-              <a:schemeClr val="accent1"/>
-            </a:lnRef>
-            <a:fillRef idx="0">
-              <a:schemeClr val="accent1"/>
-            </a:fillRef>
-            <a:effectRef idx="1">
-              <a:schemeClr val="accent1"/>
-            </a:effectRef>
-            <a:fontRef idx="minor">
-              <a:schemeClr val="tx1"/>
-            </a:fontRef>
-          </p:style>
-        </p:cxnSp>
-        <p:sp>
-          <p:nvSpPr>
-            <p:cNvPr id="86" name="TextBox 85">
-              <a:extLst>
-                <a:ext uri="{FF2B5EF4-FFF2-40B4-BE49-F238E27FC236}">
-                  <a16:creationId xmlns:a16="http://schemas.microsoft.com/office/drawing/2014/main" id="{28BE8E4F-5D6F-60F8-71BC-C2EDF2553BA1}"/>
-                </a:ext>
-              </a:extLst>
-            </p:cNvPr>
-            <p:cNvSpPr txBox="1"/>
-            <p:nvPr/>
-          </p:nvSpPr>
-          <p:spPr>
-            <a:xfrm>
-              <a:off x="189311" y="3001095"/>
-              <a:ext cx="1740413" cy="476335"/>
-            </a:xfrm>
-            <a:prstGeom prst="rect">
-              <a:avLst/>
-            </a:prstGeom>
-            <a:noFill/>
-          </p:spPr>
-          <p:txBody>
-            <a:bodyPr wrap="square" rtlCol="0">
-              <a:spAutoFit/>
-            </a:bodyPr>
-            <a:lstStyle/>
-            <a:p>
-              <a:r>
-                <a:rPr lang="en-GB" sz="1033"/>
-                <a:t>OData exposes CDS views to UI5</a:t>
-              </a:r>
-            </a:p>
-          </p:txBody>
-        </p:sp>
-        <p:cxnSp>
-          <p:nvCxnSpPr>
-            <p:cNvPr id="91" name="Elbow Connector 90">
-              <a:extLst>
-                <a:ext uri="{FF2B5EF4-FFF2-40B4-BE49-F238E27FC236}">
-                  <a16:creationId xmlns:a16="http://schemas.microsoft.com/office/drawing/2014/main" id="{A0690501-253B-7823-A0CC-FB54BDBA5DF2}"/>
-                </a:ext>
-              </a:extLst>
-            </p:cNvPr>
-            <p:cNvCxnSpPr>
-              <a:cxnSpLocks/>
-              <a:stCxn id="34" idx="2"/>
-              <a:endCxn id="62" idx="2"/>
-            </p:cNvCxnSpPr>
-            <p:nvPr/>
-          </p:nvCxnSpPr>
-          <p:spPr>
-            <a:xfrm rot="5400000" flipH="1" flipV="1">
-              <a:off x="8722193" y="-998767"/>
-              <a:ext cx="8851" cy="7273022"/>
-            </a:xfrm>
-            <a:prstGeom prst="bentConnector3">
-              <a:avLst>
-                <a:gd name="adj1" fmla="val -2259948"/>
-              </a:avLst>
-            </a:prstGeom>
-            <a:ln w="19050">
-              <a:solidFill>
-                <a:srgbClr val="2B303B"/>
-              </a:solidFill>
-              <a:prstDash val="dash"/>
-              <a:headEnd type="triangle"/>
-              <a:tailEnd type="triangle"/>
-            </a:ln>
-          </p:spPr>
-          <p:style>
-            <a:lnRef idx="2">
-              <a:schemeClr val="accent1"/>
-            </a:lnRef>
-            <a:fillRef idx="0">
-              <a:schemeClr val="accent1"/>
-            </a:fillRef>
-            <a:effectRef idx="1">
-              <a:schemeClr val="accent1"/>
-            </a:effectRef>
-            <a:fontRef idx="minor">
-              <a:schemeClr val="tx1"/>
-            </a:fontRef>
-          </p:style>
-        </p:cxnSp>
-        <p:sp>
-          <p:nvSpPr>
-            <p:cNvPr id="52" name="Rounded Rectangle 51">
-              <a:extLst>
-                <a:ext uri="{FF2B5EF4-FFF2-40B4-BE49-F238E27FC236}">
-                  <a16:creationId xmlns:a16="http://schemas.microsoft.com/office/drawing/2014/main" id="{C845A584-5A17-F4CC-AD66-147557EF6117}"/>
-                </a:ext>
-              </a:extLst>
-            </p:cNvPr>
-            <p:cNvSpPr/>
-            <p:nvPr/>
-          </p:nvSpPr>
-          <p:spPr>
-            <a:xfrm>
-              <a:off x="7964592" y="1878209"/>
-              <a:ext cx="906916" cy="698847"/>
-            </a:xfrm>
-            <a:prstGeom prst="roundRect">
-              <a:avLst>
-                <a:gd name="adj" fmla="val 0"/>
-              </a:avLst>
-            </a:prstGeom>
+            <a:tailEnd type="oval"/>
+          </a:ln>
+        </p:spPr>
+        <p:style>
+          <a:lnRef idx="2">
+            <a:schemeClr val="accent1"/>
+          </a:lnRef>
+          <a:fillRef idx="0">
+            <a:schemeClr val="accent1"/>
+          </a:fillRef>
+          <a:effectRef idx="1">
+            <a:schemeClr val="accent1"/>
+          </a:effectRef>
+          <a:fontRef idx="minor">
+            <a:schemeClr val="tx1"/>
+          </a:fontRef>
+        </p:style>
+      </p:cxnSp>
+      <p:sp>
+        <p:nvSpPr>
+          <p:cNvPr id="113" name="TextBox 112">
+            <a:extLst>
+              <a:ext uri="{FF2B5EF4-FFF2-40B4-BE49-F238E27FC236}">
+                <a16:creationId xmlns:a16="http://schemas.microsoft.com/office/drawing/2014/main" id="{0D17979D-0B3F-7C62-B0C0-9DB4C9914758}"/>
+              </a:ext>
+            </a:extLst>
+          </p:cNvPr>
+          <p:cNvSpPr txBox="1"/>
+          <p:nvPr/>
+        </p:nvSpPr>
+        <p:spPr>
+          <a:xfrm>
+            <a:off x="5772154" y="4946261"/>
+            <a:ext cx="1526315" cy="304379"/>
+          </a:xfrm>
+          <a:prstGeom prst="rect">
+            <a:avLst/>
+          </a:prstGeom>
+          <a:noFill/>
+        </p:spPr>
+        <p:txBody>
+          <a:bodyPr wrap="none" rtlCol="0">
+            <a:spAutoFit/>
+          </a:bodyPr>
+          <a:lstStyle/>
+          <a:p>
+            <a:r>
+              <a:rPr lang="en-GB" sz="1378" b="1" i="1">
+                <a:latin typeface="Segoe UI" panose="020B0502040204020203" pitchFamily="34" charset="0"/>
+                <a:cs typeface="Segoe UI" panose="020B0502040204020203" pitchFamily="34" charset="0"/>
+              </a:rPr>
+              <a:t>Proprietary/SQL</a:t>
+            </a:r>
+          </a:p>
+        </p:txBody>
+      </p:sp>
+      <p:sp>
+        <p:nvSpPr>
+          <p:cNvPr id="118" name="TextBox 117">
+            <a:extLst>
+              <a:ext uri="{FF2B5EF4-FFF2-40B4-BE49-F238E27FC236}">
+                <a16:creationId xmlns:a16="http://schemas.microsoft.com/office/drawing/2014/main" id="{4A5EF0C4-FEBE-37DF-FDF0-C73C70545128}"/>
+              </a:ext>
+            </a:extLst>
+          </p:cNvPr>
+          <p:cNvSpPr txBox="1"/>
+          <p:nvPr/>
+        </p:nvSpPr>
+        <p:spPr>
+          <a:xfrm>
+            <a:off x="10144499" y="3959854"/>
+            <a:ext cx="1498920" cy="728148"/>
+          </a:xfrm>
+          <a:prstGeom prst="rect">
+            <a:avLst/>
+          </a:prstGeom>
+          <a:noFill/>
+        </p:spPr>
+        <p:txBody>
+          <a:bodyPr wrap="square" rtlCol="0">
+            <a:spAutoFit/>
+          </a:bodyPr>
+          <a:lstStyle/>
+          <a:p>
+            <a:r>
+              <a:rPr lang="en-GB" sz="1033" i="1">
+                <a:latin typeface="Segoe UI" panose="020B0502040204020203" pitchFamily="34" charset="0"/>
+                <a:cs typeface="Segoe UI" panose="020B0502040204020203" pitchFamily="34" charset="0"/>
+              </a:rPr>
+              <a:t>SAC:</a:t>
+            </a:r>
+          </a:p>
+          <a:p>
+            <a:pPr marL="147653" indent="-147653">
+              <a:buFont typeface="Arial" panose="020B0604020202020204" pitchFamily="34" charset="0"/>
+              <a:buChar char="•"/>
+            </a:pPr>
+            <a:r>
+              <a:rPr lang="en-GB" sz="1033" i="1">
+                <a:latin typeface="Segoe UI" panose="020B0502040204020203" pitchFamily="34" charset="0"/>
+                <a:cs typeface="Segoe UI" panose="020B0502040204020203" pitchFamily="34" charset="0"/>
+              </a:rPr>
+              <a:t>An extension to S/4HANA, but deeply integrated</a:t>
+            </a:r>
+          </a:p>
+        </p:txBody>
+      </p:sp>
+      <p:sp>
+        <p:nvSpPr>
+          <p:cNvPr id="124" name="TextBox 123">
+            <a:extLst>
+              <a:ext uri="{FF2B5EF4-FFF2-40B4-BE49-F238E27FC236}">
+                <a16:creationId xmlns:a16="http://schemas.microsoft.com/office/drawing/2014/main" id="{4220CBAD-29CF-80E1-3ABB-B286F9AF00D0}"/>
+              </a:ext>
+            </a:extLst>
+          </p:cNvPr>
+          <p:cNvSpPr txBox="1"/>
+          <p:nvPr/>
+        </p:nvSpPr>
+        <p:spPr>
+          <a:xfrm>
+            <a:off x="10020551" y="2661659"/>
+            <a:ext cx="1498920" cy="410241"/>
+          </a:xfrm>
+          <a:prstGeom prst="rect">
+            <a:avLst/>
+          </a:prstGeom>
+          <a:noFill/>
+        </p:spPr>
+        <p:txBody>
+          <a:bodyPr wrap="square" rtlCol="0">
+            <a:spAutoFit/>
+          </a:bodyPr>
+          <a:lstStyle/>
+          <a:p>
+            <a:r>
+              <a:rPr lang="en-GB" sz="1033" i="1">
+                <a:latin typeface="Segoe UI" panose="020B0502040204020203" pitchFamily="34" charset="0"/>
+                <a:cs typeface="Segoe UI" panose="020B0502040204020203" pitchFamily="34" charset="0"/>
+              </a:rPr>
+              <a:t>Stories launch from other apps</a:t>
+            </a:r>
+          </a:p>
+        </p:txBody>
+      </p:sp>
+      <p:cxnSp>
+        <p:nvCxnSpPr>
+          <p:cNvPr id="126" name="Straight Arrow Connector 125">
+            <a:extLst>
+              <a:ext uri="{FF2B5EF4-FFF2-40B4-BE49-F238E27FC236}">
+                <a16:creationId xmlns:a16="http://schemas.microsoft.com/office/drawing/2014/main" id="{8EC464D7-611B-1D24-AA43-103E413F3F8F}"/>
+              </a:ext>
+            </a:extLst>
+          </p:cNvPr>
+          <p:cNvCxnSpPr>
+            <a:cxnSpLocks/>
+          </p:cNvCxnSpPr>
+          <p:nvPr/>
+        </p:nvCxnSpPr>
+        <p:spPr>
+          <a:xfrm>
+            <a:off x="5595153" y="2787089"/>
+            <a:ext cx="0" cy="430888"/>
+          </a:xfrm>
+          <a:prstGeom prst="straightConnector1">
+            <a:avLst/>
+          </a:prstGeom>
+          <a:ln w="38100">
             <a:solidFill>
-              <a:srgbClr val="F6F6F6"/>
+              <a:srgbClr val="2B303B"/>
             </a:solidFill>
-            <a:ln>
-              <a:noFill/>
-            </a:ln>
-          </p:spPr>
-          <p:style>
-            <a:lnRef idx="2">
-              <a:schemeClr val="accent1">
-                <a:shade val="15000"/>
-              </a:schemeClr>
-            </a:lnRef>
-            <a:fillRef idx="1">
-              <a:schemeClr val="accent1"/>
-            </a:fillRef>
-            <a:effectRef idx="0">
-              <a:schemeClr val="accent1"/>
-            </a:effectRef>
-            <a:fontRef idx="minor">
-              <a:schemeClr val="lt1"/>
-            </a:fontRef>
-          </p:style>
-          <p:txBody>
-            <a:bodyPr lIns="15502" tIns="31005" rIns="15502" bIns="31005" rtlCol="0" anchor="ctr"/>
-            <a:lstStyle/>
-            <a:p>
-              <a:pPr algn="ctr"/>
-              <a:r>
-                <a:rPr lang="en-GB" sz="1033">
-                  <a:solidFill>
-                    <a:schemeClr val="tx1"/>
-                  </a:solidFill>
-                  <a:latin typeface="Segoe UI" panose="020B0502040204020203" pitchFamily="34" charset="0"/>
-                  <a:cs typeface="Segoe UI" panose="020B0502040204020203" pitchFamily="34" charset="0"/>
-                </a:rPr>
-                <a:t>Query browser</a:t>
-              </a:r>
-            </a:p>
-          </p:txBody>
-        </p:sp>
-        <p:sp>
-          <p:nvSpPr>
-            <p:cNvPr id="61" name="Rounded Rectangle 60">
-              <a:extLst>
-                <a:ext uri="{FF2B5EF4-FFF2-40B4-BE49-F238E27FC236}">
-                  <a16:creationId xmlns:a16="http://schemas.microsoft.com/office/drawing/2014/main" id="{AC0CEC4A-035F-DB78-2850-4A03932FA61A}"/>
-                </a:ext>
-              </a:extLst>
-            </p:cNvPr>
-            <p:cNvSpPr/>
-            <p:nvPr/>
-          </p:nvSpPr>
-          <p:spPr>
-            <a:xfrm>
-              <a:off x="8932069" y="1878210"/>
-              <a:ext cx="906916" cy="698847"/>
-            </a:xfrm>
-            <a:prstGeom prst="roundRect">
-              <a:avLst>
-                <a:gd name="adj" fmla="val 0"/>
-              </a:avLst>
-            </a:prstGeom>
+            <a:headEnd type="triangle"/>
+            <a:tailEnd type="triangle"/>
+          </a:ln>
+        </p:spPr>
+        <p:style>
+          <a:lnRef idx="2">
+            <a:schemeClr val="accent1"/>
+          </a:lnRef>
+          <a:fillRef idx="0">
+            <a:schemeClr val="accent1"/>
+          </a:fillRef>
+          <a:effectRef idx="1">
+            <a:schemeClr val="accent1"/>
+          </a:effectRef>
+          <a:fontRef idx="minor">
+            <a:schemeClr val="tx1"/>
+          </a:fontRef>
+        </p:style>
+      </p:cxnSp>
+      <p:cxnSp>
+        <p:nvCxnSpPr>
+          <p:cNvPr id="128" name="Straight Arrow Connector 127">
+            <a:extLst>
+              <a:ext uri="{FF2B5EF4-FFF2-40B4-BE49-F238E27FC236}">
+                <a16:creationId xmlns:a16="http://schemas.microsoft.com/office/drawing/2014/main" id="{7393CA94-9438-8C9E-695B-AAAB4A4CC37E}"/>
+              </a:ext>
+            </a:extLst>
+          </p:cNvPr>
+          <p:cNvCxnSpPr>
+            <a:cxnSpLocks/>
+          </p:cNvCxnSpPr>
+          <p:nvPr/>
+        </p:nvCxnSpPr>
+        <p:spPr>
+          <a:xfrm>
+            <a:off x="5637844" y="4824972"/>
+            <a:ext cx="0" cy="472556"/>
+          </a:xfrm>
+          <a:prstGeom prst="straightConnector1">
+            <a:avLst/>
+          </a:prstGeom>
+          <a:ln w="38100">
             <a:solidFill>
-              <a:srgbClr val="F6F6F6"/>
+              <a:srgbClr val="2B303B"/>
             </a:solidFill>
-            <a:ln>
-              <a:noFill/>
-            </a:ln>
-          </p:spPr>
-          <p:style>
-            <a:lnRef idx="2">
-              <a:schemeClr val="accent1">
-                <a:shade val="15000"/>
-              </a:schemeClr>
-            </a:lnRef>
-            <a:fillRef idx="1">
-              <a:schemeClr val="accent1"/>
-            </a:fillRef>
-            <a:effectRef idx="0">
-              <a:schemeClr val="accent1"/>
-            </a:effectRef>
-            <a:fontRef idx="minor">
-              <a:schemeClr val="lt1"/>
-            </a:fontRef>
-          </p:style>
-          <p:txBody>
-            <a:bodyPr lIns="15502" tIns="31005" rIns="15502" bIns="31005" rtlCol="0" anchor="ctr"/>
-            <a:lstStyle/>
-            <a:p>
-              <a:pPr algn="ctr"/>
-              <a:r>
-                <a:rPr lang="en-GB" sz="1033">
-                  <a:solidFill>
-                    <a:schemeClr val="tx1"/>
-                  </a:solidFill>
-                  <a:latin typeface="Segoe UI" panose="020B0502040204020203" pitchFamily="34" charset="0"/>
-                  <a:cs typeface="Segoe UI" panose="020B0502040204020203" pitchFamily="34" charset="0"/>
-                </a:rPr>
-                <a:t>View browser</a:t>
-              </a:r>
-            </a:p>
-          </p:txBody>
-        </p:sp>
-        <p:sp>
-          <p:nvSpPr>
-            <p:cNvPr id="95" name="Rounded Rectangle 94">
-              <a:extLst>
-                <a:ext uri="{FF2B5EF4-FFF2-40B4-BE49-F238E27FC236}">
-                  <a16:creationId xmlns:a16="http://schemas.microsoft.com/office/drawing/2014/main" id="{AFFA54A1-E310-EE26-84FD-36D5F9E01128}"/>
-                </a:ext>
-              </a:extLst>
-            </p:cNvPr>
-            <p:cNvSpPr/>
-            <p:nvPr/>
-          </p:nvSpPr>
-          <p:spPr>
-            <a:xfrm>
-              <a:off x="10042426" y="1878209"/>
-              <a:ext cx="906916" cy="698847"/>
-            </a:xfrm>
-            <a:prstGeom prst="roundRect">
-              <a:avLst>
-                <a:gd name="adj" fmla="val 0"/>
-              </a:avLst>
-            </a:prstGeom>
+            <a:headEnd type="triangle"/>
+            <a:tailEnd type="triangle"/>
+          </a:ln>
+        </p:spPr>
+        <p:style>
+          <a:lnRef idx="2">
+            <a:schemeClr val="accent1"/>
+          </a:lnRef>
+          <a:fillRef idx="0">
+            <a:schemeClr val="accent1"/>
+          </a:fillRef>
+          <a:effectRef idx="1">
+            <a:schemeClr val="accent1"/>
+          </a:effectRef>
+          <a:fontRef idx="minor">
+            <a:schemeClr val="tx1"/>
+          </a:fontRef>
+        </p:style>
+      </p:cxnSp>
+      <p:sp>
+        <p:nvSpPr>
+          <p:cNvPr id="10" name="Rectangle 9">
+            <a:extLst>
+              <a:ext uri="{FF2B5EF4-FFF2-40B4-BE49-F238E27FC236}">
+                <a16:creationId xmlns:a16="http://schemas.microsoft.com/office/drawing/2014/main" id="{89E141FE-0ADC-A9C4-A332-6D1932AC3FD5}"/>
+              </a:ext>
+            </a:extLst>
+          </p:cNvPr>
+          <p:cNvSpPr/>
+          <p:nvPr/>
+        </p:nvSpPr>
+        <p:spPr>
+          <a:xfrm>
+            <a:off x="155346" y="155117"/>
+            <a:ext cx="11896347" cy="6574612"/>
+          </a:xfrm>
+          <a:prstGeom prst="rect">
+            <a:avLst/>
+          </a:prstGeom>
+          <a:noFill/>
+          <a:ln w="28575">
             <a:solidFill>
-              <a:srgbClr val="F6F6F6"/>
+              <a:srgbClr val="2B303B"/>
             </a:solidFill>
-            <a:ln>
-              <a:noFill/>
-            </a:ln>
-          </p:spPr>
-          <p:style>
-            <a:lnRef idx="2">
-              <a:schemeClr val="accent1">
-                <a:shade val="15000"/>
-              </a:schemeClr>
-            </a:lnRef>
-            <a:fillRef idx="1">
-              <a:schemeClr val="accent1"/>
-            </a:fillRef>
-            <a:effectRef idx="0">
-              <a:schemeClr val="accent1"/>
-            </a:effectRef>
-            <a:fontRef idx="minor">
-              <a:schemeClr val="lt1"/>
-            </a:fontRef>
-          </p:style>
-          <p:txBody>
-            <a:bodyPr lIns="15502" tIns="31005" rIns="15502" bIns="31005" rtlCol="0" anchor="ctr"/>
-            <a:lstStyle/>
-            <a:p>
-              <a:pPr algn="ctr"/>
-              <a:r>
-                <a:rPr lang="en-GB" sz="1033">
-                  <a:solidFill>
-                    <a:schemeClr val="tx1"/>
-                  </a:solidFill>
-                  <a:latin typeface="Segoe UI" panose="020B0502040204020203" pitchFamily="34" charset="0"/>
-                  <a:cs typeface="Segoe UI" panose="020B0502040204020203" pitchFamily="34" charset="0"/>
-                </a:rPr>
-                <a:t>Analytical path framework</a:t>
-              </a:r>
-            </a:p>
-          </p:txBody>
-        </p:sp>
-        <p:sp>
-          <p:nvSpPr>
-            <p:cNvPr id="109" name="TextBox 108">
-              <a:extLst>
-                <a:ext uri="{FF2B5EF4-FFF2-40B4-BE49-F238E27FC236}">
-                  <a16:creationId xmlns:a16="http://schemas.microsoft.com/office/drawing/2014/main" id="{94D01ECB-9D71-3865-2416-83DADBF1E25F}"/>
-                </a:ext>
-              </a:extLst>
-            </p:cNvPr>
-            <p:cNvSpPr txBox="1"/>
-            <p:nvPr/>
-          </p:nvSpPr>
-          <p:spPr>
-            <a:xfrm>
-              <a:off x="177107" y="5787010"/>
-              <a:ext cx="1652965" cy="660899"/>
-            </a:xfrm>
-            <a:prstGeom prst="rect">
-              <a:avLst/>
-            </a:prstGeom>
-            <a:noFill/>
-          </p:spPr>
-          <p:txBody>
-            <a:bodyPr wrap="square" rtlCol="0">
-              <a:spAutoFit/>
-            </a:bodyPr>
-            <a:lstStyle/>
-            <a:p>
-              <a:r>
-                <a:rPr lang="en-GB" sz="1033"/>
-                <a:t>In-memory computing, column store</a:t>
-              </a:r>
-            </a:p>
-          </p:txBody>
-        </p:sp>
-        <p:cxnSp>
-          <p:nvCxnSpPr>
-            <p:cNvPr id="110" name="Straight Connector 109">
-              <a:extLst>
-                <a:ext uri="{FF2B5EF4-FFF2-40B4-BE49-F238E27FC236}">
-                  <a16:creationId xmlns:a16="http://schemas.microsoft.com/office/drawing/2014/main" id="{7F83B496-241C-9C96-450D-F9993369D7A9}"/>
-                </a:ext>
-              </a:extLst>
-            </p:cNvPr>
-            <p:cNvCxnSpPr>
-              <a:cxnSpLocks/>
-            </p:cNvCxnSpPr>
-            <p:nvPr/>
-          </p:nvCxnSpPr>
-          <p:spPr>
-            <a:xfrm>
-              <a:off x="1909317" y="6107493"/>
-              <a:ext cx="1196192" cy="0"/>
-            </a:xfrm>
-            <a:prstGeom prst="line">
-              <a:avLst/>
-            </a:prstGeom>
-            <a:ln>
-              <a:solidFill>
-                <a:srgbClr val="EB0A1E"/>
-              </a:solidFill>
-              <a:tailEnd type="oval"/>
-            </a:ln>
-          </p:spPr>
-          <p:style>
-            <a:lnRef idx="2">
-              <a:schemeClr val="accent1"/>
-            </a:lnRef>
-            <a:fillRef idx="0">
-              <a:schemeClr val="accent1"/>
-            </a:fillRef>
-            <a:effectRef idx="1">
-              <a:schemeClr val="accent1"/>
-            </a:effectRef>
-            <a:fontRef idx="minor">
-              <a:schemeClr val="tx1"/>
-            </a:fontRef>
-          </p:style>
-        </p:cxnSp>
-        <p:sp>
-          <p:nvSpPr>
-            <p:cNvPr id="113" name="TextBox 112">
-              <a:extLst>
-                <a:ext uri="{FF2B5EF4-FFF2-40B4-BE49-F238E27FC236}">
-                  <a16:creationId xmlns:a16="http://schemas.microsoft.com/office/drawing/2014/main" id="{9F309E8D-4332-FEEC-5C42-39F6F47DAAB3}"/>
-                </a:ext>
-              </a:extLst>
-            </p:cNvPr>
-            <p:cNvSpPr txBox="1"/>
-            <p:nvPr/>
-          </p:nvSpPr>
-          <p:spPr>
-            <a:xfrm>
-              <a:off x="6416143" y="5507626"/>
-              <a:ext cx="1704844" cy="353418"/>
-            </a:xfrm>
-            <a:prstGeom prst="rect">
-              <a:avLst/>
-            </a:prstGeom>
-            <a:noFill/>
-          </p:spPr>
-          <p:txBody>
-            <a:bodyPr wrap="none" rtlCol="0">
-              <a:spAutoFit/>
-            </a:bodyPr>
-            <a:lstStyle/>
-            <a:p>
-              <a:r>
-                <a:rPr lang="en-GB" sz="1378" b="1" i="1"/>
-                <a:t>Proprietary/SQL</a:t>
-              </a:r>
-            </a:p>
-          </p:txBody>
-        </p:sp>
-        <p:sp>
-          <p:nvSpPr>
-            <p:cNvPr id="118" name="TextBox 117">
-              <a:extLst>
-                <a:ext uri="{FF2B5EF4-FFF2-40B4-BE49-F238E27FC236}">
-                  <a16:creationId xmlns:a16="http://schemas.microsoft.com/office/drawing/2014/main" id="{B7DD12FF-8327-ADC8-B303-DDEC09541DE1}"/>
-                </a:ext>
-              </a:extLst>
-            </p:cNvPr>
-            <p:cNvSpPr txBox="1"/>
-            <p:nvPr/>
-          </p:nvSpPr>
-          <p:spPr>
-            <a:xfrm>
-              <a:off x="11492922" y="4362298"/>
-              <a:ext cx="1740413" cy="845461"/>
-            </a:xfrm>
-            <a:prstGeom prst="rect">
-              <a:avLst/>
-            </a:prstGeom>
-            <a:noFill/>
-          </p:spPr>
-          <p:txBody>
-            <a:bodyPr wrap="square" rtlCol="0">
-              <a:spAutoFit/>
-            </a:bodyPr>
-            <a:lstStyle/>
-            <a:p>
-              <a:r>
-                <a:rPr lang="en-GB" sz="1033" i="1"/>
-                <a:t>SAC:</a:t>
-              </a:r>
-            </a:p>
-            <a:p>
-              <a:pPr marL="147653" indent="-147653">
-                <a:buFont typeface="Arial" panose="020B0604020202020204" pitchFamily="34" charset="0"/>
-                <a:buChar char="•"/>
-              </a:pPr>
-              <a:r>
-                <a:rPr lang="en-GB" sz="1033" i="1"/>
-                <a:t>An extension to S/4HANA, not but deeply integrated</a:t>
-              </a:r>
-            </a:p>
-          </p:txBody>
-        </p:sp>
-        <p:sp>
-          <p:nvSpPr>
-            <p:cNvPr id="124" name="TextBox 123">
-              <a:extLst>
-                <a:ext uri="{FF2B5EF4-FFF2-40B4-BE49-F238E27FC236}">
-                  <a16:creationId xmlns:a16="http://schemas.microsoft.com/office/drawing/2014/main" id="{C9F3EFF2-B1C4-C632-F531-FFFE65DDB74A}"/>
-                </a:ext>
-              </a:extLst>
-            </p:cNvPr>
-            <p:cNvSpPr txBox="1"/>
-            <p:nvPr/>
-          </p:nvSpPr>
-          <p:spPr>
-            <a:xfrm>
-              <a:off x="11349004" y="2854950"/>
-              <a:ext cx="1740413" cy="476335"/>
-            </a:xfrm>
-            <a:prstGeom prst="rect">
-              <a:avLst/>
-            </a:prstGeom>
-            <a:noFill/>
-          </p:spPr>
-          <p:txBody>
-            <a:bodyPr wrap="square" rtlCol="0">
-              <a:spAutoFit/>
-            </a:bodyPr>
-            <a:lstStyle/>
-            <a:p>
-              <a:r>
-                <a:rPr lang="en-GB" sz="1033" i="1"/>
-                <a:t>Stories launch from other apps</a:t>
-              </a:r>
-            </a:p>
-          </p:txBody>
-        </p:sp>
-        <p:cxnSp>
-          <p:nvCxnSpPr>
-            <p:cNvPr id="126" name="Straight Arrow Connector 125">
-              <a:extLst>
-                <a:ext uri="{FF2B5EF4-FFF2-40B4-BE49-F238E27FC236}">
-                  <a16:creationId xmlns:a16="http://schemas.microsoft.com/office/drawing/2014/main" id="{0F613EF9-72CD-CCB2-ED13-1D1380DEE84B}"/>
-                </a:ext>
-              </a:extLst>
-            </p:cNvPr>
-            <p:cNvCxnSpPr>
-              <a:cxnSpLocks/>
-            </p:cNvCxnSpPr>
-            <p:nvPr/>
-          </p:nvCxnSpPr>
-          <p:spPr>
-            <a:xfrm>
-              <a:off x="6210626" y="3000588"/>
-              <a:ext cx="0" cy="500309"/>
-            </a:xfrm>
-            <a:prstGeom prst="straightConnector1">
-              <a:avLst/>
-            </a:prstGeom>
-            <a:ln w="38100">
-              <a:solidFill>
-                <a:srgbClr val="2B303B"/>
-              </a:solidFill>
-              <a:headEnd type="triangle"/>
-              <a:tailEnd type="triangle"/>
-            </a:ln>
-          </p:spPr>
-          <p:style>
-            <a:lnRef idx="2">
-              <a:schemeClr val="accent1"/>
-            </a:lnRef>
-            <a:fillRef idx="0">
-              <a:schemeClr val="accent1"/>
-            </a:fillRef>
-            <a:effectRef idx="1">
-              <a:schemeClr val="accent1"/>
-            </a:effectRef>
-            <a:fontRef idx="minor">
-              <a:schemeClr val="tx1"/>
-            </a:fontRef>
-          </p:style>
-        </p:cxnSp>
-        <p:cxnSp>
-          <p:nvCxnSpPr>
-            <p:cNvPr id="128" name="Straight Arrow Connector 127">
-              <a:extLst>
-                <a:ext uri="{FF2B5EF4-FFF2-40B4-BE49-F238E27FC236}">
-                  <a16:creationId xmlns:a16="http://schemas.microsoft.com/office/drawing/2014/main" id="{15E7F25D-5B23-9648-B588-1DF568365A34}"/>
-                </a:ext>
-              </a:extLst>
-            </p:cNvPr>
-            <p:cNvCxnSpPr>
-              <a:cxnSpLocks/>
-            </p:cNvCxnSpPr>
-            <p:nvPr/>
-          </p:nvCxnSpPr>
-          <p:spPr>
-            <a:xfrm>
-              <a:off x="6260195" y="5366797"/>
-              <a:ext cx="0" cy="548690"/>
-            </a:xfrm>
-            <a:prstGeom prst="straightConnector1">
-              <a:avLst/>
-            </a:prstGeom>
-            <a:ln w="38100">
-              <a:solidFill>
-                <a:srgbClr val="2B303B"/>
-              </a:solidFill>
-              <a:headEnd type="triangle"/>
-              <a:tailEnd type="triangle"/>
-            </a:ln>
-          </p:spPr>
-          <p:style>
-            <a:lnRef idx="2">
-              <a:schemeClr val="accent1"/>
-            </a:lnRef>
-            <a:fillRef idx="0">
-              <a:schemeClr val="accent1"/>
-            </a:fillRef>
-            <a:effectRef idx="1">
-              <a:schemeClr val="accent1"/>
-            </a:effectRef>
-            <a:fontRef idx="minor">
-              <a:schemeClr val="tx1"/>
-            </a:fontRef>
-          </p:style>
-        </p:cxnSp>
-      </p:grpSp>
+          </a:ln>
+        </p:spPr>
+        <p:style>
+          <a:lnRef idx="2">
+            <a:schemeClr val="accent1">
+              <a:shade val="15000"/>
+            </a:schemeClr>
+          </a:lnRef>
+          <a:fillRef idx="1">
+            <a:schemeClr val="accent1"/>
+          </a:fillRef>
+          <a:effectRef idx="0">
+            <a:schemeClr val="accent1"/>
+          </a:effectRef>
+          <a:fontRef idx="minor">
+            <a:schemeClr val="lt1"/>
+          </a:fontRef>
+        </p:style>
+        <p:txBody>
+          <a:bodyPr rtlCol="0" anchor="ctr"/>
+          <a:lstStyle/>
+          <a:p>
+            <a:pPr algn="ctr"/>
+            <a:endParaRPr lang="en-GB" sz="1550">
+              <a:latin typeface="Segoe UI" panose="020B0502040204020203" pitchFamily="34" charset="0"/>
+              <a:cs typeface="Segoe UI" panose="020B0502040204020203" pitchFamily="34" charset="0"/>
+            </a:endParaRPr>
+          </a:p>
+        </p:txBody>
+      </p:sp>
+      <p:sp>
+        <p:nvSpPr>
+          <p:cNvPr id="11" name="TextBox 10">
+            <a:extLst>
+              <a:ext uri="{FF2B5EF4-FFF2-40B4-BE49-F238E27FC236}">
+                <a16:creationId xmlns:a16="http://schemas.microsoft.com/office/drawing/2014/main" id="{CC9E69FA-2E24-2605-0B19-3036828C7233}"/>
+              </a:ext>
+            </a:extLst>
+          </p:cNvPr>
+          <p:cNvSpPr txBox="1"/>
+          <p:nvPr/>
+        </p:nvSpPr>
+        <p:spPr>
+          <a:xfrm>
+            <a:off x="3644296" y="236899"/>
+            <a:ext cx="4670894" cy="330860"/>
+          </a:xfrm>
+          <a:prstGeom prst="rect">
+            <a:avLst/>
+          </a:prstGeom>
+          <a:noFill/>
+        </p:spPr>
+        <p:txBody>
+          <a:bodyPr wrap="none" rtlCol="0">
+            <a:spAutoFit/>
+          </a:bodyPr>
+          <a:lstStyle/>
+          <a:p>
+            <a:r>
+              <a:rPr lang="en-GB" sz="1550" i="1">
+                <a:latin typeface="Segoe UI" panose="020B0502040204020203" pitchFamily="34" charset="0"/>
+                <a:cs typeface="Segoe UI" panose="020B0502040204020203" pitchFamily="34" charset="0"/>
+              </a:rPr>
+              <a:t>S/4HANA Embedded Analytics: Solution Architecture</a:t>
+            </a:r>
+          </a:p>
+        </p:txBody>
+      </p:sp>
     </p:spTree>
     <p:extLst>
       <p:ext uri="{BB962C8B-B14F-4D97-AF65-F5344CB8AC3E}">
-        <p14:creationId xmlns:p14="http://schemas.microsoft.com/office/powerpoint/2010/main" val="791933795"/>
+        <p14:creationId xmlns:p14="http://schemas.microsoft.com/office/powerpoint/2010/main" val="3764447430"/>
       </p:ext>
     </p:extLst>
   </p:cSld>
